--- a/Notebooks/EngineeringNotebook/MS-PowerPoint-Files/tsWxGTUI_PyVx/Project.pptx
+++ b/Notebooks/EngineeringNotebook/MS-PowerPoint-Files/tsWxGTUI_PyVx/Project.pptx
@@ -309,7 +309,7 @@
               <a:pPr>
                 <a:defRPr/>
               </a:pPr>
-              <a:t>11/25/2015</a:t>
+              <a:t>12/23/2016</a:t>
             </a:fld>
             <a:endParaRPr lang="en-US"/>
           </a:p>
@@ -546,7 +546,7 @@
               <a:pPr>
                 <a:defRPr/>
               </a:pPr>
-              <a:t>11/25/2015</a:t>
+              <a:t>12/23/2016</a:t>
             </a:fld>
             <a:endParaRPr lang="en-US"/>
           </a:p>
@@ -618,35 +618,35 @@
           <a:p>
             <a:pPr lvl="0"/>
             <a:r>
-              <a:rPr lang="en-US" noProof="0" smtClean="0"/>
+              <a:rPr lang="en-US" noProof="0"/>
               <a:t>Click to edit Master text styles</a:t>
             </a:r>
           </a:p>
           <a:p>
             <a:pPr lvl="1"/>
             <a:r>
-              <a:rPr lang="en-US" noProof="0" smtClean="0"/>
+              <a:rPr lang="en-US" noProof="0"/>
               <a:t>Second level</a:t>
             </a:r>
           </a:p>
           <a:p>
             <a:pPr lvl="2"/>
             <a:r>
-              <a:rPr lang="en-US" noProof="0" smtClean="0"/>
+              <a:rPr lang="en-US" noProof="0"/>
               <a:t>Third level</a:t>
             </a:r>
           </a:p>
           <a:p>
             <a:pPr lvl="3"/>
             <a:r>
-              <a:rPr lang="en-US" noProof="0" smtClean="0"/>
+              <a:rPr lang="en-US" noProof="0"/>
               <a:t>Fourth level</a:t>
             </a:r>
           </a:p>
           <a:p>
             <a:pPr lvl="4"/>
             <a:r>
-              <a:rPr lang="en-US" noProof="0" smtClean="0"/>
+              <a:rPr lang="en-US" noProof="0"/>
               <a:t>Fifth level</a:t>
             </a:r>
           </a:p>
@@ -933,7 +933,7 @@
           <a:lstStyle/>
           <a:p>
             <a:pPr eaLnBrk="1" hangingPunct="1"/>
-            <a:endParaRPr lang="en-US" smtClean="0"/>
+            <a:endParaRPr lang="en-US"/>
           </a:p>
         </p:txBody>
       </p:sp>
@@ -1000,7 +1000,7 @@
           <a:lstStyle/>
           <a:p>
             <a:pPr eaLnBrk="1" hangingPunct="1"/>
-            <a:endParaRPr lang="en-US" smtClean="0"/>
+            <a:endParaRPr lang="en-US"/>
           </a:p>
         </p:txBody>
       </p:sp>
@@ -1067,7 +1067,7 @@
           <a:lstStyle/>
           <a:p>
             <a:pPr eaLnBrk="1" hangingPunct="1"/>
-            <a:endParaRPr lang="en-US" smtClean="0"/>
+            <a:endParaRPr lang="en-US"/>
           </a:p>
         </p:txBody>
       </p:sp>
@@ -1134,7 +1134,7 @@
           <a:lstStyle/>
           <a:p>
             <a:pPr eaLnBrk="1" hangingPunct="1"/>
-            <a:endParaRPr lang="en-US" smtClean="0"/>
+            <a:endParaRPr lang="en-US"/>
           </a:p>
         </p:txBody>
       </p:sp>
@@ -1593,7 +1593,7 @@
             </a:pPr>
             <a:fld id="{B5B52024-79AA-4062-8229-397D9E214550}" type="datetime1">
               <a:rPr lang="en-US" smtClean="0"/>
-              <a:t>11/25/2015</a:t>
+              <a:t>12/23/2016</a:t>
             </a:fld>
             <a:endParaRPr lang="en-US"/>
           </a:p>
@@ -1631,10 +1631,9 @@
               <a:defRPr/>
             </a:pPr>
             <a:r>
-              <a:rPr lang="en-US" dirty="0" smtClean="0"/>
+              <a:rPr lang="en-US" dirty="0"/>
               <a:t>TeamSTARS "tsWxGTUI_PyVx" Toolkit prepared &amp; presented by Richard S. Gordon</a:t>
             </a:r>
-            <a:endParaRPr lang="en-US" dirty="0"/>
           </a:p>
         </p:txBody>
       </p:sp>
@@ -1799,7 +1798,7 @@
             </a:pPr>
             <a:fld id="{5534B48B-48D4-4D1F-B98F-2ED8E1B04ED0}" type="datetime1">
               <a:rPr lang="en-US" smtClean="0"/>
-              <a:t>11/25/2015</a:t>
+              <a:t>12/23/2016</a:t>
             </a:fld>
             <a:endParaRPr lang="en-US"/>
           </a:p>
@@ -1830,10 +1829,9 @@
               <a:defRPr/>
             </a:pPr>
             <a:r>
-              <a:rPr lang="en-US" dirty="0" smtClean="0"/>
+              <a:rPr lang="en-US" dirty="0"/>
               <a:t>TeamSTARS "tsWxGTUI_PyVx" Toolkit prepared &amp; presented by Richard S. Gordon</a:t>
             </a:r>
-            <a:endParaRPr lang="en-US" dirty="0"/>
           </a:p>
         </p:txBody>
       </p:sp>
@@ -2001,7 +1999,7 @@
             </a:pPr>
             <a:fld id="{C3557E2B-7DD4-4DCF-9DDD-7786167218C6}" type="datetime1">
               <a:rPr lang="en-US" smtClean="0"/>
-              <a:t>11/25/2015</a:t>
+              <a:t>12/23/2016</a:t>
             </a:fld>
             <a:endParaRPr lang="en-US"/>
           </a:p>
@@ -2032,10 +2030,9 @@
               <a:defRPr/>
             </a:pPr>
             <a:r>
-              <a:rPr lang="en-US" dirty="0" smtClean="0"/>
+              <a:rPr lang="en-US" dirty="0"/>
               <a:t>TeamSTARS "tsWxGTUI_PyVx" Toolkit prepared &amp; presented by Richard S. Gordon</a:t>
             </a:r>
-            <a:endParaRPr lang="en-US" dirty="0"/>
           </a:p>
         </p:txBody>
       </p:sp>
@@ -2193,7 +2190,7 @@
             </a:pPr>
             <a:fld id="{65B11A62-63AA-4067-ACEB-AA6A42CE3A38}" type="datetime1">
               <a:rPr lang="en-US" smtClean="0"/>
-              <a:t>11/25/2015</a:t>
+              <a:t>12/23/2016</a:t>
             </a:fld>
             <a:endParaRPr lang="en-US"/>
           </a:p>
@@ -2224,10 +2221,9 @@
               <a:defRPr/>
             </a:pPr>
             <a:r>
-              <a:rPr lang="en-US" dirty="0" smtClean="0"/>
+              <a:rPr lang="en-US" dirty="0"/>
               <a:t>TeamSTARS "tsWxGTUI_PyVx" Toolkit prepared &amp; presented by Richard S. Gordon</a:t>
             </a:r>
-            <a:endParaRPr lang="en-US" dirty="0"/>
           </a:p>
         </p:txBody>
       </p:sp>
@@ -2408,7 +2404,7 @@
             </a:pPr>
             <a:fld id="{013FB6F9-CFEF-47AA-A08B-D90CED01DE9A}" type="datetime1">
               <a:rPr lang="en-US" smtClean="0"/>
-              <a:t>11/25/2015</a:t>
+              <a:t>12/23/2016</a:t>
             </a:fld>
             <a:endParaRPr lang="en-US"/>
           </a:p>
@@ -2439,10 +2435,9 @@
               <a:defRPr/>
             </a:pPr>
             <a:r>
-              <a:rPr lang="en-US" dirty="0" smtClean="0"/>
+              <a:rPr lang="en-US" dirty="0"/>
               <a:t>TeamSTARS "tsWxGTUI_PyVx" Toolkit prepared &amp; presented by Richard S. Gordon</a:t>
             </a:r>
-            <a:endParaRPr lang="en-US" dirty="0"/>
           </a:p>
         </p:txBody>
       </p:sp>
@@ -2717,7 +2712,7 @@
             </a:pPr>
             <a:fld id="{44D06F95-D493-494F-B0EB-3EDFAA385886}" type="datetime1">
               <a:rPr lang="en-US" smtClean="0"/>
-              <a:t>11/25/2015</a:t>
+              <a:t>12/23/2016</a:t>
             </a:fld>
             <a:endParaRPr lang="en-US"/>
           </a:p>
@@ -2748,10 +2743,9 @@
               <a:defRPr/>
             </a:pPr>
             <a:r>
-              <a:rPr lang="en-US" dirty="0" smtClean="0"/>
+              <a:rPr lang="en-US" dirty="0"/>
               <a:t>TeamSTARS "tsWxGTUI_PyVx" Toolkit prepared &amp; presented by Richard S. Gordon</a:t>
             </a:r>
-            <a:endParaRPr lang="en-US" dirty="0"/>
           </a:p>
         </p:txBody>
       </p:sp>
@@ -3165,7 +3159,7 @@
             </a:pPr>
             <a:fld id="{26FA81D3-96E1-4758-9306-72CE9F6E2F25}" type="datetime1">
               <a:rPr lang="en-US" smtClean="0"/>
-              <a:t>11/25/2015</a:t>
+              <a:t>12/23/2016</a:t>
             </a:fld>
             <a:endParaRPr lang="en-US"/>
           </a:p>
@@ -3196,10 +3190,9 @@
               <a:defRPr/>
             </a:pPr>
             <a:r>
-              <a:rPr lang="en-US" dirty="0" smtClean="0"/>
+              <a:rPr lang="en-US" dirty="0"/>
               <a:t>TeamSTARS "tsWxGTUI_PyVx" Toolkit prepared &amp; presented by Richard S. Gordon</a:t>
             </a:r>
-            <a:endParaRPr lang="en-US" dirty="0"/>
           </a:p>
         </p:txBody>
       </p:sp>
@@ -3306,7 +3299,7 @@
             </a:pPr>
             <a:fld id="{C22C02A3-FDB2-4B02-8110-311DDD8475C2}" type="datetime1">
               <a:rPr lang="en-US" smtClean="0"/>
-              <a:t>11/25/2015</a:t>
+              <a:t>12/23/2016</a:t>
             </a:fld>
             <a:endParaRPr lang="en-US"/>
           </a:p>
@@ -3337,10 +3330,9 @@
               <a:defRPr/>
             </a:pPr>
             <a:r>
-              <a:rPr lang="en-US" dirty="0" smtClean="0"/>
+              <a:rPr lang="en-US" dirty="0"/>
               <a:t>TeamSTARS "tsWxGTUI_PyVx" Toolkit prepared &amp; presented by Richard S. Gordon</a:t>
             </a:r>
-            <a:endParaRPr lang="en-US" dirty="0"/>
           </a:p>
         </p:txBody>
       </p:sp>
@@ -3423,7 +3415,7 @@
             </a:pPr>
             <a:fld id="{FB277746-3C8E-4161-A66B-B97D4FD5213A}" type="datetime1">
               <a:rPr lang="en-US" smtClean="0"/>
-              <a:t>11/25/2015</a:t>
+              <a:t>12/23/2016</a:t>
             </a:fld>
             <a:endParaRPr lang="en-US"/>
           </a:p>
@@ -3717,7 +3709,7 @@
             </a:pPr>
             <a:fld id="{86B778C6-FEB5-4910-BBA7-BBA76466D3B2}" type="datetime1">
               <a:rPr lang="en-US" smtClean="0"/>
-              <a:t>11/25/2015</a:t>
+              <a:t>12/23/2016</a:t>
             </a:fld>
             <a:endParaRPr lang="en-US"/>
           </a:p>
@@ -3748,10 +3740,9 @@
               <a:defRPr/>
             </a:pPr>
             <a:r>
-              <a:rPr lang="en-US" dirty="0" smtClean="0"/>
+              <a:rPr lang="en-US" dirty="0"/>
               <a:t>TeamSTARS "tsWxGTUI_PyVx" Toolkit prepared &amp; presented by Richard S. Gordon</a:t>
             </a:r>
-            <a:endParaRPr lang="en-US" dirty="0"/>
           </a:p>
         </p:txBody>
       </p:sp>
@@ -3994,7 +3985,7 @@
             </a:pPr>
             <a:fld id="{7A68BEE5-7335-4799-9F53-F65CFD274630}" type="datetime1">
               <a:rPr lang="en-US" smtClean="0"/>
-              <a:t>11/25/2015</a:t>
+              <a:t>12/23/2016</a:t>
             </a:fld>
             <a:endParaRPr lang="en-US"/>
           </a:p>
@@ -4025,10 +4016,9 @@
               <a:defRPr/>
             </a:pPr>
             <a:r>
-              <a:rPr lang="en-US" dirty="0" smtClean="0"/>
+              <a:rPr lang="en-US" dirty="0"/>
               <a:t>TeamSTARS "tsWxGTUI_PyVx" Toolkit prepared &amp; presented by Richard S. Gordon</a:t>
             </a:r>
-            <a:endParaRPr lang="en-US" dirty="0"/>
           </a:p>
         </p:txBody>
       </p:sp>
@@ -4408,7 +4398,7 @@
           <a:p>
             <a:pPr lvl="0"/>
             <a:r>
-              <a:rPr lang="en-US" smtClean="0"/>
+              <a:rPr lang="en-US"/>
               <a:t>Click to edit Master title style</a:t>
             </a:r>
           </a:p>
@@ -4450,35 +4440,35 @@
           <a:p>
             <a:pPr lvl="0"/>
             <a:r>
-              <a:rPr lang="en-US" smtClean="0"/>
+              <a:rPr lang="en-US"/>
               <a:t>Click to edit Master text styles</a:t>
             </a:r>
           </a:p>
           <a:p>
             <a:pPr lvl="1"/>
             <a:r>
-              <a:rPr lang="en-US" smtClean="0"/>
+              <a:rPr lang="en-US"/>
               <a:t>Second level</a:t>
             </a:r>
           </a:p>
           <a:p>
             <a:pPr lvl="2"/>
             <a:r>
-              <a:rPr lang="en-US" smtClean="0"/>
+              <a:rPr lang="en-US"/>
               <a:t>Third level</a:t>
             </a:r>
           </a:p>
           <a:p>
             <a:pPr lvl="3"/>
             <a:r>
-              <a:rPr lang="en-US" smtClean="0"/>
+              <a:rPr lang="en-US"/>
               <a:t>Fourth level</a:t>
             </a:r>
           </a:p>
           <a:p>
             <a:pPr lvl="4"/>
             <a:r>
-              <a:rPr lang="en-US" smtClean="0"/>
+              <a:rPr lang="en-US"/>
               <a:t>Fifth level</a:t>
             </a:r>
           </a:p>
@@ -4528,7 +4518,7 @@
             </a:pPr>
             <a:fld id="{45A933D1-86C7-45FF-B83F-CA5ED825AD11}" type="datetime1">
               <a:rPr lang="en-US" smtClean="0"/>
-              <a:t>11/25/2015</a:t>
+              <a:t>12/23/2016</a:t>
             </a:fld>
             <a:endParaRPr lang="en-US"/>
           </a:p>
@@ -4577,10 +4567,9 @@
               <a:defRPr/>
             </a:pPr>
             <a:r>
-              <a:rPr lang="en-US" dirty="0" smtClean="0"/>
+              <a:rPr lang="en-US" dirty="0"/>
               <a:t>TeamSTARS "tsWxGTUI_PyVx" Toolkit prepared &amp; presented by Richard S. Gordon</a:t>
             </a:r>
-            <a:endParaRPr lang="en-US" dirty="0"/>
           </a:p>
         </p:txBody>
       </p:sp>
@@ -5112,10 +5101,9 @@
           <a:lstStyle/>
           <a:p>
             <a:r>
-              <a:rPr lang="en-US" dirty="0" smtClean="0"/>
+              <a:rPr lang="en-US" dirty="0"/>
               <a:t>Project</a:t>
             </a:r>
-            <a:endParaRPr lang="en-US" dirty="0"/>
           </a:p>
         </p:txBody>
       </p:sp>
@@ -5138,14 +5126,14 @@
               <a:buFont typeface="Wingdings" pitchFamily="2" charset="2"/>
               <a:buNone/>
             </a:pPr>
-            <a:endParaRPr lang="en-US" sz="2800" smtClean="0"/>
+            <a:endParaRPr lang="en-US" sz="2800"/>
           </a:p>
           <a:p>
             <a:pPr marL="0" indent="0" algn="ctr" eaLnBrk="1" hangingPunct="1">
               <a:buFont typeface="Wingdings" pitchFamily="2" charset="2"/>
               <a:buNone/>
             </a:pPr>
-            <a:endParaRPr lang="en-US" sz="2800" smtClean="0"/>
+            <a:endParaRPr lang="en-US" sz="2800"/>
           </a:p>
         </p:txBody>
       </p:sp>
@@ -5168,9 +5156,9 @@
           <a:p>
             <a:fld id="{878D0E70-D567-4EAD-BEEC-D30EFDF84A73}" type="datetime1">
               <a:rPr lang="en-US" smtClean="0"/>
-              <a:t>11/25/2015</a:t>
+              <a:t>12/23/2016</a:t>
             </a:fld>
-            <a:endParaRPr lang="en-US" smtClean="0"/>
+            <a:endParaRPr lang="en-US"/>
           </a:p>
         </p:txBody>
       </p:sp>
@@ -5226,34 +5214,32 @@
       </p:sp>
       <p:pic>
         <p:nvPicPr>
-          <p:cNvPr id="6151" name="Picture 5" descr="tsWxGTUI_PyVx Masthead"/>
+          <p:cNvPr id="3" name="Picture 2"/>
           <p:cNvPicPr>
-            <a:picLocks noChangeAspect="1" noChangeArrowheads="1"/>
+            <a:picLocks noChangeAspect="1"/>
           </p:cNvPicPr>
           <p:nvPr/>
         </p:nvPicPr>
         <p:blipFill>
-          <a:blip r:embed="rId3"/>
-          <a:srcRect/>
+          <a:blip r:embed="rId3">
+            <a:extLst>
+              <a:ext uri="{28A0092B-C50C-407E-A947-70E740481C1C}">
+                <a14:useLocalDpi xmlns:a14="http://schemas.microsoft.com/office/drawing/2010/main" val="0"/>
+              </a:ext>
+            </a:extLst>
+          </a:blip>
           <a:stretch>
             <a:fillRect/>
           </a:stretch>
         </p:blipFill>
-        <p:spPr bwMode="auto">
+        <p:spPr>
           <a:xfrm>
-            <a:off x="1524000" y="2195513"/>
-            <a:ext cx="9196388" cy="2259012"/>
+            <a:off x="555812" y="2419349"/>
+            <a:ext cx="11044517" cy="3510401"/>
           </a:xfrm>
           <a:prstGeom prst="rect">
             <a:avLst/>
           </a:prstGeom>
-          <a:noFill/>
-          <a:ln w="9525">
-            <a:noFill/>
-            <a:miter lim="800000"/>
-            <a:headEnd/>
-            <a:tailEnd/>
-          </a:ln>
         </p:spPr>
       </p:pic>
     </p:spTree>
@@ -5262,13 +5248,6 @@
     <a:masterClrMapping/>
   </p:clrMapOvr>
   <p:transition/>
-  <p:timing>
-    <p:tnLst>
-      <p:par>
-        <p:cTn id="1" dur="indefinite" restart="never" nodeType="tmRoot"/>
-      </p:par>
-    </p:tnLst>
-  </p:timing>
 </p:sld>
 </file>
 
@@ -5305,12 +5284,8 @@
           <a:lstStyle/>
           <a:p>
             <a:r>
-              <a:rPr lang="en-US" sz="3200" dirty="0" smtClean="0"/>
-              <a:t>Goals (User “How-to-Guide” </a:t>
-            </a:r>
-            <a:r>
               <a:rPr lang="en-US" sz="3200" dirty="0"/>
-              <a:t>Capabilities) </a:t>
+              <a:t>Goals (User “How-to-Guide” Capabilities) </a:t>
             </a:r>
             <a:r>
               <a:rPr lang="en-US" sz="2000" dirty="0"/>
@@ -5397,28 +5372,15 @@
             <a:pPr lvl="1" eaLnBrk="1" hangingPunct="1"/>
             <a:r>
               <a:rPr lang="en-US" sz="2000" dirty="0"/>
-              <a:t>Typical on-line information about </a:t>
-            </a:r>
-            <a:r>
-              <a:rPr lang="en-US" sz="2000" dirty="0" smtClean="0"/>
-              <a:t>Command Line Interface &amp; Graphical  User Interface use </a:t>
-            </a:r>
+              <a:t>Typical on-line information about Command Line Interface &amp; Graphical  User Interface use and application programming for each building block and tool.</a:t>
+            </a:r>
+          </a:p>
+          <a:p>
+            <a:pPr lvl="1" eaLnBrk="1" hangingPunct="1"/>
             <a:r>
               <a:rPr lang="en-US" sz="2000" dirty="0"/>
-              <a:t>and application programming for each building block and tool.</a:t>
-            </a:r>
-          </a:p>
-          <a:p>
-            <a:pPr lvl="1" eaLnBrk="1" hangingPunct="1"/>
-            <a:r>
-              <a:rPr lang="en-US" sz="2000" dirty="0"/>
-              <a:t>In a plain text format suitable for embedded systems with only character-mode terminals</a:t>
-            </a:r>
-            <a:r>
-              <a:rPr lang="en-US" sz="2000" dirty="0" smtClean="0"/>
-              <a:t>.</a:t>
-            </a:r>
-            <a:endParaRPr lang="en-US" sz="2000" dirty="0"/>
+              <a:t>In a plain text format suitable for embedded systems with only character-mode terminals.</a:t>
+            </a:r>
           </a:p>
         </p:txBody>
       </p:sp>
@@ -5442,7 +5404,7 @@
             </a:pPr>
             <a:fld id="{9EBE0EAB-809B-453B-94C6-DF83651F7AB4}" type="datetime1">
               <a:rPr lang="en-US" smtClean="0"/>
-              <a:t>11/25/2015</a:t>
+              <a:t>12/23/2016</a:t>
             </a:fld>
             <a:endParaRPr lang="en-US"/>
           </a:p>
@@ -5467,10 +5429,9 @@
               <a:defRPr/>
             </a:pPr>
             <a:r>
-              <a:rPr lang="en-US" dirty="0" smtClean="0"/>
+              <a:rPr lang="en-US" dirty="0"/>
               <a:t>TeamSTARS "tsWxGTUI_PyVx" Toolkit prepared &amp; presented by Richard S. Gordon</a:t>
             </a:r>
-            <a:endParaRPr lang="en-US" dirty="0"/>
           </a:p>
         </p:txBody>
       </p:sp>
@@ -5508,13 +5469,6 @@
   <p:clrMapOvr>
     <a:masterClrMapping/>
   </p:clrMapOvr>
-  <p:timing>
-    <p:tnLst>
-      <p:par>
-        <p:cTn id="1" dur="indefinite" restart="never" nodeType="tmRoot"/>
-      </p:par>
-    </p:tnLst>
-  </p:timing>
 </p:sld>
 </file>
 
@@ -5552,12 +5506,8 @@
           <a:p>
             <a:pPr eaLnBrk="1" hangingPunct="1"/>
             <a:r>
-              <a:rPr lang="en-US" sz="3200" dirty="0" smtClean="0"/>
-              <a:t>Non-Goals (Host Virtual Machine Limitation</a:t>
-            </a:r>
-            <a:r>
               <a:rPr lang="en-US" sz="3200" dirty="0"/>
-              <a:t>) </a:t>
+              <a:t>Non-Goals (Host Virtual Machine Limitation) </a:t>
             </a:r>
             <a:r>
               <a:rPr lang="en-US" sz="2000" dirty="0"/>
@@ -5573,7 +5523,6 @@
               <a:rPr lang="en-US" sz="2000" dirty="0"/>
               <a:t>)</a:t>
             </a:r>
-            <a:endParaRPr lang="en-US" sz="2000" dirty="0" smtClean="0"/>
           </a:p>
         </p:txBody>
       </p:sp>
@@ -5594,92 +5543,76 @@
           <a:p>
             <a:pPr eaLnBrk="1" hangingPunct="1"/>
             <a:r>
-              <a:rPr lang="en-US" sz="2400" dirty="0" smtClean="0"/>
+              <a:rPr lang="en-US" sz="2400" dirty="0"/>
               <a:t>Project will NOT provide </a:t>
             </a:r>
             <a:r>
-              <a:rPr lang="en-US" sz="2400" i="1" dirty="0" smtClean="0"/>
+              <a:rPr lang="en-US" sz="2400" i="1" dirty="0"/>
               <a:t>“Magical”  </a:t>
             </a:r>
             <a:r>
-              <a:rPr lang="en-US" sz="2400" dirty="0" smtClean="0"/>
+              <a:rPr lang="en-US" sz="2400" dirty="0"/>
               <a:t>Host Virtual Machines which:</a:t>
             </a:r>
           </a:p>
           <a:p>
             <a:pPr lvl="1" eaLnBrk="1" hangingPunct="1"/>
             <a:r>
-              <a:rPr lang="en-US" sz="2000" b="1" dirty="0" smtClean="0"/>
+              <a:rPr lang="en-US" sz="2000" b="1" dirty="0"/>
               <a:t>Run incompatible Processor &amp; Operating System Specific Applications:</a:t>
             </a:r>
           </a:p>
           <a:p>
             <a:pPr lvl="2" eaLnBrk="1" hangingPunct="1"/>
             <a:r>
-              <a:rPr lang="en-US" sz="1600" dirty="0" smtClean="0"/>
+              <a:rPr lang="en-US" sz="1600" dirty="0"/>
               <a:t>You should </a:t>
             </a:r>
             <a:r>
-              <a:rPr lang="en-US" sz="1600" b="1" dirty="0" smtClean="0"/>
+              <a:rPr lang="en-US" sz="1600" b="1" dirty="0"/>
               <a:t>NOT</a:t>
             </a:r>
             <a:r>
-              <a:rPr lang="en-US" sz="1600" dirty="0" smtClean="0"/>
-              <a:t> expect to be able to run application programs designed specifically for one </a:t>
-            </a:r>
-            <a:r>
               <a:rPr lang="en-US" sz="1600" dirty="0"/>
-              <a:t>make &amp; model processor and </a:t>
-            </a:r>
-            <a:r>
-              <a:rPr lang="en-US" sz="1600" dirty="0" smtClean="0"/>
-              <a:t>operating system on a different </a:t>
-            </a:r>
+              <a:t> expect to be able to run application programs designed specifically for one make &amp; model processor and operating system on a different make &amp; model processor and operating system. </a:t>
+            </a:r>
+          </a:p>
+          <a:p>
+            <a:pPr lvl="2" eaLnBrk="1" hangingPunct="1"/>
             <a:r>
               <a:rPr lang="en-US" sz="1600" dirty="0"/>
-              <a:t>make &amp; model processor </a:t>
-            </a:r>
-            <a:r>
-              <a:rPr lang="en-US" sz="1600" dirty="0" smtClean="0"/>
-              <a:t>and operating system. </a:t>
-            </a:r>
-          </a:p>
-          <a:p>
-            <a:pPr lvl="2" eaLnBrk="1" hangingPunct="1"/>
-            <a:r>
-              <a:rPr lang="en-US" sz="1600" dirty="0" smtClean="0"/>
               <a:t>You should </a:t>
             </a:r>
             <a:r>
-              <a:rPr lang="en-US" sz="1600" b="1" dirty="0" smtClean="0"/>
+              <a:rPr lang="en-US" sz="1600" b="1" dirty="0"/>
               <a:t>ONLY</a:t>
             </a:r>
             <a:r>
-              <a:rPr lang="en-US" sz="1600" dirty="0" smtClean="0"/>
+              <a:rPr lang="en-US" sz="1600" dirty="0"/>
               <a:t> expect to be able to run applications designed to run on a Python “virtual machine” that itself has been designed (by the Python Software Foundation) for the specific processor &amp; operating system, tested and certified to correctly interpret and execute source code appropriate for the Python language generation (such as obsolete </a:t>
             </a:r>
             <a:r>
-              <a:rPr lang="en-US" sz="1600" b="1" dirty="0" smtClean="0"/>
+              <a:rPr lang="en-US" sz="1600" b="1" dirty="0"/>
               <a:t>1x</a:t>
             </a:r>
             <a:r>
-              <a:rPr lang="en-US" sz="1600" dirty="0" smtClean="0"/>
+              <a:rPr lang="en-US" sz="1600" dirty="0"/>
               <a:t>, mature </a:t>
             </a:r>
             <a:r>
-              <a:rPr lang="en-US" sz="1600" b="1" dirty="0" smtClean="0"/>
+              <a:rPr lang="en-US" sz="1600" b="1" dirty="0"/>
               <a:t>2x</a:t>
             </a:r>
             <a:r>
-              <a:rPr lang="en-US" sz="1600" dirty="0" smtClean="0"/>
+              <a:rPr lang="en-US" sz="1600" dirty="0"/>
               <a:t> or evolving </a:t>
             </a:r>
             <a:r>
-              <a:rPr lang="en-US" sz="1600" b="1" dirty="0" smtClean="0"/>
+              <a:rPr lang="en-US" sz="1600" b="1" dirty="0"/>
               <a:t>3x</a:t>
             </a:r>
             <a:r>
-              <a:rPr lang="en-US" sz="1600" dirty="0" smtClean="0"/>
+              <a:rPr lang="en-US" sz="1600" dirty="0"/>
               <a:t>).</a:t>
             </a:r>
           </a:p>
@@ -5704,9 +5637,9 @@
           <a:p>
             <a:fld id="{418F0F5F-9303-4499-90F7-FE71ED45DE25}" type="datetime1">
               <a:rPr lang="en-US" smtClean="0"/>
-              <a:t>11/25/2015</a:t>
+              <a:t>12/23/2016</a:t>
             </a:fld>
-            <a:endParaRPr lang="en-US" smtClean="0"/>
+            <a:endParaRPr lang="en-US"/>
           </a:p>
         </p:txBody>
       </p:sp>
@@ -5728,7 +5661,7 @@
           <a:lstStyle/>
           <a:p>
             <a:r>
-              <a:rPr lang="en-US" dirty="0" smtClean="0"/>
+              <a:rPr lang="en-US" dirty="0"/>
               <a:t>TeamSTARS "tsWxGTUI_PyVx" Toolkit prepared &amp; presented by Richard S. Gordon</a:t>
             </a:r>
           </a:p>
@@ -5765,13 +5698,6 @@
   <p:clrMapOvr>
     <a:masterClrMapping/>
   </p:clrMapOvr>
-  <p:timing>
-    <p:tnLst>
-      <p:par>
-        <p:cTn id="1" dur="indefinite" restart="never" nodeType="tmRoot"/>
-      </p:par>
-    </p:tnLst>
-  </p:timing>
 </p:sld>
 </file>
 
@@ -5808,12 +5734,8 @@
           <a:lstStyle/>
           <a:p>
             <a:r>
-              <a:rPr lang="en-US" sz="3200" dirty="0" smtClean="0"/>
-              <a:t>Non-Goals (GUI Virtual </a:t>
-            </a:r>
-            <a:r>
               <a:rPr lang="en-US" sz="3200" dirty="0"/>
-              <a:t>Machine Limitation) </a:t>
+              <a:t>Non-Goals (GUI Virtual Machine Limitation) </a:t>
             </a:r>
             <a:r>
               <a:rPr lang="en-US" sz="2000" dirty="0"/>
@@ -5854,45 +5776,25 @@
             </a:r>
             <a:r>
               <a:rPr lang="en-US" sz="2400" i="1" dirty="0"/>
-              <a:t>“Magical” </a:t>
-            </a:r>
-            <a:r>
-              <a:rPr lang="en-US" sz="2400" i="1" dirty="0" smtClean="0"/>
-              <a:t> </a:t>
-            </a:r>
-            <a:r>
-              <a:rPr lang="en-US" sz="2400" dirty="0" smtClean="0"/>
-              <a:t>GUI </a:t>
+              <a:t>“Magical”  </a:t>
             </a:r>
             <a:r>
               <a:rPr lang="en-US" sz="2400" dirty="0"/>
-              <a:t>Virtual </a:t>
-            </a:r>
-            <a:r>
-              <a:rPr lang="en-US" sz="2400" dirty="0" smtClean="0"/>
-              <a:t>Machines </a:t>
-            </a:r>
-            <a:r>
-              <a:rPr lang="en-US" sz="2400" dirty="0"/>
-              <a:t>which:</a:t>
+              <a:t>GUI Virtual Machines which:</a:t>
             </a:r>
           </a:p>
           <a:p>
             <a:pPr lvl="1" eaLnBrk="1" hangingPunct="1"/>
             <a:r>
-              <a:rPr lang="en-US" sz="2000" b="1" dirty="0" smtClean="0"/>
+              <a:rPr lang="en-US" sz="2000" b="1" dirty="0"/>
               <a:t>Run incompatible GUI Applications:</a:t>
             </a:r>
           </a:p>
           <a:p>
             <a:pPr lvl="2" eaLnBrk="1" hangingPunct="1"/>
             <a:r>
-              <a:rPr lang="en-US" sz="1800" dirty="0" smtClean="0"/>
-              <a:t>You </a:t>
-            </a:r>
-            <a:r>
               <a:rPr lang="en-US" sz="1800" dirty="0"/>
-              <a:t>should </a:t>
+              <a:t>You should </a:t>
             </a:r>
             <a:r>
               <a:rPr lang="en-US" sz="1800" b="1" dirty="0"/>
@@ -5900,47 +5802,39 @@
             </a:r>
             <a:r>
               <a:rPr lang="en-US" sz="1800" dirty="0"/>
-              <a:t> expect to be able to run </a:t>
-            </a:r>
-            <a:r>
-              <a:rPr lang="en-US" sz="1800" dirty="0" smtClean="0"/>
-              <a:t>pixel-mode “wxPython”, “</a:t>
-            </a:r>
-            <a:r>
-              <a:rPr lang="en-US" sz="1800" dirty="0" err="1" smtClean="0"/>
+              <a:t> expect to be able to run pixel-mode “wxPython”, “</a:t>
+            </a:r>
+            <a:r>
+              <a:rPr lang="en-US" sz="1800" dirty="0" err="1"/>
               <a:t>wxWidgets</a:t>
             </a:r>
             <a:r>
-              <a:rPr lang="en-US" sz="1800" dirty="0" smtClean="0"/>
+              <a:rPr lang="en-US" sz="1800" dirty="0"/>
               <a:t>”, “</a:t>
             </a:r>
             <a:r>
-              <a:rPr lang="en-US" sz="1800" dirty="0" err="1" smtClean="0"/>
+              <a:rPr lang="en-US" sz="1800" dirty="0" err="1"/>
               <a:t>Qt</a:t>
             </a:r>
             <a:r>
-              <a:rPr lang="en-US" sz="1800" dirty="0" smtClean="0"/>
+              <a:rPr lang="en-US" sz="1800" dirty="0"/>
               <a:t>” or “</a:t>
             </a:r>
             <a:r>
-              <a:rPr lang="en-US" sz="1800" dirty="0" err="1" smtClean="0"/>
+              <a:rPr lang="en-US" sz="1800" dirty="0" err="1"/>
               <a:t>Tcl</a:t>
             </a:r>
             <a:r>
-              <a:rPr lang="en-US" sz="1800" dirty="0" smtClean="0"/>
+              <a:rPr lang="en-US" sz="1800" dirty="0"/>
               <a:t>/</a:t>
             </a:r>
             <a:r>
-              <a:rPr lang="en-US" sz="1800" dirty="0" err="1" smtClean="0"/>
+              <a:rPr lang="en-US" sz="1800" dirty="0" err="1"/>
               <a:t>Tk</a:t>
             </a:r>
             <a:r>
-              <a:rPr lang="en-US" sz="1800" dirty="0" smtClean="0"/>
-              <a:t>” applications </a:t>
-            </a:r>
-            <a:r>
               <a:rPr lang="en-US" sz="1800" dirty="0"/>
-              <a:t>that can copy graphic images from a file to the display and dynamically construct and output an array of pixels to the display which depicts the desired icons, graphic objects and text images.</a:t>
+              <a:t>” applications that can copy graphic images from a file to the display and dynamically construct and output an array of pixels to the display which depicts the desired icons, graphic objects and text images.</a:t>
             </a:r>
           </a:p>
           <a:p>
@@ -5955,37 +5849,8 @@
             </a:r>
             <a:r>
               <a:rPr lang="en-US" sz="1800" dirty="0"/>
-              <a:t> expect to be able to run </a:t>
-            </a:r>
-            <a:r>
-              <a:rPr lang="en-US" sz="1800" dirty="0" smtClean="0"/>
-              <a:t>character-mode “wxPython</a:t>
-            </a:r>
-            <a:r>
-              <a:rPr lang="en-US" sz="1800" dirty="0"/>
-              <a:t>”-style </a:t>
-            </a:r>
-            <a:r>
-              <a:rPr lang="en-US" sz="1800" dirty="0" smtClean="0"/>
-              <a:t>GUI applications </a:t>
-            </a:r>
-            <a:r>
-              <a:rPr lang="en-US" sz="1800" dirty="0"/>
-              <a:t>designed to dynamically construct and output to the display an array or sequence </a:t>
-            </a:r>
-            <a:r>
-              <a:rPr lang="en-US" sz="1800" dirty="0" smtClean="0"/>
-              <a:t>Curses-standard alpha-numeric</a:t>
-            </a:r>
-            <a:r>
-              <a:rPr lang="en-US" sz="1800" dirty="0"/>
-              <a:t>, punctuation and </a:t>
-            </a:r>
-            <a:r>
-              <a:rPr lang="en-US" sz="1800" dirty="0" smtClean="0"/>
-              <a:t>line-drawing characters (with escape sequences to control output to a desired display screen column and row position).</a:t>
-            </a:r>
-            <a:endParaRPr lang="en-US" sz="1800" dirty="0"/>
+              <a:t> expect to be able to run character-mode “wxPython”-style GUI applications designed to dynamically construct and output to the display an array or sequence Curses-standard alpha-numeric, punctuation and line-drawing characters (with escape sequences to control output to a desired display screen column and row position).</a:t>
+            </a:r>
           </a:p>
         </p:txBody>
       </p:sp>
@@ -6009,7 +5874,7 @@
             </a:pPr>
             <a:fld id="{65B11A62-63AA-4067-ACEB-AA6A42CE3A38}" type="datetime1">
               <a:rPr lang="en-US" smtClean="0"/>
-              <a:t>11/25/2015</a:t>
+              <a:t>12/23/2016</a:t>
             </a:fld>
             <a:endParaRPr lang="en-US"/>
           </a:p>
@@ -6034,10 +5899,9 @@
               <a:defRPr/>
             </a:pPr>
             <a:r>
-              <a:rPr lang="en-US" dirty="0" smtClean="0"/>
+              <a:rPr lang="en-US" dirty="0"/>
               <a:t>TeamSTARS "tsWxGTUI_PyVx" Toolkit prepared &amp; presented by Richard S. Gordon</a:t>
             </a:r>
-            <a:endParaRPr lang="en-US" dirty="0"/>
           </a:p>
         </p:txBody>
       </p:sp>
@@ -6075,13 +5939,6 @@
   <p:clrMapOvr>
     <a:masterClrMapping/>
   </p:clrMapOvr>
-  <p:timing>
-    <p:tnLst>
-      <p:par>
-        <p:cTn id="1" dur="indefinite" restart="never" nodeType="tmRoot"/>
-      </p:par>
-    </p:tnLst>
-  </p:timing>
 </p:sld>
 </file>
 
@@ -6120,14 +5977,10 @@
             <a:pPr eaLnBrk="1" hangingPunct="1"/>
             <a:r>
               <a:rPr lang="en-US" dirty="0"/>
-              <a:t>Non-Goals (Retrofit Limitations</a:t>
-            </a:r>
-            <a:r>
-              <a:rPr lang="en-US" dirty="0" smtClean="0"/>
-              <a:t>) </a:t>
-            </a:r>
-            <a:r>
-              <a:rPr lang="en-US" sz="2000" dirty="0" smtClean="0"/>
+              <a:t>Non-Goals (Retrofit Limitations) </a:t>
+            </a:r>
+            <a:r>
+              <a:rPr lang="en-US" sz="2000" dirty="0"/>
               <a:t>(</a:t>
             </a:r>
             <a:r>
@@ -6137,10 +5990,10 @@
               <a:t>Table of Contents</a:t>
             </a:r>
             <a:r>
-              <a:rPr lang="en-US" sz="2000" dirty="0" smtClean="0"/>
+              <a:rPr lang="en-US" sz="2000" dirty="0"/>
               <a:t>)</a:t>
             </a:r>
-            <a:endParaRPr lang="en-US" sz="3200" dirty="0" smtClean="0"/>
+            <a:endParaRPr lang="en-US" sz="3200" dirty="0"/>
           </a:p>
         </p:txBody>
       </p:sp>
@@ -6165,19 +6018,19 @@
               <a:t>Project will </a:t>
             </a:r>
             <a:r>
-              <a:rPr lang="en-US" sz="2400" b="1" dirty="0" smtClean="0"/>
+              <a:rPr lang="en-US" sz="2400" b="1" dirty="0"/>
               <a:t>NOT</a:t>
             </a:r>
             <a:r>
-              <a:rPr lang="en-US" sz="2400" dirty="0" smtClean="0"/>
+              <a:rPr lang="en-US" sz="2400" dirty="0"/>
               <a:t> provide </a:t>
             </a:r>
             <a:r>
-              <a:rPr lang="en-US" sz="2400" i="1" dirty="0" smtClean="0"/>
+              <a:rPr lang="en-US" sz="2400" i="1" dirty="0"/>
               <a:t>“Magical”  </a:t>
             </a:r>
             <a:r>
-              <a:rPr lang="en-US" sz="2400" dirty="0" smtClean="0"/>
+              <a:rPr lang="en-US" sz="2400" dirty="0"/>
               <a:t>Python Virtual Machine cross-platforms for use with a diverse assortment of obsolete Hardware and Software platforms.</a:t>
             </a:r>
           </a:p>
@@ -6226,20 +6079,8 @@
               </a:lnSpc>
             </a:pPr>
             <a:r>
-              <a:rPr lang="en-US" sz="2400" dirty="0" smtClean="0"/>
-              <a:t>Even </a:t>
-            </a:r>
-            <a:r>
               <a:rPr lang="en-US" sz="2400" dirty="0"/>
-              <a:t>if others have or could obtain such long discontinued </a:t>
-            </a:r>
-            <a:r>
-              <a:rPr lang="en-US" sz="2400" dirty="0" smtClean="0"/>
-              <a:t>platforms</a:t>
-            </a:r>
-            <a:r>
-              <a:rPr lang="en-US" sz="2400" dirty="0"/>
-              <a:t>, Project author will </a:t>
+              <a:t>Even if others have or could obtain such long discontinued platforms, Project author will </a:t>
             </a:r>
             <a:r>
               <a:rPr lang="en-US" sz="2400" b="1" dirty="0"/>
@@ -6247,17 +6088,8 @@
             </a:r>
             <a:r>
               <a:rPr lang="en-US" sz="2400" dirty="0"/>
-              <a:t> </a:t>
-            </a:r>
-            <a:r>
-              <a:rPr lang="en-US" sz="2400" dirty="0" smtClean="0"/>
-              <a:t>endeavor to </a:t>
-            </a:r>
-            <a:r>
-              <a:rPr lang="en-US" sz="2400" dirty="0" smtClean="0"/>
-              <a:t>obtain, reconstruct or simulate such platforms.</a:t>
-            </a:r>
-            <a:endParaRPr lang="en-US" sz="2400" dirty="0"/>
+              <a:t> endeavor to obtain, reconstruct or simulate such platforms.</a:t>
+            </a:r>
           </a:p>
         </p:txBody>
       </p:sp>
@@ -6280,9 +6112,9 @@
           <a:p>
             <a:fld id="{15323D04-6F31-42A2-B780-11D51B970F42}" type="datetime1">
               <a:rPr lang="en-US" smtClean="0"/>
-              <a:t>11/25/2015</a:t>
+              <a:t>12/23/2016</a:t>
             </a:fld>
-            <a:endParaRPr lang="en-US" smtClean="0"/>
+            <a:endParaRPr lang="en-US"/>
           </a:p>
         </p:txBody>
       </p:sp>
@@ -6304,7 +6136,7 @@
           <a:lstStyle/>
           <a:p>
             <a:r>
-              <a:rPr lang="en-US" dirty="0" smtClean="0"/>
+              <a:rPr lang="en-US" dirty="0"/>
               <a:t>TeamSTARS "tsWxGTUI_PyVx" Toolkit prepared &amp; presented by Richard S. Gordon</a:t>
             </a:r>
           </a:p>
@@ -6341,13 +6173,6 @@
   <p:clrMapOvr>
     <a:masterClrMapping/>
   </p:clrMapOvr>
-  <p:timing>
-    <p:tnLst>
-      <p:par>
-        <p:cTn id="1" dur="indefinite" restart="never" nodeType="tmRoot"/>
-      </p:par>
-    </p:tnLst>
-  </p:timing>
 </p:sld>
 </file>
 
@@ -6384,24 +6209,18 @@
           <a:lstStyle/>
           <a:p>
             <a:r>
-              <a:rPr lang="en-US" dirty="0" smtClean="0"/>
+              <a:rPr lang="en-US" dirty="0"/>
               <a:t>Plans </a:t>
             </a:r>
             <a:r>
-              <a:rPr lang="en-US" sz="2000" dirty="0" smtClean="0"/>
+              <a:rPr lang="en-US" sz="2000" dirty="0"/>
               <a:t>(</a:t>
-            </a:r>
-            <a:r>
-              <a:rPr lang="en-US" sz="2000" dirty="0" smtClean="0">
-                <a:hlinkClick r:id="rId2" action="ppaction://hlinksldjump"/>
-              </a:rPr>
-              <a:t>Table </a:t>
             </a:r>
             <a:r>
               <a:rPr lang="en-US" sz="2000" dirty="0">
                 <a:hlinkClick r:id="rId2" action="ppaction://hlinksldjump"/>
               </a:rPr>
-              <a:t>of Contents</a:t>
+              <a:t>Table of Contents</a:t>
             </a:r>
             <a:r>
               <a:rPr lang="en-US" sz="2000" dirty="0"/>
@@ -6426,73 +6245,73 @@
           <a:lstStyle/>
           <a:p>
             <a:r>
-              <a:rPr lang="en-US" sz="2000" dirty="0" smtClean="0">
+              <a:rPr lang="en-US" sz="2000" dirty="0">
                 <a:hlinkClick r:id="rId3" action="ppaction://hlinksldjump"/>
               </a:rPr>
               <a:t>Adopt Cross-Platform Technology Plan</a:t>
             </a:r>
-            <a:endParaRPr lang="en-US" sz="2000" dirty="0" smtClean="0"/>
-          </a:p>
-          <a:p>
-            <a:r>
-              <a:rPr lang="en-US" sz="2000" dirty="0" smtClean="0">
+            <a:endParaRPr lang="en-US" sz="2000" dirty="0"/>
+          </a:p>
+          <a:p>
+            <a:r>
+              <a:rPr lang="en-US" sz="2000" dirty="0">
                 <a:hlinkClick r:id="rId4" action="ppaction://hlinksldjump"/>
               </a:rPr>
               <a:t>Adopt Modular Software Architecture Plan</a:t>
             </a:r>
-            <a:endParaRPr lang="en-US" sz="2000" dirty="0" smtClean="0"/>
-          </a:p>
-          <a:p>
-            <a:r>
-              <a:rPr lang="fr-FR" sz="2000" dirty="0" err="1" smtClean="0">
+            <a:endParaRPr lang="en-US" sz="2000" dirty="0"/>
+          </a:p>
+          <a:p>
+            <a:r>
+              <a:rPr lang="fr-FR" sz="2000" dirty="0" err="1">
                 <a:hlinkClick r:id="rId5" action="ppaction://hlinksldjump"/>
               </a:rPr>
               <a:t>Adopt</a:t>
             </a:r>
             <a:r>
-              <a:rPr lang="fr-FR" sz="2000" dirty="0" smtClean="0">
+              <a:rPr lang="fr-FR" sz="2000" dirty="0">
                 <a:hlinkClick r:id="rId5" action="ppaction://hlinksldjump"/>
               </a:rPr>
               <a:t> Python 2x Source Code Plan</a:t>
             </a:r>
-            <a:endParaRPr lang="fr-FR" sz="2000" dirty="0" smtClean="0"/>
-          </a:p>
-          <a:p>
-            <a:r>
-              <a:rPr lang="fr-FR" sz="2000" dirty="0" err="1" smtClean="0">
+            <a:endParaRPr lang="fr-FR" sz="2000" dirty="0"/>
+          </a:p>
+          <a:p>
+            <a:r>
+              <a:rPr lang="fr-FR" sz="2000" dirty="0" err="1">
                 <a:hlinkClick r:id="rId6" action="ppaction://hlinksldjump"/>
               </a:rPr>
               <a:t>Adopt</a:t>
             </a:r>
             <a:r>
-              <a:rPr lang="fr-FR" sz="2000" dirty="0" smtClean="0">
+              <a:rPr lang="fr-FR" sz="2000" dirty="0">
                 <a:hlinkClick r:id="rId6" action="ppaction://hlinksldjump"/>
               </a:rPr>
               <a:t> Python 3x Source Code Plan</a:t>
             </a:r>
-            <a:endParaRPr lang="fr-FR" sz="2000" dirty="0" smtClean="0"/>
-          </a:p>
-          <a:p>
-            <a:r>
-              <a:rPr lang="en-US" sz="2000" dirty="0" smtClean="0">
+            <a:endParaRPr lang="fr-FR" sz="2000" dirty="0"/>
+          </a:p>
+          <a:p>
+            <a:r>
+              <a:rPr lang="en-US" sz="2000" dirty="0">
                 <a:hlinkClick r:id="rId7" action="ppaction://hlinksldjump"/>
               </a:rPr>
               <a:t>Adopt Development, Debug and Test Environment Plan</a:t>
             </a:r>
-            <a:endParaRPr lang="en-US" sz="2000" dirty="0" smtClean="0"/>
-          </a:p>
-          <a:p>
-            <a:r>
-              <a:rPr lang="en-US" sz="2000" dirty="0" smtClean="0">
+            <a:endParaRPr lang="en-US" sz="2000" dirty="0"/>
+          </a:p>
+          <a:p>
+            <a:r>
+              <a:rPr lang="en-US" sz="2000" dirty="0">
                 <a:hlinkClick r:id="rId8" action="ppaction://hlinksldjump"/>
               </a:rPr>
               <a:t>Adopt Python Virtual Machine (VM) Environment Plan</a:t>
             </a:r>
-            <a:endParaRPr lang="en-US" sz="2000" dirty="0" smtClean="0"/>
-          </a:p>
-          <a:p>
-            <a:r>
-              <a:rPr lang="en-US" sz="2000" dirty="0" smtClean="0">
+            <a:endParaRPr lang="en-US" sz="2000" dirty="0"/>
+          </a:p>
+          <a:p>
+            <a:r>
+              <a:rPr lang="en-US" sz="2000" dirty="0">
                 <a:hlinkClick r:id="rId9" action="ppaction://hlinksldjump"/>
               </a:rPr>
               <a:t>Adopt Python Virtual Machine (VM) Plan</a:t>
@@ -6500,34 +6319,34 @@
           </a:p>
           <a:p>
             <a:r>
-              <a:rPr lang="en-US" sz="2000" dirty="0" smtClean="0">
+              <a:rPr lang="en-US" sz="2000" dirty="0">
                 <a:hlinkClick r:id="rId10" action="ppaction://hlinksldjump"/>
               </a:rPr>
               <a:t>Adopt Engineering Notebook Plan</a:t>
             </a:r>
-            <a:endParaRPr lang="en-US" sz="2000" dirty="0" smtClean="0"/>
-          </a:p>
-          <a:p>
-            <a:r>
-              <a:rPr lang="en-US" sz="2000" dirty="0" smtClean="0">
+            <a:endParaRPr lang="en-US" sz="2000" dirty="0"/>
+          </a:p>
+          <a:p>
+            <a:r>
+              <a:rPr lang="en-US" sz="2000" dirty="0">
                 <a:hlinkClick r:id="rId11" action="ppaction://hlinksldjump"/>
               </a:rPr>
               <a:t>Adopt Operator, System Administrator &amp; Field Service Plan</a:t>
             </a:r>
-            <a:endParaRPr lang="en-US" sz="2000" dirty="0" smtClean="0"/>
-          </a:p>
-          <a:p>
-            <a:r>
-              <a:rPr lang="en-US" sz="2000" dirty="0" smtClean="0">
+            <a:endParaRPr lang="en-US" sz="2000" dirty="0"/>
+          </a:p>
+          <a:p>
+            <a:r>
+              <a:rPr lang="en-US" sz="2000" dirty="0">
                 <a:hlinkClick r:id="rId12" action="ppaction://hlinksldjump"/>
               </a:rPr>
               <a:t>Adopt Document Focus Plan</a:t>
             </a:r>
-            <a:endParaRPr lang="en-US" sz="2000" dirty="0" smtClean="0"/>
-          </a:p>
-          <a:p>
-            <a:r>
-              <a:rPr lang="en-US" sz="2000" dirty="0" smtClean="0">
+            <a:endParaRPr lang="en-US" sz="2000" dirty="0"/>
+          </a:p>
+          <a:p>
+            <a:r>
+              <a:rPr lang="en-US" sz="2000" dirty="0">
                 <a:hlinkClick r:id="rId13" action="ppaction://hlinksldjump"/>
               </a:rPr>
               <a:t>Adopt Release &amp; Publication Plan</a:t>
@@ -6556,7 +6375,7 @@
             </a:pPr>
             <a:fld id="{44D06F95-D493-494F-B0EB-3EDFAA385886}" type="datetime1">
               <a:rPr lang="en-US" smtClean="0"/>
-              <a:t>11/25/2015</a:t>
+              <a:t>12/23/2016</a:t>
             </a:fld>
             <a:endParaRPr lang="en-US"/>
           </a:p>
@@ -6581,7 +6400,7 @@
               <a:defRPr/>
             </a:pPr>
             <a:r>
-              <a:rPr lang="en-US" smtClean="0"/>
+              <a:rPr lang="en-US"/>
               <a:t>TeamSTARS "tsWxGTUI_PyVx" Toolkit prepared &amp; presented by Richard S. Gordon</a:t>
             </a:r>
             <a:endParaRPr lang="en-US" dirty="0"/>
@@ -6622,13 +6441,6 @@
   <p:clrMapOvr>
     <a:masterClrMapping/>
   </p:clrMapOvr>
-  <p:timing>
-    <p:tnLst>
-      <p:par>
-        <p:cTn id="1" dur="indefinite" restart="never" nodeType="tmRoot"/>
-      </p:par>
-    </p:tnLst>
-  </p:timing>
 </p:sld>
 </file>
 
@@ -6667,33 +6479,23 @@
             <a:pPr eaLnBrk="1" hangingPunct="1"/>
             <a:r>
               <a:rPr lang="en-US" sz="3600" dirty="0"/>
-              <a:t>Adopt Cross-Platform Technology </a:t>
-            </a:r>
-            <a:r>
-              <a:rPr lang="en-US" sz="3600" dirty="0" smtClean="0"/>
-              <a:t>Plan </a:t>
-            </a:r>
-            <a:r>
-              <a:rPr lang="en-US" sz="2000" dirty="0" smtClean="0"/>
+              <a:t>Adopt Cross-Platform Technology Plan </a:t>
+            </a:r>
+            <a:r>
+              <a:rPr lang="en-US" sz="2000" dirty="0"/>
               <a:t>(</a:t>
-            </a:r>
-            <a:r>
-              <a:rPr lang="en-US" sz="2000" dirty="0" smtClean="0">
-                <a:hlinkClick r:id="rId2" action="ppaction://hlinksldjump"/>
-              </a:rPr>
-              <a:t>Table </a:t>
             </a:r>
             <a:r>
               <a:rPr lang="en-US" sz="2000" dirty="0">
                 <a:hlinkClick r:id="rId2" action="ppaction://hlinksldjump"/>
               </a:rPr>
-              <a:t>of Contents</a:t>
-            </a:r>
-            <a:r>
-              <a:rPr lang="en-US" sz="2000" dirty="0" smtClean="0"/>
+              <a:t>Table of Contents</a:t>
+            </a:r>
+            <a:r>
+              <a:rPr lang="en-US" sz="2000" dirty="0"/>
               <a:t>)</a:t>
             </a:r>
-            <a:endParaRPr lang="en-US" sz="3200" dirty="0" smtClean="0"/>
+            <a:endParaRPr lang="en-US" sz="3200" dirty="0"/>
           </a:p>
         </p:txBody>
       </p:sp>
@@ -6714,43 +6516,35 @@
           <a:p>
             <a:pPr eaLnBrk="1" hangingPunct="1"/>
             <a:r>
-              <a:rPr lang="en-US" sz="2400" dirty="0" smtClean="0"/>
-              <a:t>Apply Hardware &amp; Software </a:t>
-            </a:r>
-            <a:r>
               <a:rPr lang="en-US" sz="2400" dirty="0"/>
-              <a:t>Technology that lets you work more quickly and integrate your systems more </a:t>
-            </a:r>
-            <a:r>
-              <a:rPr lang="en-US" sz="2400" dirty="0" smtClean="0"/>
-              <a:t>effectively:</a:t>
+              <a:t>Apply Hardware &amp; Software Technology that lets you work more quickly and integrate your systems more effectively:</a:t>
             </a:r>
           </a:p>
           <a:p>
             <a:pPr lvl="1" eaLnBrk="1" hangingPunct="1"/>
             <a:r>
-              <a:rPr lang="en-US" sz="2000" dirty="0" smtClean="0"/>
+              <a:rPr lang="en-US" sz="2000" dirty="0"/>
               <a:t>Popular, readily available and/or within the project budget</a:t>
             </a:r>
           </a:p>
           <a:p>
             <a:pPr lvl="1" eaLnBrk="1" hangingPunct="1"/>
             <a:r>
-              <a:rPr lang="en-US" sz="2000" dirty="0" smtClean="0"/>
+              <a:rPr lang="en-US" sz="2000" dirty="0"/>
               <a:t>Suitable for rapid prototyping</a:t>
             </a:r>
           </a:p>
           <a:p>
             <a:pPr lvl="1" eaLnBrk="1" hangingPunct="1"/>
             <a:r>
-              <a:rPr lang="en-US" sz="2000" dirty="0" smtClean="0"/>
+              <a:rPr lang="en-US" sz="2000" dirty="0"/>
               <a:t>Field proven with a long term track record of support</a:t>
             </a:r>
           </a:p>
           <a:p>
             <a:pPr lvl="1" eaLnBrk="1" hangingPunct="1"/>
             <a:r>
-              <a:rPr lang="en-US" sz="2000" dirty="0" smtClean="0"/>
+              <a:rPr lang="en-US" sz="2000" dirty="0"/>
               <a:t>Software &amp; Documentation must be free to study, modify, use and redistribute</a:t>
             </a:r>
           </a:p>
@@ -6775,9 +6569,9 @@
           <a:p>
             <a:fld id="{0C4531C5-72DF-47EE-BB0C-9107869FBFB9}" type="datetime1">
               <a:rPr lang="en-US" smtClean="0"/>
-              <a:t>11/25/2015</a:t>
+              <a:t>12/23/2016</a:t>
             </a:fld>
-            <a:endParaRPr lang="en-US" smtClean="0"/>
+            <a:endParaRPr lang="en-US"/>
           </a:p>
         </p:txBody>
       </p:sp>
@@ -6799,7 +6593,7 @@
           <a:lstStyle/>
           <a:p>
             <a:r>
-              <a:rPr lang="en-US" dirty="0" smtClean="0"/>
+              <a:rPr lang="en-US" dirty="0"/>
               <a:t>TeamSTARS "tsWxGTUI_PyVx" Toolkit prepared &amp; presented by Richard S. Gordon</a:t>
             </a:r>
           </a:p>
@@ -6836,13 +6630,6 @@
   <p:clrMapOvr>
     <a:masterClrMapping/>
   </p:clrMapOvr>
-  <p:timing>
-    <p:tnLst>
-      <p:par>
-        <p:cTn id="1" dur="indefinite" restart="never" nodeType="tmRoot"/>
-      </p:par>
-    </p:tnLst>
-  </p:timing>
 </p:sld>
 </file>
 
@@ -6882,9 +6669,9 @@
           <a:p>
             <a:fld id="{30538675-C345-409D-B198-8DB5367C4FC1}" type="datetime1">
               <a:rPr lang="en-US" smtClean="0"/>
-              <a:t>11/25/2015</a:t>
+              <a:t>12/23/2016</a:t>
             </a:fld>
-            <a:endParaRPr lang="en-US" smtClean="0"/>
+            <a:endParaRPr lang="en-US"/>
           </a:p>
         </p:txBody>
       </p:sp>
@@ -6906,7 +6693,7 @@
           <a:lstStyle/>
           <a:p>
             <a:r>
-              <a:rPr lang="en-US" dirty="0" smtClean="0"/>
+              <a:rPr lang="en-US" dirty="0"/>
               <a:t>TeamSTARS "tsWxGTUI_PyVx" Toolkit prepared &amp; presented by Richard S. Gordon</a:t>
             </a:r>
           </a:p>
@@ -6956,33 +6743,23 @@
             <a:pPr eaLnBrk="1" hangingPunct="1"/>
             <a:r>
               <a:rPr lang="en-US" sz="3200" dirty="0"/>
-              <a:t>Adopt Modular Software Architecture </a:t>
-            </a:r>
-            <a:r>
-              <a:rPr lang="en-US" sz="3200" dirty="0" smtClean="0"/>
-              <a:t>Plan </a:t>
-            </a:r>
-            <a:r>
-              <a:rPr lang="en-US" sz="2000" dirty="0" smtClean="0"/>
+              <a:t>Adopt Modular Software Architecture Plan </a:t>
+            </a:r>
+            <a:r>
+              <a:rPr lang="en-US" sz="2000" dirty="0"/>
               <a:t>(</a:t>
-            </a:r>
-            <a:r>
-              <a:rPr lang="en-US" sz="2000" dirty="0" smtClean="0">
-                <a:hlinkClick r:id="rId3" action="ppaction://hlinksldjump"/>
-              </a:rPr>
-              <a:t>Table </a:t>
             </a:r>
             <a:r>
               <a:rPr lang="en-US" sz="2000" dirty="0">
                 <a:hlinkClick r:id="rId3" action="ppaction://hlinksldjump"/>
               </a:rPr>
-              <a:t>of Contents</a:t>
-            </a:r>
-            <a:r>
-              <a:rPr lang="en-US" sz="2000" dirty="0" smtClean="0"/>
+              <a:t>Table of Contents</a:t>
+            </a:r>
+            <a:r>
+              <a:rPr lang="en-US" sz="2000" dirty="0"/>
               <a:t>)</a:t>
             </a:r>
-            <a:endParaRPr lang="en-US" sz="3200" dirty="0" smtClean="0"/>
+            <a:endParaRPr lang="en-US" sz="3200" dirty="0"/>
           </a:p>
         </p:txBody>
       </p:sp>
@@ -7007,16 +6784,8 @@
               </a:lnSpc>
             </a:pPr>
             <a:r>
-              <a:rPr lang="en-US" sz="2400" dirty="0" smtClean="0"/>
-              <a:t>Provide source </a:t>
-            </a:r>
-            <a:r>
               <a:rPr lang="en-US" sz="2400" dirty="0"/>
-              <a:t>code for </a:t>
-            </a:r>
-            <a:r>
-              <a:rPr lang="en-US" sz="2400" dirty="0" smtClean="0"/>
-              <a:t>cross-platform software development:</a:t>
+              <a:t>Provide source code for cross-platform software development:</a:t>
             </a:r>
           </a:p>
           <a:p>
@@ -7026,20 +6795,12 @@
               </a:lnSpc>
             </a:pPr>
             <a:r>
-              <a:rPr lang="en-US" sz="1800" b="1" dirty="0" smtClean="0"/>
+              <a:rPr lang="en-US" sz="1800" b="1" dirty="0"/>
               <a:t>Libraries</a:t>
             </a:r>
             <a:r>
-              <a:rPr lang="en-US" sz="1800" dirty="0" smtClean="0"/>
-              <a:t> of </a:t>
-            </a:r>
-            <a:r>
               <a:rPr lang="en-US" sz="1800" dirty="0"/>
-              <a:t>Application and Troubleshooting Building </a:t>
-            </a:r>
-            <a:r>
-              <a:rPr lang="en-US" sz="1800" dirty="0" smtClean="0"/>
-              <a:t>Block components.</a:t>
+              <a:t> of Application and Troubleshooting Building Block components.</a:t>
             </a:r>
           </a:p>
           <a:p>
@@ -7049,20 +6810,12 @@
               </a:lnSpc>
             </a:pPr>
             <a:r>
-              <a:rPr lang="en-US" sz="1800" b="1" dirty="0" smtClean="0"/>
+              <a:rPr lang="en-US" sz="1800" b="1" dirty="0"/>
               <a:t>Tools</a:t>
             </a:r>
             <a:r>
-              <a:rPr lang="en-US" sz="1800" dirty="0" smtClean="0"/>
-              <a:t> for </a:t>
-            </a:r>
-            <a:r>
               <a:rPr lang="en-US" sz="1800" dirty="0"/>
-              <a:t>Facilitating and </a:t>
-            </a:r>
-            <a:r>
-              <a:rPr lang="en-US" sz="1800" dirty="0" smtClean="0"/>
-              <a:t>Tracking developer productivity.</a:t>
+              <a:t> for Facilitating and Tracking developer productivity.</a:t>
             </a:r>
           </a:p>
           <a:p>
@@ -7072,11 +6825,11 @@
               </a:lnSpc>
             </a:pPr>
             <a:r>
-              <a:rPr lang="en-US" sz="1800" b="1" dirty="0" smtClean="0"/>
+              <a:rPr lang="en-US" sz="1800" b="1" dirty="0"/>
               <a:t>Utilities</a:t>
             </a:r>
             <a:r>
-              <a:rPr lang="en-US" sz="1800" dirty="0" smtClean="0"/>
+              <a:rPr lang="en-US" sz="1800" dirty="0"/>
               <a:t> for Monitoring and Changing hardware and software configuration.</a:t>
             </a:r>
           </a:p>
@@ -7087,11 +6840,11 @@
               </a:lnSpc>
             </a:pPr>
             <a:r>
-              <a:rPr lang="en-US" sz="1800" b="1" dirty="0" smtClean="0"/>
+              <a:rPr lang="en-US" sz="1800" b="1" dirty="0"/>
               <a:t>Tests</a:t>
             </a:r>
             <a:r>
-              <a:rPr lang="en-US" sz="1800" dirty="0" smtClean="0"/>
+              <a:rPr lang="en-US" sz="1800" dirty="0"/>
               <a:t> (Unit, Integration, System, Regression and Acceptance) for design verification and quality assurance.</a:t>
             </a:r>
           </a:p>
@@ -7102,11 +6855,11 @@
               </a:lnSpc>
             </a:pPr>
             <a:r>
-              <a:rPr lang="en-US" sz="1800" b="1" dirty="0" smtClean="0"/>
+              <a:rPr lang="en-US" sz="1800" b="1" dirty="0"/>
               <a:t>Examples</a:t>
             </a:r>
             <a:r>
-              <a:rPr lang="en-US" sz="1800" dirty="0" smtClean="0"/>
+              <a:rPr lang="en-US" sz="1800" dirty="0"/>
               <a:t> for Algorithms, Coding Style, Programmer Productivity Metrics and System Performance.</a:t>
             </a:r>
           </a:p>
@@ -7117,7 +6870,7 @@
               </a:lnSpc>
             </a:pPr>
             <a:r>
-              <a:rPr lang="en-US" sz="2400" dirty="0" smtClean="0"/>
+              <a:rPr lang="en-US" sz="2400" dirty="0"/>
               <a:t>Provide source code and associated install tools for:</a:t>
             </a:r>
           </a:p>
@@ -7128,28 +6881,12 @@
               </a:lnSpc>
             </a:pPr>
             <a:r>
-              <a:rPr lang="en-US" sz="1800" b="1" dirty="0" smtClean="0"/>
+              <a:rPr lang="en-US" sz="1800" b="1" dirty="0"/>
               <a:t>Site-Packages</a:t>
             </a:r>
             <a:r>
-              <a:rPr lang="en-US" sz="1800" dirty="0" smtClean="0"/>
-              <a:t> (tailored for </a:t>
-            </a:r>
-            <a:r>
               <a:rPr lang="en-US" sz="1800" dirty="0"/>
-              <a:t>each Python 2x and Python 3x generation language) </a:t>
-            </a:r>
-            <a:r>
-              <a:rPr lang="en-US" sz="1800" dirty="0" smtClean="0"/>
-              <a:t>that installs and thereby connects third-party </a:t>
-            </a:r>
-            <a:r>
-              <a:rPr lang="en-US" sz="1800" dirty="0"/>
-              <a:t>packages </a:t>
-            </a:r>
-            <a:r>
-              <a:rPr lang="en-US" sz="1800" dirty="0" smtClean="0"/>
-              <a:t>with one or more System Administrator designated previously installed Python 2.x.y or 3.x.y distribution.</a:t>
+              <a:t> (tailored for each Python 2x and Python 3x generation language) that installs and thereby connects third-party packages with one or more System Administrator designated previously installed Python 2.x.y or 3.x.y distribution.</a:t>
             </a:r>
           </a:p>
           <a:p>
@@ -7159,32 +6896,12 @@
               </a:lnSpc>
             </a:pPr>
             <a:r>
-              <a:rPr lang="en-US" sz="1800" b="1" dirty="0" smtClean="0"/>
+              <a:rPr lang="en-US" sz="1800" b="1" dirty="0"/>
               <a:t>Developer-Sandboxes</a:t>
             </a:r>
             <a:r>
-              <a:rPr lang="en-US" sz="1800" dirty="0" smtClean="0"/>
-              <a:t> </a:t>
-            </a:r>
-            <a:r>
               <a:rPr lang="en-US" sz="1800" dirty="0"/>
-              <a:t>(tailored for each Python 2x and Python 3x generation language) that will isolate untested code changes and outright experimentation from the production </a:t>
-            </a:r>
-            <a:r>
-              <a:rPr lang="en-US" sz="1800" dirty="0" smtClean="0"/>
-              <a:t>(“</a:t>
-            </a:r>
-            <a:r>
-              <a:rPr lang="en-US" sz="1800" dirty="0"/>
-              <a:t>Site-Package”) environment </a:t>
-            </a:r>
-            <a:r>
-              <a:rPr lang="en-US" sz="1800" dirty="0" smtClean="0"/>
-              <a:t>or </a:t>
-            </a:r>
-            <a:r>
-              <a:rPr lang="en-US" sz="1800" dirty="0"/>
-              <a:t>repository. </a:t>
+              <a:t> (tailored for each Python 2x and Python 3x generation language) that will isolate untested code changes and outright experimentation from the production (“Site-Package”) environment or repository. </a:t>
             </a:r>
           </a:p>
         </p:txBody>
@@ -7194,13 +6911,6 @@
   <p:clrMapOvr>
     <a:masterClrMapping/>
   </p:clrMapOvr>
-  <p:timing>
-    <p:tnLst>
-      <p:par>
-        <p:cTn id="1" dur="indefinite" restart="never" nodeType="tmRoot"/>
-      </p:par>
-    </p:tnLst>
-  </p:timing>
 </p:sld>
 </file>
 
@@ -7239,33 +6949,23 @@
             <a:pPr eaLnBrk="1" hangingPunct="1"/>
             <a:r>
               <a:rPr lang="en-US" sz="2800" dirty="0"/>
-              <a:t>Adopt Cross-Platform Software Environment </a:t>
-            </a:r>
-            <a:r>
-              <a:rPr lang="en-US" sz="2800" dirty="0" smtClean="0"/>
-              <a:t>Plan </a:t>
-            </a:r>
-            <a:r>
-              <a:rPr lang="en-US" sz="2000" dirty="0" smtClean="0"/>
+              <a:t>Adopt Cross-Platform Software Environment Plan </a:t>
+            </a:r>
+            <a:r>
+              <a:rPr lang="en-US" sz="2000" dirty="0"/>
               <a:t>(</a:t>
-            </a:r>
-            <a:r>
-              <a:rPr lang="en-US" sz="2000" dirty="0" smtClean="0">
-                <a:hlinkClick r:id="rId2" action="ppaction://hlinksldjump"/>
-              </a:rPr>
-              <a:t>Table </a:t>
             </a:r>
             <a:r>
               <a:rPr lang="en-US" sz="2000" dirty="0">
                 <a:hlinkClick r:id="rId2" action="ppaction://hlinksldjump"/>
               </a:rPr>
-              <a:t>of Contents</a:t>
-            </a:r>
-            <a:r>
-              <a:rPr lang="en-US" sz="2000" dirty="0" smtClean="0"/>
+              <a:t>Table of Contents</a:t>
+            </a:r>
+            <a:r>
+              <a:rPr lang="en-US" sz="2000" dirty="0"/>
               <a:t>)</a:t>
             </a:r>
-            <a:endParaRPr lang="en-US" sz="3200" dirty="0" smtClean="0"/>
+            <a:endParaRPr lang="en-US" sz="3200" dirty="0"/>
           </a:p>
         </p:txBody>
       </p:sp>
@@ -7290,11 +6990,11 @@
               </a:lnSpc>
             </a:pPr>
             <a:r>
-              <a:rPr lang="en-US" sz="2400" b="1" dirty="0" smtClean="0"/>
+              <a:rPr lang="en-US" sz="2400" b="1" dirty="0"/>
               <a:t>POSIX</a:t>
             </a:r>
             <a:r>
-              <a:rPr lang="en-US" sz="2400" dirty="0" smtClean="0"/>
+              <a:rPr lang="en-US" sz="2400" dirty="0"/>
               <a:t>, a Unix-like operating system complying with the Portable Operating System Interface:</a:t>
             </a:r>
           </a:p>
@@ -7305,11 +7005,11 @@
               </a:lnSpc>
             </a:pPr>
             <a:r>
-              <a:rPr lang="en-US" sz="2000" b="1" dirty="0" smtClean="0"/>
+              <a:rPr lang="en-US" sz="2000" b="1" dirty="0"/>
               <a:t>Apple Mac OS X</a:t>
             </a:r>
             <a:r>
-              <a:rPr lang="en-US" sz="2000" dirty="0" smtClean="0"/>
+              <a:rPr lang="en-US" sz="2000" dirty="0"/>
               <a:t> (Darwin-/BSD-based Unix)</a:t>
             </a:r>
           </a:p>
@@ -7320,11 +7020,11 @@
               </a:lnSpc>
             </a:pPr>
             <a:r>
-              <a:rPr lang="en-US" sz="2000" b="1" dirty="0" smtClean="0"/>
+              <a:rPr lang="en-US" sz="2000" b="1" dirty="0"/>
               <a:t>GNU/Linux </a:t>
             </a:r>
             <a:r>
-              <a:rPr lang="en-US" sz="2000" dirty="0" smtClean="0"/>
+              <a:rPr lang="en-US" sz="2000" dirty="0"/>
               <a:t>(combination of Unix-like GNU tools with Linux kernel)</a:t>
             </a:r>
           </a:p>
@@ -7335,19 +7035,19 @@
               </a:lnSpc>
             </a:pPr>
             <a:r>
-              <a:rPr lang="en-US" sz="2000" b="1" dirty="0" smtClean="0"/>
+              <a:rPr lang="en-US" sz="2000" b="1" dirty="0"/>
               <a:t>Microsoft Windows</a:t>
             </a:r>
             <a:r>
-              <a:rPr lang="en-US" sz="2000" dirty="0" smtClean="0"/>
+              <a:rPr lang="en-US" sz="2000" dirty="0"/>
               <a:t> (requires </a:t>
             </a:r>
             <a:r>
-              <a:rPr lang="en-US" sz="2000" b="1" dirty="0" smtClean="0"/>
+              <a:rPr lang="en-US" sz="2000" b="1" dirty="0"/>
               <a:t>Cygwin</a:t>
             </a:r>
             <a:r>
-              <a:rPr lang="en-US" sz="2000" dirty="0" smtClean="0"/>
+              <a:rPr lang="en-US" sz="2000" dirty="0"/>
               <a:t>, the GNU/Linux-like toolkit and command-line interface plug-in from Red Hat)</a:t>
             </a:r>
           </a:p>
@@ -7358,11 +7058,11 @@
               </a:lnSpc>
             </a:pPr>
             <a:r>
-              <a:rPr lang="en-US" sz="2000" b="1" dirty="0" smtClean="0"/>
+              <a:rPr lang="en-US" sz="2000" b="1" dirty="0"/>
               <a:t>Unix </a:t>
             </a:r>
             <a:r>
-              <a:rPr lang="en-US" sz="2000" dirty="0" smtClean="0"/>
+              <a:rPr lang="en-US" sz="2000" dirty="0"/>
               <a:t>(derived directly or indirectly from the original AT&amp;T UNIX)</a:t>
             </a:r>
           </a:p>
@@ -7373,11 +7073,11 @@
               </a:lnSpc>
             </a:pPr>
             <a:r>
-              <a:rPr lang="en-US" sz="2400" b="1" dirty="0" smtClean="0"/>
+              <a:rPr lang="en-US" sz="2400" b="1" dirty="0"/>
               <a:t>Python</a:t>
             </a:r>
             <a:r>
-              <a:rPr lang="en-US" sz="2400" dirty="0" smtClean="0"/>
+              <a:rPr lang="en-US" sz="2400" dirty="0"/>
               <a:t>, an interpreted, object-oriented programming language and cross-platform virtual machine:</a:t>
             </a:r>
           </a:p>
@@ -7393,31 +7093,15 @@
             </a:r>
             <a:r>
               <a:rPr lang="en-US" sz="2000" dirty="0"/>
-              <a:t> </a:t>
-            </a:r>
-            <a:r>
-              <a:rPr lang="en-US" sz="2000" dirty="0" smtClean="0"/>
-              <a:t>(</a:t>
-            </a:r>
-            <a:r>
-              <a:rPr lang="en-US" sz="2000" b="1" dirty="0" smtClean="0"/>
-              <a:t>actively evolving</a:t>
+              <a:t> (</a:t>
             </a:r>
             <a:r>
               <a:rPr lang="en-US" sz="2000" b="1" dirty="0"/>
-              <a:t> </a:t>
-            </a:r>
-            <a:r>
-              <a:rPr lang="en-US" sz="2000" b="1" dirty="0" smtClean="0"/>
-              <a:t>&amp; maintained</a:t>
-            </a:r>
-            <a:r>
-              <a:rPr lang="en-US" sz="2000" dirty="0" smtClean="0"/>
-              <a:t> </a:t>
+              <a:t>actively evolving &amp; maintained</a:t>
             </a:r>
             <a:r>
               <a:rPr lang="en-US" sz="2000" dirty="0"/>
-              <a:t>3</a:t>
+              <a:t> 3</a:t>
             </a:r>
             <a:r>
               <a:rPr lang="en-US" sz="2000" baseline="30000" dirty="0"/>
@@ -7443,16 +7127,12 @@
               <a:t> (</a:t>
             </a:r>
             <a:r>
-              <a:rPr lang="en-US" sz="2000" b="1" dirty="0" smtClean="0"/>
+              <a:rPr lang="en-US" sz="2000" b="1" dirty="0"/>
               <a:t>mature &amp; actively maintained</a:t>
             </a:r>
             <a:r>
-              <a:rPr lang="en-US" sz="2000" dirty="0" smtClean="0"/>
-              <a:t> </a:t>
-            </a:r>
-            <a:r>
               <a:rPr lang="en-US" sz="2000" dirty="0"/>
-              <a:t>2</a:t>
+              <a:t> 2</a:t>
             </a:r>
             <a:r>
               <a:rPr lang="en-US" sz="2000" baseline="30000" dirty="0"/>
@@ -7470,30 +7150,29 @@
               </a:lnSpc>
             </a:pPr>
             <a:r>
-              <a:rPr lang="en-US" sz="2000" b="1" dirty="0" smtClean="0"/>
+              <a:rPr lang="en-US" sz="2000" b="1" dirty="0"/>
               <a:t>Python 1x</a:t>
             </a:r>
             <a:r>
-              <a:rPr lang="en-US" sz="2000" dirty="0" smtClean="0"/>
+              <a:rPr lang="en-US" sz="2000" dirty="0"/>
               <a:t> (</a:t>
             </a:r>
             <a:r>
-              <a:rPr lang="en-US" sz="2000" b="1" dirty="0" smtClean="0"/>
+              <a:rPr lang="en-US" sz="2000" b="1" dirty="0"/>
               <a:t>obsolete &amp; unmaintained</a:t>
             </a:r>
             <a:r>
-              <a:rPr lang="en-US" sz="2000" dirty="0" smtClean="0"/>
+              <a:rPr lang="en-US" sz="2000" dirty="0"/>
               <a:t> 1</a:t>
             </a:r>
             <a:r>
-              <a:rPr lang="en-US" sz="2000" baseline="30000" dirty="0" smtClean="0"/>
+              <a:rPr lang="en-US" sz="2000" baseline="30000" dirty="0"/>
               <a:t>st</a:t>
             </a:r>
             <a:r>
-              <a:rPr lang="en-US" sz="2000" dirty="0" smtClean="0"/>
+              <a:rPr lang="en-US" sz="2000" dirty="0"/>
               <a:t> generation language)</a:t>
             </a:r>
-            <a:endParaRPr lang="en-US" sz="2000" dirty="0"/>
           </a:p>
           <a:p>
             <a:pPr eaLnBrk="1" hangingPunct="1">
@@ -7502,11 +7181,11 @@
               </a:lnSpc>
             </a:pPr>
             <a:r>
-              <a:rPr lang="en-US" sz="2400" b="1" dirty="0" smtClean="0"/>
+              <a:rPr lang="en-US" sz="2400" b="1" dirty="0"/>
               <a:t>wxPython</a:t>
             </a:r>
             <a:r>
-              <a:rPr lang="en-US" sz="2400" dirty="0" smtClean="0"/>
+              <a:rPr lang="en-US" sz="2400" dirty="0"/>
               <a:t>, a cross-platform GUI Application Programming Interface</a:t>
             </a:r>
           </a:p>
@@ -7531,9 +7210,9 @@
           <a:p>
             <a:fld id="{E9BF1F25-6830-458D-9022-4A247435BD20}" type="datetime1">
               <a:rPr lang="en-US" smtClean="0"/>
-              <a:t>11/25/2015</a:t>
+              <a:t>12/23/2016</a:t>
             </a:fld>
-            <a:endParaRPr lang="en-US" smtClean="0"/>
+            <a:endParaRPr lang="en-US"/>
           </a:p>
         </p:txBody>
       </p:sp>
@@ -7555,7 +7234,7 @@
           <a:lstStyle/>
           <a:p>
             <a:r>
-              <a:rPr lang="en-US" dirty="0" smtClean="0"/>
+              <a:rPr lang="en-US" dirty="0"/>
               <a:t>TeamSTARS "tsWxGTUI_PyVx" Toolkit prepared &amp; presented by Richard S. Gordon</a:t>
             </a:r>
           </a:p>
@@ -7592,13 +7271,6 @@
   <p:clrMapOvr>
     <a:masterClrMapping/>
   </p:clrMapOvr>
-  <p:timing>
-    <p:tnLst>
-      <p:par>
-        <p:cTn id="1" dur="indefinite" restart="never" nodeType="tmRoot"/>
-      </p:par>
-    </p:tnLst>
-  </p:timing>
 </p:sld>
 </file>
 
@@ -7638,9 +7310,9 @@
           <a:p>
             <a:fld id="{ED46FC3F-579F-435A-8B13-B0C42927FA68}" type="datetime1">
               <a:rPr lang="en-US" smtClean="0"/>
-              <a:t>11/25/2015</a:t>
+              <a:t>12/23/2016</a:t>
             </a:fld>
-            <a:endParaRPr lang="en-US" smtClean="0"/>
+            <a:endParaRPr lang="en-US"/>
           </a:p>
         </p:txBody>
       </p:sp>
@@ -7662,7 +7334,7 @@
           <a:lstStyle/>
           <a:p>
             <a:r>
-              <a:rPr lang="en-US" dirty="0" smtClean="0"/>
+              <a:rPr lang="en-US" dirty="0"/>
               <a:t>TeamSTARS "tsWxGTUI_PyVx" Toolkit prepared &amp; presented by Richard S. Gordon</a:t>
             </a:r>
           </a:p>
@@ -7712,33 +7384,23 @@
             <a:pPr eaLnBrk="1" hangingPunct="1"/>
             <a:r>
               <a:rPr lang="en-US" sz="4000" dirty="0"/>
-              <a:t>Adopt Python 2x Source Code </a:t>
-            </a:r>
-            <a:r>
-              <a:rPr lang="en-US" sz="4000" dirty="0" smtClean="0"/>
-              <a:t>Plan </a:t>
-            </a:r>
-            <a:r>
-              <a:rPr lang="en-US" sz="2000" dirty="0" smtClean="0"/>
+              <a:t>Adopt Python 2x Source Code Plan </a:t>
+            </a:r>
+            <a:r>
+              <a:rPr lang="en-US" sz="2000" dirty="0"/>
               <a:t>(</a:t>
-            </a:r>
-            <a:r>
-              <a:rPr lang="en-US" sz="2000" dirty="0" smtClean="0">
-                <a:hlinkClick r:id="rId3" action="ppaction://hlinksldjump"/>
-              </a:rPr>
-              <a:t>Table </a:t>
             </a:r>
             <a:r>
               <a:rPr lang="en-US" sz="2000" dirty="0">
                 <a:hlinkClick r:id="rId3" action="ppaction://hlinksldjump"/>
               </a:rPr>
-              <a:t>of Contents</a:t>
-            </a:r>
-            <a:r>
-              <a:rPr lang="en-US" sz="2000" dirty="0" smtClean="0"/>
+              <a:t>Table of Contents</a:t>
+            </a:r>
+            <a:r>
+              <a:rPr lang="en-US" sz="2000" dirty="0"/>
               <a:t>)</a:t>
             </a:r>
-            <a:endParaRPr lang="en-US" sz="3200" dirty="0" smtClean="0"/>
+            <a:endParaRPr lang="en-US" sz="3200" dirty="0"/>
           </a:p>
         </p:txBody>
       </p:sp>
@@ -7763,15 +7425,15 @@
               </a:lnSpc>
             </a:pPr>
             <a:r>
-              <a:rPr lang="en-US" sz="2800" dirty="0" smtClean="0"/>
+              <a:rPr lang="en-US" sz="2800" dirty="0"/>
               <a:t>Develop software in mature &amp; actively maintained Python 2x (2</a:t>
             </a:r>
             <a:r>
-              <a:rPr lang="en-US" sz="2800" baseline="30000" dirty="0" smtClean="0"/>
+              <a:rPr lang="en-US" sz="2800" baseline="30000" dirty="0"/>
               <a:t>nd</a:t>
             </a:r>
             <a:r>
-              <a:rPr lang="en-US" sz="2800" dirty="0" smtClean="0"/>
+              <a:rPr lang="en-US" sz="2800" dirty="0"/>
               <a:t> generation language)</a:t>
             </a:r>
           </a:p>
@@ -7782,15 +7444,15 @@
               </a:lnSpc>
             </a:pPr>
             <a:r>
-              <a:rPr lang="en-US" sz="2000" dirty="0" smtClean="0"/>
+              <a:rPr lang="en-US" sz="2000" dirty="0"/>
               <a:t>Create non-installable Python 2x </a:t>
             </a:r>
             <a:r>
-              <a:rPr lang="en-US" sz="2000" b="1" dirty="0" smtClean="0"/>
+              <a:rPr lang="en-US" sz="2000" b="1" dirty="0"/>
               <a:t>Developer Sandbox</a:t>
             </a:r>
             <a:r>
-              <a:rPr lang="en-US" sz="2000" dirty="0" smtClean="0"/>
+              <a:rPr lang="en-US" sz="2000" dirty="0"/>
               <a:t> to facilitate troubleshooting</a:t>
             </a:r>
           </a:p>
@@ -7801,7 +7463,7 @@
               </a:lnSpc>
             </a:pPr>
             <a:r>
-              <a:rPr lang="en-US" sz="1800" dirty="0" smtClean="0"/>
+              <a:rPr lang="en-US" sz="1800" dirty="0"/>
               <a:t>“__init__.py” defines nested package structure and dependency relationships</a:t>
             </a:r>
           </a:p>
@@ -7812,7 +7474,7 @@
               </a:lnSpc>
             </a:pPr>
             <a:r>
-              <a:rPr lang="en-US" sz="1800" dirty="0" smtClean="0"/>
+              <a:rPr lang="en-US" sz="1800" dirty="0"/>
               <a:t>Modules import from other modules &amp; packages within “try-except” logic to report import errors</a:t>
             </a:r>
           </a:p>
@@ -7823,15 +7485,15 @@
               </a:lnSpc>
             </a:pPr>
             <a:r>
-              <a:rPr lang="en-US" sz="2000" dirty="0" smtClean="0"/>
+              <a:rPr lang="en-US" sz="2000" dirty="0"/>
               <a:t>Create installable Python 2x </a:t>
             </a:r>
             <a:r>
-              <a:rPr lang="en-US" sz="2000" b="1" dirty="0" smtClean="0"/>
+              <a:rPr lang="en-US" sz="2000" b="1" dirty="0"/>
               <a:t>Site-Package</a:t>
             </a:r>
             <a:r>
-              <a:rPr lang="en-US" sz="2000" dirty="0" smtClean="0"/>
+              <a:rPr lang="en-US" sz="2000" dirty="0"/>
               <a:t> to facilitate to use of Toolkit building blocks in same manner as library components registered in Python Global Module Index.</a:t>
             </a:r>
           </a:p>
@@ -7842,11 +7504,11 @@
               </a:lnSpc>
             </a:pPr>
             <a:r>
-              <a:rPr lang="en-US" sz="1800" dirty="0" smtClean="0"/>
+              <a:rPr lang="en-US" sz="1800" dirty="0"/>
               <a:t>Copy Python 2x </a:t>
             </a:r>
             <a:r>
-              <a:rPr lang="en-US" sz="1800" b="1" dirty="0" smtClean="0"/>
+              <a:rPr lang="en-US" sz="1800" b="1" dirty="0"/>
               <a:t>Developer Sandbox</a:t>
             </a:r>
           </a:p>
@@ -7857,16 +7519,8 @@
               </a:lnSpc>
             </a:pPr>
             <a:r>
-              <a:rPr lang="en-US" sz="1800" dirty="0" smtClean="0"/>
-              <a:t>Replace </a:t>
-            </a:r>
-            <a:r>
               <a:rPr lang="en-US" sz="1800" dirty="0"/>
-              <a:t>“__init__.py” </a:t>
-            </a:r>
-            <a:r>
-              <a:rPr lang="en-US" sz="1800" dirty="0" smtClean="0"/>
-              <a:t>modules with empty ones</a:t>
+              <a:t>Replace “__init__.py” modules with empty ones</a:t>
             </a:r>
           </a:p>
           <a:p>
@@ -7876,7 +7530,7 @@
               </a:lnSpc>
             </a:pPr>
             <a:r>
-              <a:rPr lang="en-US" sz="1800" dirty="0" smtClean="0"/>
+              <a:rPr lang="en-US" sz="1800" dirty="0"/>
               <a:t>Replace “try-except” import logic with explicit references to site-package identifier</a:t>
             </a:r>
           </a:p>
@@ -7887,13 +7541,6 @@
   <p:clrMapOvr>
     <a:masterClrMapping/>
   </p:clrMapOvr>
-  <p:timing>
-    <p:tnLst>
-      <p:par>
-        <p:cTn id="1" dur="indefinite" restart="never" nodeType="tmRoot"/>
-      </p:par>
-    </p:tnLst>
-  </p:timing>
 </p:sld>
 </file>
 
@@ -7931,30 +7578,20 @@
           <a:p>
             <a:r>
               <a:rPr lang="en-US" sz="4000" dirty="0"/>
-              <a:t>Adopt Python 3x Source Code </a:t>
-            </a:r>
-            <a:r>
-              <a:rPr lang="en-US" sz="4000" dirty="0" smtClean="0"/>
-              <a:t>Plan </a:t>
-            </a:r>
-            <a:r>
-              <a:rPr lang="en-US" sz="2000" dirty="0" smtClean="0"/>
+              <a:t>Adopt Python 3x Source Code Plan </a:t>
+            </a:r>
+            <a:r>
+              <a:rPr lang="en-US" sz="2000" dirty="0"/>
               <a:t>(</a:t>
-            </a:r>
-            <a:r>
-              <a:rPr lang="en-US" sz="2000" dirty="0" smtClean="0">
-                <a:hlinkClick r:id="rId2" action="ppaction://hlinksldjump"/>
-              </a:rPr>
-              <a:t>Table </a:t>
             </a:r>
             <a:r>
               <a:rPr lang="en-US" sz="2000" dirty="0">
                 <a:hlinkClick r:id="rId2" action="ppaction://hlinksldjump"/>
               </a:rPr>
-              <a:t>of Contents</a:t>
-            </a:r>
-            <a:r>
-              <a:rPr lang="en-US" sz="2000" dirty="0" smtClean="0"/>
+              <a:t>Table of Contents</a:t>
+            </a:r>
+            <a:r>
+              <a:rPr lang="en-US" sz="2000" dirty="0"/>
               <a:t>)</a:t>
             </a:r>
             <a:endParaRPr lang="en-US" sz="3200" dirty="0"/>
@@ -7983,15 +7620,7 @@
             </a:pPr>
             <a:r>
               <a:rPr lang="en-US" sz="2800" dirty="0"/>
-              <a:t>Develop software in </a:t>
-            </a:r>
-            <a:r>
-              <a:rPr lang="en-US" sz="2800" dirty="0" smtClean="0"/>
-              <a:t>actively evolving &amp; maintained </a:t>
-            </a:r>
-            <a:r>
-              <a:rPr lang="en-US" sz="2800" dirty="0"/>
-              <a:t>Python 3x (3</a:t>
+              <a:t>Develop software in actively evolving &amp; maintained Python 3x (3</a:t>
             </a:r>
             <a:r>
               <a:rPr lang="en-US" sz="2800" baseline="30000" dirty="0"/>
@@ -7999,11 +7628,7 @@
             </a:r>
             <a:r>
               <a:rPr lang="en-US" sz="2800" dirty="0"/>
-              <a:t> generation </a:t>
-            </a:r>
-            <a:r>
-              <a:rPr lang="en-US" sz="2800" dirty="0" smtClean="0"/>
-              <a:t>language)</a:t>
+              <a:t> generation language)</a:t>
             </a:r>
           </a:p>
           <a:p>
@@ -8014,19 +7639,11 @@
             </a:pPr>
             <a:r>
               <a:rPr lang="en-US" sz="2000" dirty="0"/>
-              <a:t>Create non-installable </a:t>
-            </a:r>
-            <a:r>
-              <a:rPr lang="en-US" sz="2000" dirty="0" smtClean="0"/>
-              <a:t>Python 3x </a:t>
-            </a:r>
-            <a:r>
-              <a:rPr lang="en-US" sz="2000" b="1" dirty="0" smtClean="0"/>
-              <a:t>Developer </a:t>
+              <a:t>Create non-installable Python 3x </a:t>
             </a:r>
             <a:r>
               <a:rPr lang="en-US" sz="2000" b="1" dirty="0"/>
-              <a:t>Sandbox</a:t>
+              <a:t>Developer Sandbox</a:t>
             </a:r>
             <a:r>
               <a:rPr lang="en-US" sz="2000" dirty="0"/>
@@ -8040,20 +7657,12 @@
               </a:lnSpc>
             </a:pPr>
             <a:r>
-              <a:rPr lang="en-US" sz="1600" dirty="0" smtClean="0"/>
-              <a:t>Copy </a:t>
-            </a:r>
-            <a:r>
               <a:rPr lang="en-US" sz="1600" dirty="0"/>
-              <a:t>non-installable Python 2x </a:t>
+              <a:t>Copy non-installable Python 2x </a:t>
             </a:r>
             <a:r>
               <a:rPr lang="en-US" sz="1600" b="1" dirty="0"/>
-              <a:t>Developer </a:t>
-            </a:r>
-            <a:r>
-              <a:rPr lang="en-US" sz="1600" b="1" dirty="0" smtClean="0"/>
-              <a:t>Sandbox</a:t>
+              <a:t>Developer Sandbox</a:t>
             </a:r>
           </a:p>
           <a:p>
@@ -8063,12 +7672,8 @@
               </a:lnSpc>
             </a:pPr>
             <a:r>
-              <a:rPr lang="en-US" sz="1600" dirty="0" smtClean="0"/>
-              <a:t>Convert </a:t>
-            </a:r>
-            <a:r>
               <a:rPr lang="en-US" sz="1600" dirty="0"/>
-              <a:t>syntax of Python 2x to Python 3x (3</a:t>
+              <a:t>Convert syntax of Python 2x to Python 3x (3</a:t>
             </a:r>
             <a:r>
               <a:rPr lang="en-US" sz="1600" baseline="30000" dirty="0"/>
@@ -8076,18 +7681,14 @@
             </a:r>
             <a:r>
               <a:rPr lang="en-US" sz="1600" dirty="0"/>
-              <a:t> generation language) using Python </a:t>
-            </a:r>
-            <a:r>
-              <a:rPr lang="en-US" sz="1600" dirty="0" smtClean="0"/>
-              <a:t>“</a:t>
-            </a:r>
-            <a:r>
-              <a:rPr lang="en-US" sz="1600" b="1" dirty="0" smtClean="0"/>
+              <a:t> generation language) using Python “</a:t>
+            </a:r>
+            <a:r>
+              <a:rPr lang="en-US" sz="1600" b="1" dirty="0"/>
               <a:t>2to3”</a:t>
             </a:r>
             <a:r>
-              <a:rPr lang="en-US" sz="1600" dirty="0" smtClean="0"/>
+              <a:rPr lang="en-US" sz="1600" dirty="0"/>
               <a:t> utility</a:t>
             </a:r>
           </a:p>
@@ -8098,12 +7699,8 @@
               </a:lnSpc>
             </a:pPr>
             <a:r>
-              <a:rPr lang="en-US" sz="1600" dirty="0" smtClean="0"/>
-              <a:t>Debug </a:t>
-            </a:r>
-            <a:r>
               <a:rPr lang="en-US" sz="1600" dirty="0"/>
-              <a:t>to identify and resolve remaining issues</a:t>
+              <a:t>Debug to identify and resolve remaining issues</a:t>
             </a:r>
           </a:p>
           <a:p>
@@ -8114,27 +7711,15 @@
             </a:pPr>
             <a:r>
               <a:rPr lang="en-US" sz="2000" dirty="0"/>
-              <a:t>Create installable </a:t>
-            </a:r>
-            <a:r>
-              <a:rPr lang="en-US" sz="2000" dirty="0" smtClean="0"/>
-              <a:t>Python 3x </a:t>
-            </a:r>
-            <a:r>
-              <a:rPr lang="en-US" sz="2000" b="1" dirty="0" smtClean="0"/>
+              <a:t>Create installable Python 3x </a:t>
+            </a:r>
+            <a:r>
+              <a:rPr lang="en-US" sz="2000" b="1" dirty="0"/>
               <a:t>Site-Package</a:t>
             </a:r>
             <a:r>
-              <a:rPr lang="en-US" sz="2000" dirty="0" smtClean="0"/>
-              <a:t> </a:t>
-            </a:r>
-            <a:r>
               <a:rPr lang="en-US" sz="2000" dirty="0"/>
-              <a:t>to facilitate to use of Toolkit building blocks in same manner as library components registered in Python Global Module </a:t>
-            </a:r>
-            <a:r>
-              <a:rPr lang="en-US" sz="2000" dirty="0" smtClean="0"/>
-              <a:t>Index.</a:t>
+              <a:t> to facilitate to use of Toolkit building blocks in same manner as library components registered in Python Global Module Index.</a:t>
             </a:r>
           </a:p>
           <a:p>
@@ -8144,11 +7729,11 @@
               </a:lnSpc>
             </a:pPr>
             <a:r>
-              <a:rPr lang="en-US" sz="1600" dirty="0" smtClean="0"/>
+              <a:rPr lang="en-US" sz="1600" dirty="0"/>
               <a:t>Copy Python 3x </a:t>
             </a:r>
             <a:r>
-              <a:rPr lang="en-US" sz="1600" b="1" dirty="0" smtClean="0"/>
+              <a:rPr lang="en-US" sz="1600" b="1" dirty="0"/>
               <a:t>Developer Sandbox</a:t>
             </a:r>
           </a:p>
@@ -8159,16 +7744,8 @@
               </a:lnSpc>
             </a:pPr>
             <a:r>
-              <a:rPr lang="en-US" sz="1600" dirty="0" smtClean="0"/>
-              <a:t>Replace </a:t>
-            </a:r>
-            <a:r>
               <a:rPr lang="en-US" sz="1600" dirty="0"/>
-              <a:t>“__init__.py” modules with empty </a:t>
-            </a:r>
-            <a:r>
-              <a:rPr lang="en-US" sz="1600" dirty="0" smtClean="0"/>
-              <a:t>ones</a:t>
+              <a:t>Replace “__init__.py” modules with empty ones</a:t>
             </a:r>
           </a:p>
           <a:p>
@@ -8178,20 +7755,8 @@
               </a:lnSpc>
             </a:pPr>
             <a:r>
-              <a:rPr lang="en-US" sz="1600" dirty="0" smtClean="0"/>
-              <a:t>Replace “try-except” import logic with </a:t>
-            </a:r>
-            <a:r>
               <a:rPr lang="en-US" sz="1600" dirty="0"/>
-              <a:t>explicit </a:t>
-            </a:r>
-            <a:r>
-              <a:rPr lang="en-US" sz="1600" dirty="0" smtClean="0"/>
-              <a:t>references to </a:t>
-            </a:r>
-            <a:r>
-              <a:rPr lang="en-US" sz="1600" dirty="0"/>
-              <a:t>site-package identifier</a:t>
+              <a:t>Replace “try-except” import logic with explicit references to site-package identifier</a:t>
             </a:r>
           </a:p>
         </p:txBody>
@@ -8216,7 +7781,7 @@
             </a:pPr>
             <a:fld id="{B769E256-7FA8-4D13-85C9-457788346F8B}" type="datetime1">
               <a:rPr lang="en-US" smtClean="0"/>
-              <a:t>11/25/2015</a:t>
+              <a:t>12/23/2016</a:t>
             </a:fld>
             <a:endParaRPr lang="en-US"/>
           </a:p>
@@ -8241,10 +7806,9 @@
               <a:defRPr/>
             </a:pPr>
             <a:r>
-              <a:rPr lang="en-US" dirty="0" smtClean="0"/>
+              <a:rPr lang="en-US" dirty="0"/>
               <a:t>TeamSTARS "tsWxGTUI_PyVx" Toolkit prepared &amp; presented by Richard S. Gordon</a:t>
             </a:r>
-            <a:endParaRPr lang="en-US" dirty="0"/>
           </a:p>
         </p:txBody>
       </p:sp>
@@ -8282,13 +7846,6 @@
   <p:clrMapOvr>
     <a:masterClrMapping/>
   </p:clrMapOvr>
-  <p:timing>
-    <p:tnLst>
-      <p:par>
-        <p:cTn id="1" dur="indefinite" restart="never" nodeType="tmRoot"/>
-      </p:par>
-    </p:tnLst>
-  </p:timing>
 </p:sld>
 </file>
 
@@ -8325,12 +7882,8 @@
           <a:lstStyle/>
           <a:p>
             <a:r>
-              <a:rPr lang="en-US" dirty="0" smtClean="0"/>
-              <a:t>Table </a:t>
-            </a:r>
-            <a:r>
               <a:rPr lang="en-US" dirty="0"/>
-              <a:t>of Contents </a:t>
+              <a:t>Table of Contents </a:t>
             </a:r>
             <a:r>
               <a:rPr lang="en-US" sz="2000" dirty="0"/>
@@ -8376,24 +7929,24 @@
           <a:p>
             <a:pPr eaLnBrk="1" hangingPunct="1"/>
             <a:r>
-              <a:rPr lang="en-US" sz="2200" b="1" dirty="0" smtClean="0">
+              <a:rPr lang="en-US" sz="2200" b="1" dirty="0">
                 <a:hlinkClick r:id="rId2" action="ppaction://hlinksldjump"/>
               </a:rPr>
               <a:t>Objectives</a:t>
             </a:r>
-            <a:endParaRPr lang="en-US" sz="2200" b="1" dirty="0" smtClean="0"/>
+            <a:endParaRPr lang="en-US" sz="2200" b="1" dirty="0"/>
           </a:p>
           <a:p>
             <a:pPr lvl="1" eaLnBrk="1" hangingPunct="1"/>
             <a:r>
-              <a:rPr lang="en-US" sz="1800" b="1" dirty="0" smtClean="0"/>
+              <a:rPr lang="en-US" sz="1800" b="1" dirty="0"/>
               <a:t>Goals (Capabilities)</a:t>
             </a:r>
           </a:p>
           <a:p>
             <a:pPr lvl="1" eaLnBrk="1" hangingPunct="1"/>
             <a:r>
-              <a:rPr lang="en-US" sz="1800" b="1" dirty="0" smtClean="0"/>
+              <a:rPr lang="en-US" sz="1800" b="1" dirty="0"/>
               <a:t>Non-Goals (Limitations)</a:t>
             </a:r>
           </a:p>
@@ -8426,32 +7979,23 @@
           <a:p>
             <a:pPr lvl="1" eaLnBrk="1" hangingPunct="1"/>
             <a:r>
-              <a:rPr lang="en-US" sz="1800" b="1" dirty="0" smtClean="0"/>
+              <a:rPr lang="en-US" sz="1800" b="1" dirty="0"/>
               <a:t>Technologies (Cross-Platform)</a:t>
             </a:r>
           </a:p>
           <a:p>
             <a:pPr lvl="1" eaLnBrk="1" hangingPunct="1"/>
             <a:r>
-              <a:rPr lang="en-US" sz="1800" b="1" dirty="0" smtClean="0"/>
+              <a:rPr lang="en-US" sz="1800" b="1" dirty="0"/>
               <a:t>Design Decisions (System Architecture, Source Code &amp; Documentation)</a:t>
             </a:r>
           </a:p>
           <a:p>
             <a:pPr lvl="1" eaLnBrk="1" hangingPunct="1"/>
             <a:r>
-              <a:rPr lang="en-US" sz="1800" b="1" dirty="0" smtClean="0"/>
-              <a:t>Release </a:t>
-            </a:r>
-            <a:r>
               <a:rPr lang="en-US" sz="1800" b="1" dirty="0"/>
-              <a:t>&amp; </a:t>
-            </a:r>
-            <a:r>
-              <a:rPr lang="en-US" sz="1800" b="1" dirty="0" smtClean="0"/>
-              <a:t>Publication (Stages, Phases and Issues)</a:t>
-            </a:r>
-            <a:endParaRPr lang="en-US" sz="1800" b="1" dirty="0"/>
+              <a:t>Release &amp; Publication (Stages, Phases and Issues)</a:t>
+            </a:r>
           </a:p>
         </p:txBody>
       </p:sp>
@@ -8475,7 +8019,7 @@
             </a:pPr>
             <a:fld id="{44D06F95-D493-494F-B0EB-3EDFAA385886}" type="datetime1">
               <a:rPr lang="en-US" smtClean="0"/>
-              <a:t>11/25/2015</a:t>
+              <a:t>12/23/2016</a:t>
             </a:fld>
             <a:endParaRPr lang="en-US"/>
           </a:p>
@@ -8500,22 +8044,21 @@
               <a:defRPr/>
             </a:pPr>
             <a:r>
-              <a:rPr lang="en-US" dirty="0" err="1" smtClean="0"/>
+              <a:rPr lang="en-US" dirty="0" err="1"/>
               <a:t>TeamSTARS</a:t>
             </a:r>
             <a:r>
-              <a:rPr lang="en-US" dirty="0" smtClean="0"/>
+              <a:rPr lang="en-US" dirty="0"/>
               <a:t> "</a:t>
             </a:r>
             <a:r>
-              <a:rPr lang="en-US" dirty="0" err="1" smtClean="0"/>
+              <a:rPr lang="en-US" dirty="0" err="1"/>
               <a:t>tsWxGTUI_PyVx</a:t>
             </a:r>
             <a:r>
-              <a:rPr lang="en-US" dirty="0" smtClean="0"/>
+              <a:rPr lang="en-US" dirty="0"/>
               <a:t>" Toolkit prepared &amp; presented by Richard S. Gordon</a:t>
             </a:r>
-            <a:endParaRPr lang="en-US" dirty="0"/>
           </a:p>
         </p:txBody>
       </p:sp>
@@ -8553,13 +8096,6 @@
   <p:clrMapOvr>
     <a:masterClrMapping/>
   </p:clrMapOvr>
-  <p:timing>
-    <p:tnLst>
-      <p:par>
-        <p:cTn id="1" dur="indefinite" restart="never" nodeType="tmRoot"/>
-      </p:par>
-    </p:tnLst>
-  </p:timing>
 </p:sld>
 </file>
 
@@ -8598,33 +8134,23 @@
             <a:pPr eaLnBrk="1" hangingPunct="1"/>
             <a:r>
               <a:rPr lang="en-US" sz="2400" dirty="0"/>
-              <a:t>Adopt Development, Debug and Test Environment </a:t>
-            </a:r>
-            <a:r>
-              <a:rPr lang="en-US" sz="2400" dirty="0" smtClean="0"/>
-              <a:t>Plan </a:t>
-            </a:r>
-            <a:r>
-              <a:rPr lang="en-US" sz="2000" dirty="0" smtClean="0"/>
+              <a:t>Adopt Development, Debug and Test Environment Plan </a:t>
+            </a:r>
+            <a:r>
+              <a:rPr lang="en-US" sz="2000" dirty="0"/>
               <a:t>(</a:t>
-            </a:r>
-            <a:r>
-              <a:rPr lang="en-US" sz="2000" dirty="0" smtClean="0">
-                <a:hlinkClick r:id="rId2" action="ppaction://hlinksldjump"/>
-              </a:rPr>
-              <a:t>Table </a:t>
             </a:r>
             <a:r>
               <a:rPr lang="en-US" sz="2000" dirty="0">
                 <a:hlinkClick r:id="rId2" action="ppaction://hlinksldjump"/>
               </a:rPr>
-              <a:t>of Contents</a:t>
-            </a:r>
-            <a:r>
-              <a:rPr lang="en-US" sz="2000" dirty="0" smtClean="0"/>
+              <a:t>Table of Contents</a:t>
+            </a:r>
+            <a:r>
+              <a:rPr lang="en-US" sz="2000" dirty="0"/>
               <a:t>)</a:t>
             </a:r>
-            <a:endParaRPr lang="en-US" sz="4000" dirty="0" smtClean="0"/>
+            <a:endParaRPr lang="en-US" sz="4000" dirty="0"/>
           </a:p>
         </p:txBody>
       </p:sp>
@@ -8653,7 +8179,7 @@
               <a:buSzPct val="60000"/>
             </a:pPr>
             <a:r>
-              <a:rPr lang="en-US" dirty="0" smtClean="0"/>
+              <a:rPr lang="en-US" dirty="0"/>
               <a:t>Representative &amp; Readily Available</a:t>
             </a:r>
           </a:p>
@@ -8665,16 +8191,8 @@
               <a:buSzPct val="60000"/>
             </a:pPr>
             <a:r>
-              <a:rPr lang="en-US" dirty="0" smtClean="0"/>
-              <a:t>Processors (32-</a:t>
-            </a:r>
-            <a:r>
               <a:rPr lang="en-US" dirty="0"/>
-              <a:t>/</a:t>
-            </a:r>
-            <a:r>
-              <a:rPr lang="en-US" dirty="0" smtClean="0"/>
-              <a:t>64-bit data register width)</a:t>
+              <a:t>Processors (32-/64-bit data register width)</a:t>
             </a:r>
           </a:p>
           <a:p>
@@ -8685,16 +8203,8 @@
               <a:buSzPct val="60000"/>
             </a:pPr>
             <a:r>
-              <a:rPr lang="en-US" sz="1800" dirty="0" smtClean="0"/>
-              <a:t>Single Core --- A component </a:t>
-            </a:r>
-            <a:r>
               <a:rPr lang="en-US" sz="1800" dirty="0"/>
-              <a:t>containing a </a:t>
-            </a:r>
-            <a:r>
-              <a:rPr lang="en-US" sz="1800" dirty="0" smtClean="0"/>
-              <a:t>single processor performing all of the work.</a:t>
+              <a:t>Single Core --- A component containing a single processor performing all of the work.</a:t>
             </a:r>
           </a:p>
           <a:p>
@@ -8705,16 +8215,8 @@
               <a:buSzPct val="60000"/>
             </a:pPr>
             <a:r>
-              <a:rPr lang="en-US" sz="1800" dirty="0" smtClean="0"/>
-              <a:t>Multi-Core or Multi-Processor --- One or more components containing multiple processors each performing their delegated portion </a:t>
-            </a:r>
-            <a:r>
               <a:rPr lang="en-US" sz="1800" dirty="0"/>
-              <a:t>of the </a:t>
-            </a:r>
-            <a:r>
-              <a:rPr lang="en-US" sz="1800" dirty="0" smtClean="0"/>
-              <a:t>work.</a:t>
+              <a:t>Multi-Core or Multi-Processor --- One or more components containing multiple processors each performing their delegated portion of the work.</a:t>
             </a:r>
           </a:p>
           <a:p>
@@ -8725,32 +8227,8 @@
               <a:buSzPct val="60000"/>
             </a:pPr>
             <a:r>
-              <a:rPr lang="en-US" dirty="0" smtClean="0"/>
-              <a:t>Processor-specific </a:t>
-            </a:r>
-            <a:r>
               <a:rPr lang="en-US" dirty="0"/>
-              <a:t>“Host” </a:t>
-            </a:r>
-            <a:r>
-              <a:rPr lang="en-US" dirty="0" smtClean="0"/>
-              <a:t>and </a:t>
-            </a:r>
-            <a:r>
-              <a:rPr lang="en-US" dirty="0"/>
-              <a:t>optional </a:t>
-            </a:r>
-            <a:r>
-              <a:rPr lang="en-US" dirty="0" smtClean="0"/>
-              <a:t>“Guest” </a:t>
-            </a:r>
-            <a:r>
-              <a:rPr lang="en-US" dirty="0"/>
-              <a:t>operating </a:t>
-            </a:r>
-            <a:r>
-              <a:rPr lang="en-US" dirty="0" smtClean="0"/>
-              <a:t>systems</a:t>
+              <a:t>Processor-specific “Host” and optional “Guest” operating systems</a:t>
             </a:r>
           </a:p>
           <a:p>
@@ -8761,7 +8239,7 @@
               <a:buSzPct val="60000"/>
             </a:pPr>
             <a:r>
-              <a:rPr lang="en-US" sz="1800" dirty="0" smtClean="0"/>
+              <a:rPr lang="en-US" sz="1800" dirty="0"/>
               <a:t>Host OS --- Primary operating system connected to other computers or terminals to which it provides data or computing services via a hard-wired connection or switched telecommunication network.</a:t>
             </a:r>
           </a:p>
@@ -8773,12 +8251,8 @@
               <a:buSzPct val="60000"/>
             </a:pPr>
             <a:r>
-              <a:rPr lang="en-US" sz="1800" dirty="0" smtClean="0"/>
-              <a:t>Guest OS --- Secondary operating system that is </a:t>
-            </a:r>
-            <a:r>
               <a:rPr lang="en-US" sz="1800" dirty="0"/>
-              <a:t>either part of a partitioned system or part of a virtual machine (VM) setup.</a:t>
+              <a:t>Guest OS --- Secondary operating system that is either part of a partitioned system or part of a virtual machine (VM) setup.</a:t>
             </a:r>
           </a:p>
           <a:p>
@@ -8788,10 +8262,10 @@
               </a:lnSpc>
             </a:pPr>
             <a:r>
-              <a:rPr lang="en-US" sz="2800" dirty="0" smtClean="0"/>
+              <a:rPr lang="en-US" sz="2800" dirty="0"/>
               <a:t>Develop, Debug and Test on available Sample Platforms</a:t>
             </a:r>
-            <a:endParaRPr lang="en-US" sz="2400" dirty="0" smtClean="0"/>
+            <a:endParaRPr lang="en-US" sz="2400" dirty="0"/>
           </a:p>
         </p:txBody>
       </p:sp>
@@ -8814,9 +8288,9 @@
           <a:p>
             <a:fld id="{2C4BA9ED-AB6E-4A64-A36B-A41D64AC330B}" type="datetime1">
               <a:rPr lang="en-US" smtClean="0"/>
-              <a:t>11/25/2015</a:t>
+              <a:t>12/23/2016</a:t>
             </a:fld>
-            <a:endParaRPr lang="en-US" smtClean="0"/>
+            <a:endParaRPr lang="en-US"/>
           </a:p>
         </p:txBody>
       </p:sp>
@@ -8838,7 +8312,7 @@
           <a:lstStyle/>
           <a:p>
             <a:r>
-              <a:rPr lang="en-US" dirty="0" smtClean="0"/>
+              <a:rPr lang="en-US" dirty="0"/>
               <a:t>TeamSTARS "tsWxGTUI_PyVx" Toolkit prepared &amp; presented by Richard S. Gordon</a:t>
             </a:r>
           </a:p>
@@ -8875,13 +8349,6 @@
   <p:clrMapOvr>
     <a:masterClrMapping/>
   </p:clrMapOvr>
-  <p:timing>
-    <p:tnLst>
-      <p:par>
-        <p:cTn id="1" dur="indefinite" restart="never" nodeType="tmRoot"/>
-      </p:par>
-    </p:tnLst>
-  </p:timing>
 </p:sld>
 </file>
 
@@ -8920,33 +8387,23 @@
             <a:pPr eaLnBrk="1" hangingPunct="1"/>
             <a:r>
               <a:rPr lang="en-US" sz="2400" dirty="0"/>
-              <a:t>Adopt Python Virtual Machine (VM) Environment </a:t>
-            </a:r>
-            <a:r>
-              <a:rPr lang="en-US" sz="2400" dirty="0" smtClean="0"/>
-              <a:t>Plan </a:t>
-            </a:r>
-            <a:r>
-              <a:rPr lang="en-US" sz="2000" dirty="0" smtClean="0"/>
+              <a:t>Adopt Python Virtual Machine (VM) Environment Plan </a:t>
+            </a:r>
+            <a:r>
+              <a:rPr lang="en-US" sz="2000" dirty="0"/>
               <a:t>(</a:t>
-            </a:r>
-            <a:r>
-              <a:rPr lang="en-US" sz="2000" dirty="0" smtClean="0">
-                <a:hlinkClick r:id="rId2" action="ppaction://hlinksldjump"/>
-              </a:rPr>
-              <a:t>Table </a:t>
             </a:r>
             <a:r>
               <a:rPr lang="en-US" sz="2000" dirty="0">
                 <a:hlinkClick r:id="rId2" action="ppaction://hlinksldjump"/>
               </a:rPr>
-              <a:t>of Contents</a:t>
-            </a:r>
-            <a:r>
-              <a:rPr lang="en-US" sz="2000" dirty="0" smtClean="0"/>
+              <a:t>Table of Contents</a:t>
+            </a:r>
+            <a:r>
+              <a:rPr lang="en-US" sz="2000" dirty="0"/>
               <a:t>)</a:t>
             </a:r>
-            <a:endParaRPr lang="en-US" sz="3200" dirty="0" smtClean="0"/>
+            <a:endParaRPr lang="en-US" sz="3200" dirty="0"/>
           </a:p>
         </p:txBody>
       </p:sp>
@@ -8972,11 +8429,11 @@
               <a:defRPr/>
             </a:pPr>
             <a:r>
-              <a:rPr lang="en-US" sz="2400" dirty="0" smtClean="0"/>
+              <a:rPr lang="en-US" sz="2400" dirty="0"/>
               <a:t>A Cross-Platform Environment is created by VMs which are typically</a:t>
             </a:r>
             <a:r>
-              <a:rPr lang="en-US" sz="2000" dirty="0" smtClean="0"/>
+              <a:rPr lang="en-US" sz="2000" dirty="0"/>
               <a:t>:</a:t>
             </a:r>
           </a:p>
@@ -8988,11 +8445,11 @@
               <a:defRPr/>
             </a:pPr>
             <a:r>
-              <a:rPr lang="en-US" sz="2000" b="1" dirty="0" smtClean="0"/>
+              <a:rPr lang="en-US" sz="2000" b="1" dirty="0"/>
               <a:t>Implemented</a:t>
             </a:r>
             <a:r>
-              <a:rPr lang="en-US" sz="2000" dirty="0" smtClean="0"/>
+              <a:rPr lang="en-US" sz="2000" dirty="0"/>
               <a:t> in a platform-independent programming language such as “C/C++”</a:t>
             </a:r>
           </a:p>
@@ -9004,26 +8461,13 @@
               <a:defRPr/>
             </a:pPr>
             <a:r>
-              <a:rPr lang="en-US" sz="2000" b="1" dirty="0" smtClean="0"/>
+              <a:rPr lang="en-US" sz="2000" b="1" dirty="0"/>
               <a:t>Compiled</a:t>
             </a:r>
             <a:r>
-              <a:rPr lang="en-US" sz="2000" dirty="0" smtClean="0"/>
-              <a:t> into executable </a:t>
-            </a:r>
-            <a:r>
               <a:rPr lang="en-US" sz="2000" dirty="0"/>
-              <a:t>platform-specific </a:t>
-            </a:r>
-            <a:r>
-              <a:rPr lang="en-US" sz="2000" dirty="0" smtClean="0"/>
-              <a:t>VM building </a:t>
-            </a:r>
-            <a:r>
-              <a:rPr lang="en-US" sz="2000" dirty="0"/>
-              <a:t>block library functions</a:t>
-            </a:r>
-            <a:endParaRPr lang="en-US" sz="2000" dirty="0" smtClean="0"/>
+              <a:t> into executable platform-specific VM building block library functions</a:t>
+            </a:r>
           </a:p>
           <a:p>
             <a:pPr lvl="1" eaLnBrk="1" hangingPunct="1">
@@ -9033,22 +8477,21 @@
               <a:defRPr/>
             </a:pPr>
             <a:r>
-              <a:rPr lang="en-US" sz="2000" b="1" dirty="0" smtClean="0"/>
+              <a:rPr lang="en-US" sz="2000" b="1" dirty="0"/>
               <a:t>Executed</a:t>
             </a:r>
             <a:r>
-              <a:rPr lang="en-US" sz="2000" dirty="0" smtClean="0"/>
+              <a:rPr lang="en-US" sz="2000" dirty="0"/>
               <a:t> upon an operator’s shell command (such as “python </a:t>
             </a:r>
             <a:r>
-              <a:rPr lang="en-US" sz="2000" b="1" dirty="0" smtClean="0"/>
+              <a:rPr lang="en-US" sz="2000" b="1" dirty="0"/>
               <a:t>DEMO.py</a:t>
             </a:r>
             <a:r>
-              <a:rPr lang="en-US" sz="2000" dirty="0" smtClean="0"/>
+              <a:rPr lang="en-US" sz="2000" dirty="0"/>
               <a:t> –help”)</a:t>
             </a:r>
-            <a:endParaRPr lang="en-US" sz="2000" dirty="0"/>
           </a:p>
           <a:p>
             <a:pPr eaLnBrk="1" hangingPunct="1">
@@ -9058,10 +8501,9 @@
               <a:defRPr/>
             </a:pPr>
             <a:r>
-              <a:rPr lang="en-US" sz="2400" dirty="0" smtClean="0"/>
+              <a:rPr lang="en-US" sz="2400" dirty="0"/>
               <a:t>VMs typically execute the Python application, upon its launch, via the following process: </a:t>
             </a:r>
-            <a:endParaRPr lang="en-US" sz="2400" dirty="0"/>
           </a:p>
           <a:p>
             <a:pPr lvl="1" eaLnBrk="1" hangingPunct="1">
@@ -9071,28 +8513,12 @@
               <a:defRPr/>
             </a:pPr>
             <a:r>
-              <a:rPr lang="en-US" sz="2000" b="1" dirty="0" smtClean="0"/>
+              <a:rPr lang="en-US" sz="2000" b="1" dirty="0"/>
               <a:t>Compile</a:t>
             </a:r>
             <a:r>
-              <a:rPr lang="en-US" sz="2000" dirty="0" smtClean="0"/>
-              <a:t> any </a:t>
-            </a:r>
-            <a:r>
               <a:rPr lang="en-US" sz="2000" dirty="0"/>
-              <a:t>un-compiled Python </a:t>
-            </a:r>
-            <a:r>
-              <a:rPr lang="en-US" sz="2000" dirty="0" smtClean="0"/>
-              <a:t>application </a:t>
-            </a:r>
-            <a:r>
-              <a:rPr lang="en-US" sz="2000" dirty="0"/>
-              <a:t>&amp; </a:t>
-            </a:r>
-            <a:r>
-              <a:rPr lang="en-US" sz="2000" dirty="0" smtClean="0"/>
-              <a:t>imported source code into a processor-independent byte-code containing tokens for each standard Python statement or subprogram operation</a:t>
+              <a:t> any un-compiled Python application &amp; imported source code into a processor-independent byte-code containing tokens for each standard Python statement or subprogram operation</a:t>
             </a:r>
           </a:p>
           <a:p>
@@ -9103,11 +8529,11 @@
               <a:defRPr/>
             </a:pPr>
             <a:r>
-              <a:rPr lang="en-US" sz="2000" b="1" dirty="0" smtClean="0"/>
+              <a:rPr lang="en-US" sz="2000" b="1" dirty="0"/>
               <a:t>Interpret</a:t>
             </a:r>
             <a:r>
-              <a:rPr lang="en-US" sz="2000" dirty="0" smtClean="0"/>
+              <a:rPr lang="en-US" sz="2000" dirty="0"/>
               <a:t> the VM tokens </a:t>
             </a:r>
           </a:p>
@@ -9119,28 +8545,12 @@
               <a:defRPr/>
             </a:pPr>
             <a:r>
-              <a:rPr lang="en-US" sz="2000" b="1" dirty="0" smtClean="0"/>
+              <a:rPr lang="en-US" sz="2000" b="1" dirty="0"/>
               <a:t>Execute</a:t>
             </a:r>
             <a:r>
-              <a:rPr lang="en-US" sz="2000" dirty="0" smtClean="0"/>
-              <a:t> VM </a:t>
-            </a:r>
-            <a:r>
               <a:rPr lang="en-US" sz="2000" dirty="0"/>
-              <a:t>token-associated </a:t>
-            </a:r>
-            <a:r>
-              <a:rPr lang="en-US" sz="2000" dirty="0" smtClean="0"/>
-              <a:t>platform-specific </a:t>
-            </a:r>
-            <a:r>
-              <a:rPr lang="en-US" sz="2000" dirty="0"/>
-              <a:t>VM building block library </a:t>
-            </a:r>
-            <a:r>
-              <a:rPr lang="en-US" sz="2000" dirty="0" smtClean="0"/>
-              <a:t>functions</a:t>
+              <a:t> VM token-associated platform-specific VM building block library functions</a:t>
             </a:r>
           </a:p>
         </p:txBody>
@@ -9164,9 +8574,9 @@
           <a:p>
             <a:fld id="{94BEE119-DC0C-419E-9642-690389E94C00}" type="datetime1">
               <a:rPr lang="en-US" smtClean="0"/>
-              <a:t>11/25/2015</a:t>
+              <a:t>12/23/2016</a:t>
             </a:fld>
-            <a:endParaRPr lang="en-US" smtClean="0"/>
+            <a:endParaRPr lang="en-US"/>
           </a:p>
         </p:txBody>
       </p:sp>
@@ -9188,7 +8598,7 @@
           <a:lstStyle/>
           <a:p>
             <a:r>
-              <a:rPr lang="en-US" dirty="0" smtClean="0"/>
+              <a:rPr lang="en-US" dirty="0"/>
               <a:t>TeamSTARS "tsWxGTUI_PyVx" Toolkit prepared &amp; presented by Richard S. Gordon</a:t>
             </a:r>
           </a:p>
@@ -9225,13 +8635,6 @@
   <p:clrMapOvr>
     <a:masterClrMapping/>
   </p:clrMapOvr>
-  <p:timing>
-    <p:tnLst>
-      <p:par>
-        <p:cTn id="1" dur="indefinite" restart="never" nodeType="tmRoot"/>
-      </p:par>
-    </p:tnLst>
-  </p:timing>
 </p:sld>
 </file>
 
@@ -9269,30 +8672,20 @@
           <a:p>
             <a:r>
               <a:rPr lang="en-US" sz="3200" dirty="0"/>
-              <a:t>Adopt Python Virtual Machine (VM) </a:t>
-            </a:r>
-            <a:r>
-              <a:rPr lang="en-US" sz="3200" dirty="0" smtClean="0"/>
-              <a:t>Plan </a:t>
-            </a:r>
-            <a:r>
-              <a:rPr lang="en-US" sz="2000" dirty="0" smtClean="0"/>
+              <a:t>Adopt Python Virtual Machine (VM) Plan </a:t>
+            </a:r>
+            <a:r>
+              <a:rPr lang="en-US" sz="2000" dirty="0"/>
               <a:t>(</a:t>
-            </a:r>
-            <a:r>
-              <a:rPr lang="en-US" sz="2000" dirty="0" smtClean="0">
-                <a:hlinkClick r:id="rId2" action="ppaction://hlinksldjump"/>
-              </a:rPr>
-              <a:t>Table </a:t>
             </a:r>
             <a:r>
               <a:rPr lang="en-US" sz="2000" dirty="0">
                 <a:hlinkClick r:id="rId2" action="ppaction://hlinksldjump"/>
               </a:rPr>
-              <a:t>of Contents</a:t>
-            </a:r>
-            <a:r>
-              <a:rPr lang="en-US" sz="2000" dirty="0" smtClean="0"/>
+              <a:t>Table of Contents</a:t>
+            </a:r>
+            <a:r>
+              <a:rPr lang="en-US" sz="2000" dirty="0"/>
               <a:t>)</a:t>
             </a:r>
             <a:endParaRPr lang="en-US" sz="3200" dirty="0"/>
@@ -9321,18 +8714,9 @@
               <a:defRPr/>
             </a:pPr>
             <a:r>
-              <a:rPr lang="en-US" sz="2800" dirty="0" smtClean="0"/>
-              <a:t>Project </a:t>
-            </a:r>
-            <a:r>
               <a:rPr lang="en-US" sz="2800" dirty="0"/>
-              <a:t>Author and Release </a:t>
-            </a:r>
-            <a:r>
-              <a:rPr lang="en-US" sz="2800" dirty="0" smtClean="0"/>
-              <a:t>Adopters</a:t>
-            </a:r>
-            <a:endParaRPr lang="en-US" sz="2800" dirty="0"/>
+              <a:t>Project Author and Release Adopters</a:t>
+            </a:r>
           </a:p>
           <a:p>
             <a:pPr lvl="1" eaLnBrk="1" hangingPunct="1">
@@ -9342,24 +8726,8 @@
               <a:defRPr/>
             </a:pPr>
             <a:r>
-              <a:rPr lang="en-US" sz="2400" dirty="0" smtClean="0"/>
-              <a:t>Default use of popular Python (2.x.y </a:t>
-            </a:r>
-            <a:r>
               <a:rPr lang="en-US" sz="2400" dirty="0"/>
-              <a:t>and </a:t>
-            </a:r>
-            <a:r>
-              <a:rPr lang="en-US" sz="2400" dirty="0" smtClean="0"/>
-              <a:t>3.x.y) </a:t>
-            </a:r>
-            <a:r>
-              <a:rPr lang="en-US" sz="2400" dirty="0"/>
-              <a:t>Virtual </a:t>
-            </a:r>
-            <a:r>
-              <a:rPr lang="en-US" sz="2400" dirty="0" smtClean="0"/>
-              <a:t>Machines developed:</a:t>
+              <a:t>Default use of popular Python (2.x.y and 3.x.y) Virtual Machines developed:</a:t>
             </a:r>
           </a:p>
           <a:p>
@@ -9370,16 +8738,8 @@
               <a:defRPr/>
             </a:pPr>
             <a:r>
-              <a:rPr lang="en-US" sz="2000" dirty="0" smtClean="0"/>
-              <a:t>by </a:t>
-            </a:r>
-            <a:r>
               <a:rPr lang="en-US" sz="2000" dirty="0"/>
-              <a:t>the Python Software Foundation (PSF</a:t>
-            </a:r>
-            <a:r>
-              <a:rPr lang="en-US" sz="2000" dirty="0" smtClean="0"/>
-              <a:t>)</a:t>
+              <a:t>by the Python Software Foundation (PSF)</a:t>
             </a:r>
           </a:p>
           <a:p>
@@ -9390,20 +8750,8 @@
               <a:defRPr/>
             </a:pPr>
             <a:r>
-              <a:rPr lang="en-US" sz="2000" dirty="0" smtClean="0"/>
-              <a:t>for </a:t>
-            </a:r>
-            <a:r>
               <a:rPr lang="en-US" sz="2000" dirty="0"/>
-              <a:t>popular and readily available Intel processors (x86 &amp; x64) and </a:t>
-            </a:r>
-            <a:r>
-              <a:rPr lang="en-US" sz="2000" dirty="0" smtClean="0"/>
-              <a:t>processor-specific </a:t>
-            </a:r>
-            <a:r>
-              <a:rPr lang="en-US" sz="2000" dirty="0"/>
-              <a:t>operating systems.</a:t>
+              <a:t>for popular and readily available Intel processors (x86 &amp; x64) and processor-specific operating systems.</a:t>
             </a:r>
           </a:p>
           <a:p>
@@ -9414,16 +8762,8 @@
               <a:defRPr/>
             </a:pPr>
             <a:r>
-              <a:rPr lang="en-US" sz="2400" dirty="0" smtClean="0"/>
-              <a:t>Optional use of equivalent </a:t>
-            </a:r>
-            <a:r>
               <a:rPr lang="en-US" sz="2400" dirty="0"/>
-              <a:t>Python (2.x.y and 3.x.y) Virtual Machines (or the source code to build them) </a:t>
-            </a:r>
-            <a:r>
-              <a:rPr lang="en-US" sz="2400" dirty="0" smtClean="0"/>
-              <a:t>developed:</a:t>
+              <a:t>Optional use of equivalent Python (2.x.y and 3.x.y) Virtual Machines (or the source code to build them) developed:</a:t>
             </a:r>
           </a:p>
           <a:p>
@@ -9434,16 +8774,8 @@
               <a:defRPr/>
             </a:pPr>
             <a:r>
-              <a:rPr lang="en-US" sz="2000" dirty="0" smtClean="0"/>
-              <a:t>by </a:t>
-            </a:r>
-            <a:r>
               <a:rPr lang="en-US" sz="2000" dirty="0"/>
-              <a:t>the Python Software </a:t>
-            </a:r>
-            <a:r>
-              <a:rPr lang="en-US" sz="2000" dirty="0" smtClean="0"/>
-              <a:t>Foundation</a:t>
+              <a:t>by the Python Software Foundation</a:t>
             </a:r>
           </a:p>
           <a:p>
@@ -9454,18 +8786,13 @@
               <a:defRPr/>
             </a:pPr>
             <a:r>
-              <a:rPr lang="en-US" sz="2000" dirty="0" smtClean="0"/>
-              <a:t>for other, less popular, processor </a:t>
-            </a:r>
-            <a:r>
               <a:rPr lang="en-US" sz="2000" dirty="0"/>
-              <a:t>types and processor-specific operating systems</a:t>
-            </a:r>
-            <a:r>
-              <a:rPr lang="en-US" sz="1800" dirty="0" smtClean="0"/>
+              <a:t>for other, less popular, processor types and processor-specific operating systems</a:t>
+            </a:r>
+            <a:r>
+              <a:rPr lang="en-US" sz="1800" dirty="0"/>
               <a:t>.</a:t>
             </a:r>
-            <a:endParaRPr lang="en-US" sz="1800" dirty="0"/>
           </a:p>
         </p:txBody>
       </p:sp>
@@ -9489,7 +8816,7 @@
             </a:pPr>
             <a:fld id="{C57675CE-2FFE-4CFE-ACC7-30894193D781}" type="datetime1">
               <a:rPr lang="en-US" smtClean="0"/>
-              <a:t>11/25/2015</a:t>
+              <a:t>12/23/2016</a:t>
             </a:fld>
             <a:endParaRPr lang="en-US"/>
           </a:p>
@@ -9514,10 +8841,9 @@
               <a:defRPr/>
             </a:pPr>
             <a:r>
-              <a:rPr lang="en-US" dirty="0" smtClean="0"/>
+              <a:rPr lang="en-US" dirty="0"/>
               <a:t>TeamSTARS "tsWxGTUI_PyVx" Toolkit prepared &amp; presented by Richard S. Gordon</a:t>
             </a:r>
-            <a:endParaRPr lang="en-US" dirty="0"/>
           </a:p>
         </p:txBody>
       </p:sp>
@@ -9555,13 +8881,6 @@
   <p:clrMapOvr>
     <a:masterClrMapping/>
   </p:clrMapOvr>
-  <p:timing>
-    <p:tnLst>
-      <p:par>
-        <p:cTn id="1" dur="indefinite" restart="never" nodeType="tmRoot"/>
-      </p:par>
-    </p:tnLst>
-  </p:timing>
 </p:sld>
 </file>
 
@@ -9599,30 +8918,20 @@
           <a:p>
             <a:r>
               <a:rPr lang="en-US" sz="4000" dirty="0"/>
-              <a:t>Adopt Engineering Notebook </a:t>
-            </a:r>
-            <a:r>
-              <a:rPr lang="en-US" sz="4000" dirty="0" smtClean="0"/>
-              <a:t>Plan </a:t>
-            </a:r>
-            <a:r>
-              <a:rPr lang="en-US" sz="2000" dirty="0" smtClean="0"/>
+              <a:t>Adopt Engineering Notebook Plan </a:t>
+            </a:r>
+            <a:r>
+              <a:rPr lang="en-US" sz="2000" dirty="0"/>
               <a:t>(</a:t>
-            </a:r>
-            <a:r>
-              <a:rPr lang="en-US" sz="2000" dirty="0" smtClean="0">
-                <a:hlinkClick r:id="rId2" action="ppaction://hlinksldjump"/>
-              </a:rPr>
-              <a:t>Table </a:t>
             </a:r>
             <a:r>
               <a:rPr lang="en-US" sz="2000" dirty="0">
                 <a:hlinkClick r:id="rId2" action="ppaction://hlinksldjump"/>
               </a:rPr>
-              <a:t>of Contents</a:t>
-            </a:r>
-            <a:r>
-              <a:rPr lang="en-US" sz="2000" dirty="0" smtClean="0"/>
+              <a:t>Table of Contents</a:t>
+            </a:r>
+            <a:r>
+              <a:rPr lang="en-US" sz="2000" dirty="0"/>
               <a:t>)</a:t>
             </a:r>
             <a:endParaRPr lang="en-US" sz="3200" dirty="0"/>
@@ -9655,15 +8964,7 @@
             </a:r>
             <a:r>
               <a:rPr lang="en-US" sz="2000" b="1" dirty="0"/>
-              <a:t>(</a:t>
-            </a:r>
-            <a:r>
-              <a:rPr lang="en-US" sz="2000" b="1" dirty="0" smtClean="0"/>
-              <a:t>master kept </a:t>
-            </a:r>
-            <a:r>
-              <a:rPr lang="en-US" sz="2000" b="1" dirty="0"/>
-              <a:t>in repository on development system)</a:t>
+              <a:t>(master kept in repository on development system)</a:t>
             </a:r>
             <a:endParaRPr lang="en-US" sz="2000" dirty="0"/>
           </a:p>
@@ -9671,58 +8972,14 @@
             <a:pPr lvl="1" eaLnBrk="1" hangingPunct="1"/>
             <a:r>
               <a:rPr lang="en-US" sz="1800" dirty="0"/>
-              <a:t>Collection of commentaries that express opinions or offerings of explanations about events or situations that might be useful to </a:t>
-            </a:r>
-            <a:r>
-              <a:rPr lang="en-US" sz="1800" dirty="0" smtClean="0"/>
-              <a:t>installers</a:t>
-            </a:r>
+              <a:t>Collection of commentaries that express opinions or offerings of explanations about events or situations that might be useful to installers, developers, operators, troubleshooters and distributors of the toolkit framework. </a:t>
+            </a:r>
+          </a:p>
+          <a:p>
+            <a:pPr lvl="1" eaLnBrk="1" hangingPunct="1"/>
             <a:r>
               <a:rPr lang="en-US" sz="1800" dirty="0"/>
-              <a:t>, developers, operators, troubleshooters and </a:t>
-            </a:r>
-            <a:r>
-              <a:rPr lang="en-US" sz="1800" dirty="0" smtClean="0"/>
-              <a:t>distributors of the toolkit framework. </a:t>
-            </a:r>
-          </a:p>
-          <a:p>
-            <a:pPr lvl="1" eaLnBrk="1" hangingPunct="1"/>
-            <a:r>
-              <a:rPr lang="en-US" sz="1800" dirty="0" smtClean="0"/>
-              <a:t>Formats include </a:t>
-            </a:r>
-            <a:r>
-              <a:rPr lang="en-US" sz="1800" dirty="0"/>
-              <a:t>text, tables and complex graphical images requiring </a:t>
-            </a:r>
-            <a:r>
-              <a:rPr lang="en-US" sz="1800" dirty="0" smtClean="0"/>
-              <a:t>an office </a:t>
-            </a:r>
-            <a:r>
-              <a:rPr lang="en-US" sz="1800" dirty="0"/>
-              <a:t>suite application programs </a:t>
-            </a:r>
-            <a:r>
-              <a:rPr lang="en-US" sz="1800" dirty="0" smtClean="0"/>
-              <a:t>(such as from </a:t>
-            </a:r>
-            <a:r>
-              <a:rPr lang="en-US" sz="1800" dirty="0"/>
-              <a:t>“Adobe”, “Microsoft“, “LibreOffice” etc.) </a:t>
-            </a:r>
-            <a:r>
-              <a:rPr lang="en-US" sz="1800" dirty="0" smtClean="0"/>
-              <a:t>typically </a:t>
-            </a:r>
-            <a:r>
-              <a:rPr lang="en-US" sz="1800" dirty="0"/>
-              <a:t>found on a general purpose </a:t>
-            </a:r>
-            <a:r>
-              <a:rPr lang="en-US" sz="1800" dirty="0" smtClean="0"/>
-              <a:t>workstation, desktop or laptop computer systems.</a:t>
+              <a:t>Formats include text, tables and complex graphical images requiring an office suite application programs (such as from “Adobe”, “Microsoft“, “LibreOffice” etc.) typically found on a general purpose workstation, desktop or laptop computer systems.</a:t>
             </a:r>
           </a:p>
           <a:p>
@@ -9736,33 +8993,16 @@
             <a:pPr lvl="1" eaLnBrk="1" hangingPunct="1"/>
             <a:r>
               <a:rPr lang="en-US" sz="1800" dirty="0"/>
-              <a:t>Excerpts from the Engineering </a:t>
-            </a:r>
-            <a:r>
-              <a:rPr lang="en-US" sz="1800" dirty="0" smtClean="0"/>
-              <a:t>Project Notebook </a:t>
-            </a:r>
-            <a:r>
-              <a:rPr lang="en-US" sz="1800" dirty="0"/>
-              <a:t>that is in plain text format and suitable </a:t>
-            </a:r>
-            <a:r>
-              <a:rPr lang="en-US" sz="1800" dirty="0" smtClean="0"/>
-              <a:t>for embedded </a:t>
-            </a:r>
-            <a:r>
-              <a:rPr lang="en-US" sz="1800" dirty="0"/>
-              <a:t>systems with only character-mode </a:t>
+              <a:t>Excerpts from the Engineering Project Notebook that is in plain text format and suitable for embedded systems with only character-mode </a:t>
             </a:r>
             <a:r>
               <a:rPr lang="en-US" sz="2000" dirty="0"/>
               <a:t>terminals</a:t>
             </a:r>
             <a:r>
-              <a:rPr lang="en-US" sz="2400" dirty="0" smtClean="0"/>
+              <a:rPr lang="en-US" sz="2400" dirty="0"/>
               <a:t>.</a:t>
             </a:r>
-            <a:endParaRPr lang="en-US" sz="2400" dirty="0"/>
           </a:p>
         </p:txBody>
       </p:sp>
@@ -9786,7 +9026,7 @@
             </a:pPr>
             <a:fld id="{09EDB0D0-DE95-4588-8489-6D932E7514AB}" type="datetime1">
               <a:rPr lang="en-US" smtClean="0"/>
-              <a:t>11/25/2015</a:t>
+              <a:t>12/23/2016</a:t>
             </a:fld>
             <a:endParaRPr lang="en-US"/>
           </a:p>
@@ -9811,10 +9051,9 @@
               <a:defRPr/>
             </a:pPr>
             <a:r>
-              <a:rPr lang="en-US" dirty="0" smtClean="0"/>
+              <a:rPr lang="en-US" dirty="0"/>
               <a:t>TeamSTARS "tsWxGTUI_PyVx" Toolkit prepared &amp; presented by Richard S. Gordon</a:t>
             </a:r>
-            <a:endParaRPr lang="en-US" dirty="0"/>
           </a:p>
         </p:txBody>
       </p:sp>
@@ -9852,13 +9091,6 @@
   <p:clrMapOvr>
     <a:masterClrMapping/>
   </p:clrMapOvr>
-  <p:timing>
-    <p:tnLst>
-      <p:par>
-        <p:cTn id="1" dur="indefinite" restart="never" nodeType="tmRoot"/>
-      </p:par>
-    </p:tnLst>
-  </p:timing>
 </p:sld>
 </file>
 
@@ -9897,33 +9129,23 @@
             <a:pPr eaLnBrk="1" hangingPunct="1"/>
             <a:r>
               <a:rPr lang="en-US" sz="2400" dirty="0"/>
-              <a:t>Adopt Operator, System Administrator &amp; Field Service </a:t>
-            </a:r>
-            <a:r>
-              <a:rPr lang="en-US" sz="2400" dirty="0" smtClean="0"/>
-              <a:t>Plan </a:t>
-            </a:r>
-            <a:r>
-              <a:rPr lang="en-US" sz="2000" dirty="0" smtClean="0"/>
+              <a:t>Adopt Operator, System Administrator &amp; Field Service Plan </a:t>
+            </a:r>
+            <a:r>
+              <a:rPr lang="en-US" sz="2000" dirty="0"/>
               <a:t>(</a:t>
-            </a:r>
-            <a:r>
-              <a:rPr lang="en-US" sz="2000" dirty="0" smtClean="0">
-                <a:hlinkClick r:id="rId2" action="ppaction://hlinksldjump"/>
-              </a:rPr>
-              <a:t>Table </a:t>
             </a:r>
             <a:r>
               <a:rPr lang="en-US" sz="2000" dirty="0">
                 <a:hlinkClick r:id="rId2" action="ppaction://hlinksldjump"/>
               </a:rPr>
-              <a:t>of Contents</a:t>
-            </a:r>
-            <a:r>
-              <a:rPr lang="en-US" sz="2000" dirty="0" smtClean="0"/>
+              <a:t>Table of Contents</a:t>
+            </a:r>
+            <a:r>
+              <a:rPr lang="en-US" sz="2000" dirty="0"/>
               <a:t>)</a:t>
             </a:r>
-            <a:endParaRPr lang="en-US" sz="4000" dirty="0" smtClean="0"/>
+            <a:endParaRPr lang="en-US" sz="4000" dirty="0"/>
           </a:p>
         </p:txBody>
       </p:sp>
@@ -9944,109 +9166,29 @@
           <a:p>
             <a:pPr eaLnBrk="1" hangingPunct="1"/>
             <a:r>
-              <a:rPr lang="en-US" sz="2000" b="1" dirty="0" smtClean="0"/>
-              <a:t>Documents (master </a:t>
-            </a:r>
-            <a:r>
               <a:rPr lang="en-US" sz="2000" b="1" dirty="0"/>
-              <a:t>kept in </a:t>
-            </a:r>
-            <a:r>
-              <a:rPr lang="en-US" sz="2000" b="1" dirty="0" smtClean="0"/>
-              <a:t>repository </a:t>
-            </a:r>
+              <a:t>Documents (master kept in repository on development systems with copies kept in developer sandboxes; copies also kept in site-packages on embedded systems)</a:t>
+            </a:r>
+          </a:p>
+          <a:p>
+            <a:pPr lvl="1" eaLnBrk="1" hangingPunct="1"/>
+            <a:r>
+              <a:rPr lang="en-US" sz="1800" dirty="0"/>
+              <a:t>Typical install, configure, operate and troubleshoot how-to guides with applicable terms and conditions for usage and redistribution. In a plain text format suitable for embedded systems with only character-mode terminals.</a:t>
+            </a:r>
+          </a:p>
+          <a:p>
+            <a:pPr eaLnBrk="1" hangingPunct="1"/>
             <a:r>
               <a:rPr lang="en-US" sz="2000" b="1" dirty="0"/>
-              <a:t>on development </a:t>
-            </a:r>
-            <a:r>
-              <a:rPr lang="en-US" sz="2000" b="1" dirty="0" smtClean="0"/>
-              <a:t>systems with copies </a:t>
-            </a:r>
-            <a:r>
-              <a:rPr lang="en-US" sz="2000" b="1" dirty="0"/>
-              <a:t>kept in </a:t>
-            </a:r>
-            <a:r>
-              <a:rPr lang="en-US" sz="2000" b="1" dirty="0" smtClean="0"/>
-              <a:t>developer sandboxes; copies also </a:t>
-            </a:r>
-            <a:r>
-              <a:rPr lang="en-US" sz="2000" b="1" dirty="0"/>
-              <a:t>kept in </a:t>
-            </a:r>
-            <a:r>
-              <a:rPr lang="en-US" sz="2000" b="1" dirty="0" smtClean="0"/>
-              <a:t>site-packages on embedded systems)</a:t>
+              <a:t>Manual Pages (master kept in repository on development systems with copies kept in developer sandboxes; copies also kept in site-packages on embedded systems)</a:t>
             </a:r>
           </a:p>
           <a:p>
             <a:pPr lvl="1" eaLnBrk="1" hangingPunct="1"/>
             <a:r>
-              <a:rPr lang="en-US" sz="1800" dirty="0" smtClean="0"/>
-              <a:t>Typical install, configure, operate and </a:t>
-            </a:r>
-            <a:r>
               <a:rPr lang="en-US" sz="1800" dirty="0"/>
-              <a:t>troubleshoot how-to guides </a:t>
-            </a:r>
-            <a:r>
-              <a:rPr lang="en-US" sz="1800" dirty="0" smtClean="0"/>
-              <a:t>with applicable terms and conditions for usage and redistribution. In a plain text format suitable for embedded systems with only character-mode terminals.</a:t>
-            </a:r>
-          </a:p>
-          <a:p>
-            <a:pPr eaLnBrk="1" hangingPunct="1"/>
-            <a:r>
-              <a:rPr lang="en-US" sz="2000" b="1" dirty="0" smtClean="0"/>
-              <a:t>Manual Pages (</a:t>
-            </a:r>
-            <a:r>
-              <a:rPr lang="en-US" sz="2000" b="1" dirty="0"/>
-              <a:t>master kept in repository </a:t>
-            </a:r>
-            <a:r>
-              <a:rPr lang="en-US" sz="2000" b="1" dirty="0" smtClean="0"/>
-              <a:t>on </a:t>
-            </a:r>
-            <a:r>
-              <a:rPr lang="en-US" sz="2000" b="1" dirty="0"/>
-              <a:t>development </a:t>
-            </a:r>
-            <a:r>
-              <a:rPr lang="en-US" sz="2000" b="1" dirty="0" smtClean="0"/>
-              <a:t>systems </a:t>
-            </a:r>
-            <a:r>
-              <a:rPr lang="en-US" sz="2000" b="1" dirty="0"/>
-              <a:t>with copies kept in developer sandboxes; copies also kept in </a:t>
-            </a:r>
-            <a:r>
-              <a:rPr lang="en-US" sz="2000" b="1" dirty="0" smtClean="0"/>
-              <a:t>site-packages on </a:t>
-            </a:r>
-            <a:r>
-              <a:rPr lang="en-US" sz="2000" b="1" dirty="0"/>
-              <a:t>embedded </a:t>
-            </a:r>
-            <a:r>
-              <a:rPr lang="en-US" sz="2000" b="1" dirty="0" smtClean="0"/>
-              <a:t>systems)</a:t>
-            </a:r>
-          </a:p>
-          <a:p>
-            <a:pPr lvl="1" eaLnBrk="1" hangingPunct="1"/>
-            <a:r>
-              <a:rPr lang="en-US" sz="1800" dirty="0" smtClean="0"/>
-              <a:t>Typical on-line information about command line use and application programming for each building block and tool. Each is generated, by a Python source code processing tool, in a plain text format </a:t>
-            </a:r>
-            <a:r>
-              <a:rPr lang="en-US" sz="1800" dirty="0"/>
-              <a:t>suitable for embedded systems with only character-mode terminals</a:t>
-            </a:r>
-            <a:r>
-              <a:rPr lang="en-US" sz="1800" dirty="0" smtClean="0"/>
-              <a:t>.</a:t>
+              <a:t>Typical on-line information about command line use and application programming for each building block and tool. Each is generated, by a Python source code processing tool, in a plain text format suitable for embedded systems with only character-mode terminals.</a:t>
             </a:r>
           </a:p>
         </p:txBody>
@@ -10070,9 +9212,9 @@
           <a:p>
             <a:fld id="{72D1BDCC-B7AB-4459-80E9-0A3CABAD0864}" type="datetime1">
               <a:rPr lang="en-US" smtClean="0"/>
-              <a:t>11/25/2015</a:t>
+              <a:t>12/23/2016</a:t>
             </a:fld>
-            <a:endParaRPr lang="en-US" smtClean="0"/>
+            <a:endParaRPr lang="en-US"/>
           </a:p>
         </p:txBody>
       </p:sp>
@@ -10094,7 +9236,7 @@
           <a:lstStyle/>
           <a:p>
             <a:r>
-              <a:rPr lang="en-US" dirty="0" smtClean="0"/>
+              <a:rPr lang="en-US" dirty="0"/>
               <a:t>TeamSTARS "tsWxGTUI_PyVx" Toolkit prepared &amp; presented by Richard S. Gordon</a:t>
             </a:r>
           </a:p>
@@ -10131,13 +9273,6 @@
   <p:clrMapOvr>
     <a:masterClrMapping/>
   </p:clrMapOvr>
-  <p:timing>
-    <p:tnLst>
-      <p:par>
-        <p:cTn id="1" dur="indefinite" restart="never" nodeType="tmRoot"/>
-      </p:par>
-    </p:tnLst>
-  </p:timing>
 </p:sld>
 </file>
 
@@ -10175,30 +9310,20 @@
           <a:p>
             <a:r>
               <a:rPr lang="en-US" dirty="0"/>
-              <a:t>Adopt Document Focus </a:t>
-            </a:r>
-            <a:r>
-              <a:rPr lang="en-US" dirty="0" smtClean="0"/>
-              <a:t>Plan </a:t>
-            </a:r>
-            <a:r>
-              <a:rPr lang="en-US" sz="2000" dirty="0" smtClean="0"/>
+              <a:t>Adopt Document Focus Plan </a:t>
+            </a:r>
+            <a:r>
+              <a:rPr lang="en-US" sz="2000" dirty="0"/>
               <a:t>(</a:t>
-            </a:r>
-            <a:r>
-              <a:rPr lang="en-US" sz="2000" dirty="0" smtClean="0">
-                <a:hlinkClick r:id="rId2" action="ppaction://hlinksldjump"/>
-              </a:rPr>
-              <a:t>Table </a:t>
             </a:r>
             <a:r>
               <a:rPr lang="en-US" sz="2000" dirty="0">
                 <a:hlinkClick r:id="rId2" action="ppaction://hlinksldjump"/>
               </a:rPr>
-              <a:t>of Contents</a:t>
-            </a:r>
-            <a:r>
-              <a:rPr lang="en-US" sz="2000" dirty="0" smtClean="0"/>
+              <a:t>Table of Contents</a:t>
+            </a:r>
+            <a:r>
+              <a:rPr lang="en-US" sz="2000" dirty="0"/>
               <a:t>)</a:t>
             </a:r>
             <a:endParaRPr lang="en-US" sz="3200" dirty="0"/>
@@ -10225,80 +9350,37 @@
               <a:t>System Administrators </a:t>
             </a:r>
             <a:r>
-              <a:rPr lang="en-US" sz="2000" dirty="0" smtClean="0"/>
+              <a:rPr lang="en-US" sz="2000" dirty="0"/>
               <a:t>and </a:t>
             </a:r>
             <a:r>
-              <a:rPr lang="en-US" sz="2000" b="1" dirty="0" smtClean="0"/>
+              <a:rPr lang="en-US" sz="2000" b="1" dirty="0"/>
               <a:t>Field Service</a:t>
             </a:r>
             <a:r>
-              <a:rPr lang="en-US" sz="2000" dirty="0" smtClean="0"/>
-              <a:t> will need </a:t>
-            </a:r>
-            <a:r>
               <a:rPr lang="en-US" sz="2000" dirty="0"/>
-              <a:t>to </a:t>
-            </a:r>
-            <a:r>
-              <a:rPr lang="en-US" sz="2000" dirty="0" smtClean="0"/>
-              <a:t>know or learn:</a:t>
-            </a:r>
-            <a:endParaRPr lang="en-US" sz="2000" dirty="0"/>
+              <a:t> will need to know or learn:</a:t>
+            </a:r>
           </a:p>
           <a:p>
             <a:pPr lvl="1"/>
             <a:r>
-              <a:rPr lang="en-US" sz="1800" dirty="0" smtClean="0"/>
+              <a:rPr lang="en-US" sz="1800" dirty="0"/>
               <a:t>Hardware and Software Requirements for System and Applications</a:t>
             </a:r>
-            <a:endParaRPr lang="en-US" sz="1800" dirty="0"/>
           </a:p>
           <a:p>
             <a:pPr lvl="1"/>
             <a:r>
               <a:rPr lang="en-US" sz="1800" dirty="0"/>
-              <a:t>Available </a:t>
-            </a:r>
-            <a:r>
-              <a:rPr lang="en-US" sz="1800" dirty="0" smtClean="0"/>
-              <a:t>Hardware </a:t>
-            </a:r>
+              <a:t>Available Hardware and Software Product &amp; Support Resources</a:t>
+            </a:r>
+          </a:p>
+          <a:p>
+            <a:pPr lvl="1"/>
             <a:r>
               <a:rPr lang="en-US" sz="1800" dirty="0"/>
-              <a:t>and Software Product </a:t>
-            </a:r>
-            <a:r>
-              <a:rPr lang="en-US" sz="1800" dirty="0" smtClean="0"/>
-              <a:t>&amp; Support Resources</a:t>
-            </a:r>
-            <a:endParaRPr lang="en-US" sz="1800" dirty="0"/>
-          </a:p>
-          <a:p>
-            <a:pPr lvl="1"/>
-            <a:r>
-              <a:rPr lang="en-US" sz="1800" dirty="0"/>
-              <a:t>How to </a:t>
-            </a:r>
-            <a:r>
-              <a:rPr lang="en-US" sz="1800" dirty="0" smtClean="0"/>
-              <a:t>Install, Configure, Operate and Troubleshoot </a:t>
-            </a:r>
-            <a:r>
-              <a:rPr lang="en-US" sz="1800" dirty="0"/>
-              <a:t>the </a:t>
-            </a:r>
-            <a:r>
-              <a:rPr lang="en-US" sz="1800" dirty="0" smtClean="0"/>
-              <a:t>Hardware and Software for </a:t>
-            </a:r>
-            <a:r>
-              <a:rPr lang="en-US" sz="1800" dirty="0"/>
-              <a:t>System and </a:t>
-            </a:r>
-            <a:r>
-              <a:rPr lang="en-US" sz="1800" dirty="0" smtClean="0"/>
-              <a:t>Applications</a:t>
+              <a:t>How to Install, Configure, Operate and Troubleshoot the Hardware and Software for System and Applications</a:t>
             </a:r>
           </a:p>
           <a:p>
@@ -10315,13 +9397,8 @@
             <a:pPr lvl="1"/>
             <a:r>
               <a:rPr lang="en-US" sz="1800" dirty="0"/>
-              <a:t>Available System and Application Hardware and Software features and how to use </a:t>
-            </a:r>
-            <a:r>
-              <a:rPr lang="en-US" sz="1800" dirty="0" smtClean="0"/>
-              <a:t>them</a:t>
-            </a:r>
-            <a:endParaRPr lang="en-US" sz="1800" dirty="0"/>
+              <a:t>Available System and Application Hardware and Software features and how to use them</a:t>
+            </a:r>
           </a:p>
         </p:txBody>
       </p:sp>
@@ -10367,32 +9444,15 @@
             <a:pPr lvl="1"/>
             <a:r>
               <a:rPr lang="en-US" sz="1800" dirty="0"/>
-              <a:t>Software </a:t>
-            </a:r>
-            <a:r>
-              <a:rPr lang="en-US" sz="1800" dirty="0" smtClean="0"/>
-              <a:t>Design and Qualification Requirements</a:t>
+              <a:t>Software Design and Qualification Requirements</a:t>
             </a:r>
           </a:p>
           <a:p>
             <a:pPr lvl="1"/>
             <a:r>
               <a:rPr lang="en-US" sz="1800" dirty="0"/>
-              <a:t>How to Install, Configure, Operate and Troubleshoot the H</a:t>
-            </a:r>
-            <a:r>
-              <a:rPr lang="en-US" sz="1800" dirty="0" smtClean="0"/>
-              <a:t>ardware </a:t>
-            </a:r>
-            <a:r>
-              <a:rPr lang="en-US" sz="1800" dirty="0"/>
-              <a:t>and </a:t>
-            </a:r>
-            <a:r>
-              <a:rPr lang="en-US" sz="1800" dirty="0" smtClean="0"/>
-              <a:t>Software for local and remote Systems and Applications</a:t>
-            </a:r>
-            <a:endParaRPr lang="en-US" sz="1800" dirty="0"/>
+              <a:t>How to Install, Configure, Operate and Troubleshoot the Hardware and Software for local and remote Systems and Applications</a:t>
+            </a:r>
           </a:p>
         </p:txBody>
       </p:sp>
@@ -10416,7 +9476,7 @@
             </a:pPr>
             <a:fld id="{0B5368E8-7849-47E5-B852-AA3A926F635A}" type="datetime1">
               <a:rPr lang="en-US" smtClean="0"/>
-              <a:t>11/25/2015</a:t>
+              <a:t>12/23/2016</a:t>
             </a:fld>
             <a:endParaRPr lang="en-US" dirty="0"/>
           </a:p>
@@ -10441,10 +9501,9 @@
               <a:defRPr/>
             </a:pPr>
             <a:r>
-              <a:rPr lang="en-US" dirty="0" smtClean="0"/>
+              <a:rPr lang="en-US" dirty="0"/>
               <a:t>TeamSTARS "tsWxGTUI_PyVx" Toolkit prepared &amp; presented by Richard S. Gordon</a:t>
             </a:r>
-            <a:endParaRPr lang="en-US" dirty="0"/>
           </a:p>
         </p:txBody>
       </p:sp>
@@ -10482,13 +9541,6 @@
   <p:clrMapOvr>
     <a:masterClrMapping/>
   </p:clrMapOvr>
-  <p:timing>
-    <p:tnLst>
-      <p:par>
-        <p:cTn id="1" dur="indefinite" restart="never" nodeType="tmRoot"/>
-      </p:par>
-    </p:tnLst>
-  </p:timing>
 </p:sld>
 </file>
 
@@ -10538,23 +9590,17 @@
               <a:t>Release &amp; Publication Plan </a:t>
             </a:r>
             <a:r>
-              <a:rPr lang="en-US" sz="2000" dirty="0" smtClean="0"/>
+              <a:rPr lang="en-US" sz="2000" dirty="0"/>
               <a:t>(</a:t>
-            </a:r>
-            <a:r>
-              <a:rPr lang="en-US" sz="2000" dirty="0" smtClean="0">
-                <a:hlinkClick r:id="rId2" action="ppaction://hlinksldjump"/>
-              </a:rPr>
-              <a:t>Table </a:t>
             </a:r>
             <a:r>
               <a:rPr lang="en-US" sz="2000" dirty="0">
                 <a:hlinkClick r:id="rId2" action="ppaction://hlinksldjump"/>
               </a:rPr>
-              <a:t>of Contents</a:t>
-            </a:r>
-            <a:r>
-              <a:rPr lang="en-US" sz="2000" dirty="0" smtClean="0"/>
+              <a:t>Table of Contents</a:t>
+            </a:r>
+            <a:r>
+              <a:rPr lang="en-US" sz="2000" dirty="0"/>
               <a:t>)</a:t>
             </a:r>
             <a:endParaRPr lang="en-US" sz="4000" dirty="0"/>
@@ -10578,285 +9624,141 @@
           <a:p>
             <a:pPr eaLnBrk="1" hangingPunct="1"/>
             <a:r>
-              <a:rPr lang="en-US" sz="1400" b="1" dirty="0" smtClean="0"/>
+              <a:rPr lang="en-US" sz="1400" b="1" dirty="0"/>
               <a:t>Pre-Testing Stage Pre-Alpha Phase</a:t>
             </a:r>
           </a:p>
           <a:p>
             <a:pPr lvl="1" eaLnBrk="1" hangingPunct="1"/>
             <a:r>
-              <a:rPr lang="en-US" sz="1200" dirty="0" smtClean="0"/>
-              <a:t>Phase begins during </a:t>
-            </a:r>
-            <a:r>
               <a:rPr lang="en-US" sz="1200" dirty="0"/>
-              <a:t>the software </a:t>
-            </a:r>
-            <a:r>
-              <a:rPr lang="en-US" sz="1200" dirty="0" smtClean="0"/>
-              <a:t>and documentation development.</a:t>
+              <a:t>Phase begins during the software and documentation development.</a:t>
             </a:r>
           </a:p>
           <a:p>
             <a:pPr lvl="1" eaLnBrk="1" hangingPunct="1"/>
             <a:r>
-              <a:rPr lang="en-US" sz="1200" dirty="0" smtClean="0"/>
-              <a:t>Milestone </a:t>
-            </a:r>
-            <a:r>
               <a:rPr lang="en-US" sz="1200" dirty="0"/>
-              <a:t>versions include specific sets of functions and are released as soon as the functionality is complete</a:t>
-            </a:r>
-            <a:r>
-              <a:rPr lang="en-US" sz="1200" dirty="0" smtClean="0"/>
-              <a:t>.</a:t>
+              <a:t>Milestone versions include specific sets of functions and are released as soon as the functionality is complete.</a:t>
             </a:r>
           </a:p>
           <a:p>
             <a:pPr eaLnBrk="1" hangingPunct="1"/>
             <a:r>
               <a:rPr lang="en-US" sz="1400" b="1" dirty="0"/>
-              <a:t>Testing </a:t>
-            </a:r>
-            <a:r>
-              <a:rPr lang="en-US" sz="1400" b="1" dirty="0" smtClean="0"/>
-              <a:t>Stage Alpha </a:t>
-            </a:r>
+              <a:t>Testing Stage Alpha Phase</a:t>
+            </a:r>
+          </a:p>
+          <a:p>
+            <a:pPr lvl="1" eaLnBrk="1" hangingPunct="1"/>
+            <a:r>
+              <a:rPr lang="en-US" sz="1200" dirty="0"/>
+              <a:t>Phase begins when the software and documentation still may not contain all of the features that are planned for the final version. </a:t>
+            </a:r>
+          </a:p>
+          <a:p>
+            <a:pPr lvl="1" eaLnBrk="1" hangingPunct="1"/>
+            <a:r>
+              <a:rPr lang="en-US" sz="1200" dirty="0"/>
+              <a:t>The software can be unstable and could cause crashes or data loss.</a:t>
+            </a:r>
+          </a:p>
+          <a:p>
+            <a:pPr eaLnBrk="1" hangingPunct="1"/>
             <a:r>
               <a:rPr lang="en-US" sz="1400" b="1" dirty="0"/>
-              <a:t>Phase</a:t>
-            </a:r>
-            <a:endParaRPr lang="en-US" sz="1400" b="1" dirty="0" smtClean="0"/>
+              <a:t>Testing Stage Beta Phase</a:t>
+            </a:r>
           </a:p>
           <a:p>
             <a:pPr lvl="1" eaLnBrk="1" hangingPunct="1"/>
             <a:r>
               <a:rPr lang="en-US" sz="1200" dirty="0"/>
-              <a:t>Phase begins </a:t>
-            </a:r>
-            <a:r>
-              <a:rPr lang="en-US" sz="1200" dirty="0" smtClean="0"/>
-              <a:t>when the software</a:t>
-            </a:r>
+              <a:t>Phase begins when the software and documentation is feature complete but likely to contain a number of known or unknown bugs.</a:t>
+            </a:r>
+          </a:p>
+          <a:p>
+            <a:pPr lvl="1" eaLnBrk="1" hangingPunct="1"/>
             <a:r>
               <a:rPr lang="en-US" sz="1200" dirty="0"/>
-              <a:t> and documentation </a:t>
-            </a:r>
-            <a:r>
-              <a:rPr lang="en-US" sz="1200" dirty="0" smtClean="0"/>
-              <a:t>still may </a:t>
-            </a:r>
+              <a:t>It will generally have many more bugs in it than completed software, as well as speed/performance issues and may still cause crashes or data loss.</a:t>
+            </a:r>
+          </a:p>
+        </p:txBody>
+      </p:sp>
+      <p:sp>
+        <p:nvSpPr>
+          <p:cNvPr id="7" name="Content Placeholder 6"/>
+          <p:cNvSpPr>
+            <a:spLocks noGrp="1"/>
+          </p:cNvSpPr>
+          <p:nvPr>
+            <p:ph sz="half" idx="2"/>
+          </p:nvPr>
+        </p:nvSpPr>
+        <p:spPr/>
+        <p:txBody>
+          <a:bodyPr/>
+          <a:lstStyle/>
+          <a:p>
+            <a:pPr eaLnBrk="1" hangingPunct="1"/>
+            <a:r>
+              <a:rPr lang="en-US" sz="1400" b="1"/>
+              <a:t>Pre-Publication </a:t>
+            </a:r>
+            <a:r>
+              <a:rPr lang="en-US" sz="1400" b="1" dirty="0"/>
+              <a:t>Stage Release Candidate Phase</a:t>
+            </a:r>
+          </a:p>
+          <a:p>
+            <a:pPr lvl="1" eaLnBrk="1" hangingPunct="1"/>
             <a:r>
               <a:rPr lang="en-US" sz="1200" dirty="0"/>
-              <a:t>not contain all of the features that are planned for the final </a:t>
-            </a:r>
-            <a:r>
-              <a:rPr lang="en-US" sz="1200" dirty="0" smtClean="0"/>
-              <a:t>version. </a:t>
+              <a:t>Phase begins when the software and documentation has potential to be a final product, which is ready to release unless significant bugs emerge.</a:t>
             </a:r>
           </a:p>
           <a:p>
             <a:pPr lvl="1" eaLnBrk="1" hangingPunct="1"/>
             <a:r>
-              <a:rPr lang="en-US" sz="1200" dirty="0" smtClean="0"/>
-              <a:t>The software can be unstable </a:t>
-            </a:r>
-            <a:r>
               <a:rPr lang="en-US" sz="1200" dirty="0"/>
-              <a:t>and could cause crashes or data loss</a:t>
-            </a:r>
-            <a:r>
-              <a:rPr lang="en-US" sz="1200" dirty="0" smtClean="0"/>
-              <a:t>.</a:t>
-            </a:r>
+              <a:t>In this stage of product stabilization, all product features have been designed, coded and tested through one or more beta cycles with no known showstopper-class bug.</a:t>
+            </a:r>
+          </a:p>
+          <a:p>
+            <a:pPr lvl="1" eaLnBrk="1" hangingPunct="1"/>
+            <a:r>
+              <a:rPr lang="en-US" sz="1200" dirty="0"/>
+              <a:t>A release is called code complete when the development team agrees that no entirely new source code and documentation will be added to this release.</a:t>
+            </a:r>
+          </a:p>
+          <a:p>
+            <a:pPr lvl="1" eaLnBrk="1" hangingPunct="1"/>
+            <a:r>
+              <a:rPr lang="en-US" sz="1200" dirty="0"/>
+              <a:t>There could still be source code changes to fix defects, changes to documentation and data files, and peripheral code for test cases or utilities.</a:t>
+            </a:r>
+            <a:endParaRPr lang="en-US" sz="800" dirty="0"/>
           </a:p>
           <a:p>
             <a:pPr eaLnBrk="1" hangingPunct="1"/>
             <a:r>
               <a:rPr lang="en-US" sz="1400" b="1" dirty="0"/>
-              <a:t>Testing </a:t>
-            </a:r>
-            <a:r>
-              <a:rPr lang="en-US" sz="1400" b="1" dirty="0" smtClean="0"/>
-              <a:t>Stage Beta </a:t>
-            </a:r>
-            <a:r>
-              <a:rPr lang="en-US" sz="1400" b="1" dirty="0"/>
-              <a:t>Phase</a:t>
-            </a:r>
-            <a:endParaRPr lang="en-US" sz="1400" b="1" dirty="0" smtClean="0"/>
+              <a:t>Publication Stage Release to World Wide Web Phase</a:t>
+            </a:r>
           </a:p>
           <a:p>
             <a:pPr lvl="1" eaLnBrk="1" hangingPunct="1"/>
             <a:r>
               <a:rPr lang="en-US" sz="1200" dirty="0"/>
-              <a:t>Phase begins when the software and documentation </a:t>
-            </a:r>
-            <a:r>
-              <a:rPr lang="en-US" sz="1200" dirty="0" smtClean="0"/>
-              <a:t>is </a:t>
-            </a:r>
+              <a:t>The means of software and documentation delivery, at the final release or at any previous testing stage, that utilizes the Internet for distribution.</a:t>
+            </a:r>
+          </a:p>
+          <a:p>
+            <a:pPr lvl="1" eaLnBrk="1" hangingPunct="1"/>
             <a:r>
               <a:rPr lang="en-US" sz="1200" dirty="0"/>
-              <a:t>feature complete but likely to contain a number of known or unknown </a:t>
-            </a:r>
-            <a:r>
-              <a:rPr lang="en-US" sz="1200" dirty="0" smtClean="0"/>
-              <a:t>bugs.</a:t>
-            </a:r>
-          </a:p>
-          <a:p>
-            <a:pPr lvl="1" eaLnBrk="1" hangingPunct="1"/>
-            <a:r>
-              <a:rPr lang="en-US" sz="1200" dirty="0" smtClean="0"/>
-              <a:t>It will </a:t>
-            </a:r>
-            <a:r>
-              <a:rPr lang="en-US" sz="1200" dirty="0"/>
-              <a:t>generally have many more bugs in it than completed software, as well as speed/performance issues and may still cause crashes or data loss</a:t>
-            </a:r>
-            <a:r>
-              <a:rPr lang="en-US" sz="1200" dirty="0" smtClean="0"/>
-              <a:t>.</a:t>
-            </a:r>
-          </a:p>
-        </p:txBody>
-      </p:sp>
-      <p:sp>
-        <p:nvSpPr>
-          <p:cNvPr id="7" name="Content Placeholder 6"/>
-          <p:cNvSpPr>
-            <a:spLocks noGrp="1"/>
-          </p:cNvSpPr>
-          <p:nvPr>
-            <p:ph sz="half" idx="2"/>
-          </p:nvPr>
-        </p:nvSpPr>
-        <p:spPr/>
-        <p:txBody>
-          <a:bodyPr/>
-          <a:lstStyle/>
-          <a:p>
-            <a:pPr eaLnBrk="1" hangingPunct="1"/>
-            <a:r>
-              <a:rPr lang="en-US" sz="1400" b="1" smtClean="0"/>
-              <a:t>Pre-Publication </a:t>
-            </a:r>
-            <a:r>
-              <a:rPr lang="en-US" sz="1400" b="1" dirty="0"/>
-              <a:t>Stage </a:t>
-            </a:r>
-            <a:r>
-              <a:rPr lang="en-US" sz="1400" b="1" dirty="0" smtClean="0"/>
-              <a:t>Release Candidate Phase</a:t>
-            </a:r>
-            <a:endParaRPr lang="en-US" sz="1400" b="1" dirty="0"/>
-          </a:p>
-          <a:p>
-            <a:pPr lvl="1" eaLnBrk="1" hangingPunct="1"/>
-            <a:r>
-              <a:rPr lang="en-US" sz="1200" dirty="0"/>
-              <a:t>Phase begins when the software and documentation </a:t>
-            </a:r>
-            <a:r>
-              <a:rPr lang="en-US" sz="1200" dirty="0" smtClean="0"/>
-              <a:t>has </a:t>
-            </a:r>
-            <a:r>
-              <a:rPr lang="en-US" sz="1200" dirty="0"/>
-              <a:t>potential to be a final product, which is ready to release unless significant bugs </a:t>
-            </a:r>
-            <a:r>
-              <a:rPr lang="en-US" sz="1200" dirty="0" smtClean="0"/>
-              <a:t>emerge.</a:t>
-            </a:r>
-          </a:p>
-          <a:p>
-            <a:pPr lvl="1" eaLnBrk="1" hangingPunct="1"/>
-            <a:r>
-              <a:rPr lang="en-US" sz="1200" dirty="0" smtClean="0"/>
-              <a:t>In </a:t>
-            </a:r>
-            <a:r>
-              <a:rPr lang="en-US" sz="1200" dirty="0"/>
-              <a:t>this stage of product stabilization, all product features have been designed, coded and tested through one or more beta cycles with no known showstopper-class </a:t>
-            </a:r>
-            <a:r>
-              <a:rPr lang="en-US" sz="1200" dirty="0" smtClean="0"/>
-              <a:t>bug.</a:t>
-            </a:r>
-          </a:p>
-          <a:p>
-            <a:pPr lvl="1" eaLnBrk="1" hangingPunct="1"/>
-            <a:r>
-              <a:rPr lang="en-US" sz="1200" dirty="0" smtClean="0"/>
-              <a:t>A </a:t>
-            </a:r>
-            <a:r>
-              <a:rPr lang="en-US" sz="1200" dirty="0"/>
-              <a:t>release is called code complete when the development team agrees that no entirely new source code and documentation </a:t>
-            </a:r>
-            <a:r>
-              <a:rPr lang="en-US" sz="1200" dirty="0" smtClean="0"/>
-              <a:t>will </a:t>
-            </a:r>
-            <a:r>
-              <a:rPr lang="en-US" sz="1200" dirty="0"/>
-              <a:t>be added to this </a:t>
-            </a:r>
-            <a:r>
-              <a:rPr lang="en-US" sz="1200" dirty="0" smtClean="0"/>
-              <a:t>release.</a:t>
-            </a:r>
-          </a:p>
-          <a:p>
-            <a:pPr lvl="1" eaLnBrk="1" hangingPunct="1"/>
-            <a:r>
-              <a:rPr lang="en-US" sz="1200" dirty="0" smtClean="0"/>
-              <a:t>There </a:t>
-            </a:r>
-            <a:r>
-              <a:rPr lang="en-US" sz="1200" dirty="0"/>
-              <a:t>could still be source code changes to fix defects, changes to documentation and data files, and peripheral code for test cases or utilities.</a:t>
-            </a:r>
-            <a:endParaRPr lang="en-US" sz="800" dirty="0"/>
-          </a:p>
-          <a:p>
-            <a:pPr eaLnBrk="1" hangingPunct="1"/>
-            <a:r>
-              <a:rPr lang="en-US" sz="1400" b="1" dirty="0" smtClean="0"/>
-              <a:t>Publication Stage Release </a:t>
-            </a:r>
-            <a:r>
-              <a:rPr lang="en-US" sz="1400" b="1" dirty="0"/>
-              <a:t>to World Wide </a:t>
-            </a:r>
-            <a:r>
-              <a:rPr lang="en-US" sz="1400" b="1" dirty="0" smtClean="0"/>
-              <a:t>Web Phase</a:t>
-            </a:r>
-            <a:endParaRPr lang="en-US" sz="1400" b="1" dirty="0"/>
-          </a:p>
-          <a:p>
-            <a:pPr lvl="1" eaLnBrk="1" hangingPunct="1"/>
-            <a:r>
-              <a:rPr lang="en-US" sz="1200" dirty="0"/>
-              <a:t>The means of software and documentation delivery, at the final release or at any previous testing stage, that utilizes the Internet for </a:t>
-            </a:r>
-            <a:r>
-              <a:rPr lang="en-US" sz="1200" dirty="0" smtClean="0"/>
-              <a:t>distribution.</a:t>
-            </a:r>
-          </a:p>
-          <a:p>
-            <a:pPr lvl="1" eaLnBrk="1" hangingPunct="1"/>
-            <a:r>
-              <a:rPr lang="en-US" sz="1200" dirty="0" smtClean="0"/>
-              <a:t>No </a:t>
-            </a:r>
-            <a:r>
-              <a:rPr lang="en-US" sz="1200" dirty="0"/>
-              <a:t>physical media are produced in this type of release mechanism by the manufacturer. </a:t>
+              <a:t>No physical media are produced in this type of release mechanism by the manufacturer. </a:t>
             </a:r>
           </a:p>
         </p:txBody>
@@ -10881,7 +9783,7 @@
             </a:pPr>
             <a:fld id="{0B5368E8-7849-47E5-B852-AA3A926F635A}" type="datetime1">
               <a:rPr lang="en-US" smtClean="0"/>
-              <a:t>11/25/2015</a:t>
+              <a:t>12/23/2016</a:t>
             </a:fld>
             <a:endParaRPr lang="en-US" dirty="0"/>
           </a:p>
@@ -10906,10 +9808,9 @@
               <a:defRPr/>
             </a:pPr>
             <a:r>
-              <a:rPr lang="en-US" dirty="0" smtClean="0"/>
+              <a:rPr lang="en-US" dirty="0"/>
               <a:t>TeamSTARS "tsWxGTUI_PyVx" Toolkit prepared &amp; presented by Richard S. Gordon</a:t>
             </a:r>
-            <a:endParaRPr lang="en-US" dirty="0"/>
           </a:p>
         </p:txBody>
       </p:sp>
@@ -10947,13 +9848,6 @@
   <p:clrMapOvr>
     <a:masterClrMapping/>
   </p:clrMapOvr>
-  <p:timing>
-    <p:tnLst>
-      <p:par>
-        <p:cTn id="1" dur="indefinite" restart="never" nodeType="tmRoot"/>
-      </p:par>
-    </p:tnLst>
-  </p:timing>
 </p:sld>
 </file>
 
@@ -10990,11 +9884,11 @@
           <a:lstStyle/>
           <a:p>
             <a:r>
-              <a:rPr lang="en-US" dirty="0" smtClean="0"/>
+              <a:rPr lang="en-US" dirty="0"/>
               <a:t>Objectives</a:t>
             </a:r>
             <a:r>
-              <a:rPr lang="en-US" sz="3200" dirty="0" smtClean="0"/>
+              <a:rPr lang="en-US" sz="3200" dirty="0"/>
               <a:t> </a:t>
             </a:r>
             <a:r>
@@ -11031,83 +9925,83 @@
           <a:p>
             <a:pPr eaLnBrk="1" hangingPunct="1"/>
             <a:r>
-              <a:rPr lang="en-US" dirty="0" smtClean="0"/>
+              <a:rPr lang="en-US" dirty="0"/>
               <a:t>Goals (Capabilities)</a:t>
             </a:r>
           </a:p>
           <a:p>
             <a:pPr lvl="1" eaLnBrk="1" hangingPunct="1"/>
             <a:r>
-              <a:rPr lang="en-US" sz="2000" dirty="0" smtClean="0">
+              <a:rPr lang="en-US" sz="2000" dirty="0">
                 <a:hlinkClick r:id="rId3" action="ppaction://hlinksldjump"/>
               </a:rPr>
               <a:t>Mission Critical Capabilities</a:t>
             </a:r>
-            <a:endParaRPr lang="en-US" sz="2000" dirty="0" smtClean="0"/>
+            <a:endParaRPr lang="en-US" sz="2000" dirty="0"/>
           </a:p>
           <a:p>
             <a:pPr lvl="1" eaLnBrk="1" hangingPunct="1"/>
             <a:r>
-              <a:rPr lang="en-US" sz="2000" dirty="0" smtClean="0">
+              <a:rPr lang="en-US" sz="2000" dirty="0">
                 <a:hlinkClick r:id="rId4" action="ppaction://hlinksldjump"/>
               </a:rPr>
               <a:t>Cross-Platform Capabilities</a:t>
             </a:r>
-            <a:endParaRPr lang="en-US" sz="2000" dirty="0" smtClean="0"/>
+            <a:endParaRPr lang="en-US" sz="2000" dirty="0"/>
           </a:p>
           <a:p>
             <a:pPr lvl="1" eaLnBrk="1" hangingPunct="1"/>
             <a:r>
-              <a:rPr lang="en-US" sz="2000" dirty="0" smtClean="0">
+              <a:rPr lang="en-US" sz="2000" dirty="0">
                 <a:hlinkClick r:id="rId5" action="ppaction://hlinksldjump"/>
               </a:rPr>
               <a:t>Architecture Capabilities</a:t>
             </a:r>
-            <a:endParaRPr lang="en-US" sz="2000" dirty="0" smtClean="0"/>
+            <a:endParaRPr lang="en-US" sz="2000" dirty="0"/>
           </a:p>
           <a:p>
             <a:pPr lvl="1" eaLnBrk="1" hangingPunct="1"/>
             <a:r>
-              <a:rPr lang="en-US" sz="2000" dirty="0" smtClean="0">
+              <a:rPr lang="en-US" sz="2000" dirty="0">
                 <a:hlinkClick r:id="rId6" action="ppaction://hlinksldjump"/>
               </a:rPr>
               <a:t>Documentation Audience</a:t>
             </a:r>
-            <a:endParaRPr lang="en-US" sz="2000" dirty="0" smtClean="0"/>
+            <a:endParaRPr lang="en-US" sz="2000" dirty="0"/>
           </a:p>
           <a:p>
             <a:pPr lvl="1" eaLnBrk="1" hangingPunct="1"/>
             <a:r>
-              <a:rPr lang="en-US" sz="2000" dirty="0" smtClean="0">
+              <a:rPr lang="en-US" sz="2000" dirty="0">
                 <a:hlinkClick r:id="rId7" action="ppaction://hlinksldjump"/>
               </a:rPr>
               <a:t>Documentation Capabilities</a:t>
             </a:r>
-            <a:endParaRPr lang="en-US" sz="2000" dirty="0" smtClean="0"/>
+            <a:endParaRPr lang="en-US" sz="2000" dirty="0"/>
           </a:p>
           <a:p>
             <a:pPr lvl="1" eaLnBrk="1" hangingPunct="1"/>
             <a:r>
-              <a:rPr lang="en-US" sz="2000" dirty="0" smtClean="0">
+              <a:rPr lang="en-US" sz="2000" dirty="0">
                 <a:hlinkClick r:id="rId8" action="ppaction://hlinksldjump"/>
               </a:rPr>
               <a:t>Engineering Notebook Capabilities</a:t>
             </a:r>
-            <a:endParaRPr lang="en-US" sz="2000" dirty="0" smtClean="0"/>
+            <a:endParaRPr lang="en-US" sz="2000" dirty="0"/>
           </a:p>
           <a:p>
             <a:pPr lvl="1" eaLnBrk="1" hangingPunct="1"/>
             <a:r>
-              <a:rPr lang="en-US" sz="2000" dirty="0" smtClean="0">
+              <a:rPr lang="en-US" sz="2000" dirty="0">
                 <a:hlinkClick r:id="rId9" action="ppaction://hlinksldjump"/>
               </a:rPr>
               <a:t>User “How-to-Guide” Capabilities</a:t>
             </a:r>
-            <a:endParaRPr lang="en-US" sz="2000" dirty="0" smtClean="0"/>
+            <a:endParaRPr lang="en-US" sz="2000" dirty="0"/>
           </a:p>
           <a:p>
             <a:pPr eaLnBrk="1" hangingPunct="1"/>
-            <a:endParaRPr lang="en-US" sz="2200" dirty="0" smtClean="0"/>
+            <a:endParaRPr lang="en-US" sz="2200" dirty="0"/>
           </a:p>
           <a:p>
             <a:pPr marL="0" indent="0">
@@ -11135,17 +10029,13 @@
             <a:pPr eaLnBrk="1" hangingPunct="1"/>
             <a:r>
               <a:rPr lang="en-US" dirty="0"/>
-              <a:t>Non-Goals (Limitations</a:t>
-            </a:r>
-            <a:r>
-              <a:rPr lang="en-US" dirty="0" smtClean="0"/>
-              <a:t>)</a:t>
+              <a:t>Non-Goals (Limitations)</a:t>
             </a:r>
           </a:p>
           <a:p>
             <a:pPr lvl="1" eaLnBrk="1" hangingPunct="1"/>
             <a:r>
-              <a:rPr lang="en-US" sz="2000" dirty="0" smtClean="0">
+              <a:rPr lang="en-US" sz="2000" dirty="0">
                 <a:hlinkClick r:id="rId10" action="ppaction://hlinksldjump"/>
               </a:rPr>
               <a:t>Host Virtual Machine Limitations</a:t>
@@ -11155,17 +10045,17 @@
           <a:p>
             <a:pPr lvl="1" eaLnBrk="1" hangingPunct="1"/>
             <a:r>
-              <a:rPr lang="en-US" sz="2000" dirty="0" smtClean="0">
+              <a:rPr lang="en-US" sz="2000" dirty="0">
                 <a:hlinkClick r:id="rId11" action="ppaction://hlinksldjump"/>
               </a:rPr>
               <a:t>GUI Virtual Machine Limitations</a:t>
             </a:r>
-            <a:endParaRPr lang="en-US" sz="2000" dirty="0" smtClean="0"/>
+            <a:endParaRPr lang="en-US" sz="2000" dirty="0"/>
           </a:p>
           <a:p>
             <a:pPr lvl="1" eaLnBrk="1" hangingPunct="1"/>
             <a:r>
-              <a:rPr lang="en-US" sz="2000" dirty="0" smtClean="0">
+              <a:rPr lang="en-US" sz="2000" dirty="0">
                 <a:hlinkClick r:id="rId12" action="ppaction://hlinksldjump"/>
               </a:rPr>
               <a:t>Retrofit Limitations</a:t>
@@ -11194,7 +10084,7 @@
             </a:pPr>
             <a:fld id="{44D06F95-D493-494F-B0EB-3EDFAA385886}" type="datetime1">
               <a:rPr lang="en-US" smtClean="0"/>
-              <a:t>11/25/2015</a:t>
+              <a:t>12/23/2016</a:t>
             </a:fld>
             <a:endParaRPr lang="en-US"/>
           </a:p>
@@ -11219,7 +10109,7 @@
               <a:defRPr/>
             </a:pPr>
             <a:r>
-              <a:rPr lang="en-US" smtClean="0"/>
+              <a:rPr lang="en-US"/>
               <a:t>TeamSTARS "tsWxGTUI_PyVx" Toolkit prepared &amp; presented by Richard S. Gordon</a:t>
             </a:r>
             <a:endParaRPr lang="en-US" dirty="0"/>
@@ -11260,13 +10150,6 @@
   <p:clrMapOvr>
     <a:masterClrMapping/>
   </p:clrMapOvr>
-  <p:timing>
-    <p:tnLst>
-      <p:par>
-        <p:cTn id="1" dur="indefinite" restart="never" nodeType="tmRoot"/>
-      </p:par>
-    </p:tnLst>
-  </p:timing>
 </p:sld>
 </file>
 
@@ -11304,12 +10187,8 @@
           <a:p>
             <a:pPr eaLnBrk="1" hangingPunct="1"/>
             <a:r>
-              <a:rPr lang="en-US" sz="4000" dirty="0" smtClean="0"/>
-              <a:t>Goals </a:t>
-            </a:r>
-            <a:r>
               <a:rPr lang="en-US" sz="4000" dirty="0"/>
-              <a:t>(Mission Critical Capabilities) </a:t>
+              <a:t>Goals (Mission Critical Capabilities) </a:t>
             </a:r>
             <a:r>
               <a:rPr lang="en-US" sz="2000" dirty="0"/>
@@ -11325,7 +10204,6 @@
               <a:rPr lang="en-US" sz="2000" dirty="0"/>
               <a:t>) </a:t>
             </a:r>
-            <a:endParaRPr lang="en-US" sz="2000" dirty="0" smtClean="0"/>
           </a:p>
         </p:txBody>
       </p:sp>
@@ -11350,7 +10228,7 @@
               </a:lnSpc>
             </a:pPr>
             <a:r>
-              <a:rPr lang="en-US" sz="1800" dirty="0" smtClean="0"/>
+              <a:rPr lang="en-US" sz="1800" dirty="0"/>
               <a:t>Provide a foundation of building block libraries, tools and utilities that:</a:t>
             </a:r>
           </a:p>
@@ -11361,16 +10239,8 @@
               </a:lnSpc>
             </a:pPr>
             <a:r>
-              <a:rPr lang="en-US" sz="1400" dirty="0" smtClean="0"/>
-              <a:t>Lets you </a:t>
-            </a:r>
-            <a:r>
               <a:rPr lang="en-US" sz="1400" dirty="0"/>
-              <a:t>work more quickly and integrate your systems more </a:t>
-            </a:r>
-            <a:r>
-              <a:rPr lang="en-US" sz="1400" dirty="0" smtClean="0"/>
-              <a:t>effectively</a:t>
+              <a:t>Lets you work more quickly and integrate your systems more effectively</a:t>
             </a:r>
           </a:p>
           <a:p>
@@ -11380,14 +10250,14 @@
               </a:lnSpc>
             </a:pPr>
             <a:r>
-              <a:rPr lang="en-US" sz="1400" dirty="0" smtClean="0"/>
+              <a:rPr lang="en-US" sz="1400" dirty="0"/>
               <a:t>Facilitates the rapid prototyping of application software used to monitor, control and coordinate </a:t>
             </a:r>
             <a:r>
-              <a:rPr lang="en-US" sz="1400" b="1" dirty="0" smtClean="0"/>
+              <a:rPr lang="en-US" sz="1400" b="1" dirty="0"/>
               <a:t>Mission Critical Equipment</a:t>
             </a:r>
-            <a:endParaRPr lang="en-US" sz="1400" dirty="0" smtClean="0"/>
+            <a:endParaRPr lang="en-US" sz="1400" dirty="0"/>
           </a:p>
           <a:p>
             <a:pPr eaLnBrk="1" hangingPunct="1">
@@ -11396,7 +10266,7 @@
               </a:lnSpc>
             </a:pPr>
             <a:r>
-              <a:rPr lang="en-US" sz="1800" dirty="0" smtClean="0"/>
+              <a:rPr lang="en-US" sz="1800" dirty="0"/>
               <a:t>The foundation components must be general purpose and re-usable in order to support the following markets:</a:t>
             </a:r>
           </a:p>
@@ -11407,11 +10277,11 @@
               </a:lnSpc>
             </a:pPr>
             <a:r>
-              <a:rPr lang="en-US" sz="1400" b="1" dirty="0" smtClean="0"/>
+              <a:rPr lang="en-US" sz="1400" b="1" dirty="0"/>
               <a:t>Commercial</a:t>
             </a:r>
             <a:r>
-              <a:rPr lang="en-US" sz="1400" dirty="0" smtClean="0"/>
+              <a:rPr lang="en-US" sz="1400" dirty="0"/>
               <a:t> (as in building energy management)</a:t>
             </a:r>
           </a:p>
@@ -11422,11 +10292,11 @@
               </a:lnSpc>
             </a:pPr>
             <a:r>
-              <a:rPr lang="en-US" sz="1400" b="1" dirty="0" smtClean="0"/>
+              <a:rPr lang="en-US" sz="1400" b="1" dirty="0"/>
               <a:t>Industrial</a:t>
             </a:r>
             <a:r>
-              <a:rPr lang="en-US" sz="1400" dirty="0" smtClean="0"/>
+              <a:rPr lang="en-US" sz="1400" dirty="0"/>
               <a:t> (as in power generation)</a:t>
             </a:r>
           </a:p>
@@ -11437,11 +10307,11 @@
               </a:lnSpc>
             </a:pPr>
             <a:r>
-              <a:rPr lang="en-US" sz="1400" b="1" dirty="0" smtClean="0"/>
+              <a:rPr lang="en-US" sz="1400" b="1" dirty="0"/>
               <a:t>Medical</a:t>
             </a:r>
             <a:r>
-              <a:rPr lang="en-US" sz="1400" dirty="0" smtClean="0"/>
+              <a:rPr lang="en-US" sz="1400" dirty="0"/>
               <a:t> (as in Computerized Axial Tomography scan)</a:t>
             </a:r>
           </a:p>
@@ -11452,11 +10322,11 @@
               </a:lnSpc>
             </a:pPr>
             <a:r>
-              <a:rPr lang="en-US" sz="1400" b="1" dirty="0" smtClean="0"/>
+              <a:rPr lang="en-US" sz="1400" b="1" dirty="0"/>
               <a:t>Military</a:t>
             </a:r>
             <a:r>
-              <a:rPr lang="en-US" sz="1400" dirty="0" smtClean="0"/>
+              <a:rPr lang="en-US" sz="1400" dirty="0"/>
               <a:t> (as in weapon control)</a:t>
             </a:r>
           </a:p>
@@ -11484,19 +10354,7 @@
             </a:pPr>
             <a:r>
               <a:rPr lang="en-US" sz="1800" dirty="0"/>
-              <a:t>F</a:t>
-            </a:r>
-            <a:r>
-              <a:rPr lang="en-US" sz="1800" dirty="0" smtClean="0"/>
-              <a:t>oundation components must </a:t>
-            </a:r>
-            <a:r>
-              <a:rPr lang="en-US" sz="1800" dirty="0"/>
-              <a:t>facilitate the rapid prototyping of </a:t>
-            </a:r>
-            <a:r>
-              <a:rPr lang="en-US" sz="1800" dirty="0" smtClean="0"/>
-              <a:t>application software on diverse assortment of:</a:t>
+              <a:t>Foundation components must facilitate the rapid prototyping of application software on diverse assortment of:</a:t>
             </a:r>
           </a:p>
           <a:p>
@@ -11506,7 +10364,7 @@
               </a:lnSpc>
             </a:pPr>
             <a:r>
-              <a:rPr lang="en-US" sz="1400" b="1" dirty="0" smtClean="0"/>
+              <a:rPr lang="en-US" sz="1400" b="1" dirty="0"/>
               <a:t>General Purpose Desktop &amp; Laptop Computer Systems</a:t>
             </a:r>
           </a:p>
@@ -11517,11 +10375,11 @@
               </a:lnSpc>
             </a:pPr>
             <a:r>
-              <a:rPr lang="en-US" sz="1400" b="1" dirty="0" smtClean="0"/>
+              <a:rPr lang="en-US" sz="1400" b="1" dirty="0"/>
               <a:t>Application-Specific Embedded Computer Systems</a:t>
             </a:r>
             <a:r>
-              <a:rPr lang="en-US" sz="1400" dirty="0" smtClean="0"/>
+              <a:rPr lang="en-US" sz="1400" dirty="0"/>
               <a:t>:</a:t>
             </a:r>
           </a:p>
@@ -11532,11 +10390,11 @@
               </a:lnSpc>
             </a:pPr>
             <a:r>
-              <a:rPr lang="en-US" sz="1200" b="1" dirty="0" smtClean="0"/>
+              <a:rPr lang="en-US" sz="1200" b="1" dirty="0"/>
               <a:t>Automation</a:t>
             </a:r>
             <a:r>
-              <a:rPr lang="en-US" sz="1200" dirty="0" smtClean="0"/>
+              <a:rPr lang="en-US" sz="1200" dirty="0"/>
               <a:t> (as in robotics)</a:t>
             </a:r>
           </a:p>
@@ -11547,11 +10405,11 @@
               </a:lnSpc>
             </a:pPr>
             <a:r>
-              <a:rPr lang="en-US" sz="1200" b="1" dirty="0" smtClean="0"/>
+              <a:rPr lang="en-US" sz="1200" b="1" dirty="0"/>
               <a:t>Communication</a:t>
             </a:r>
             <a:r>
-              <a:rPr lang="en-US" sz="1200" dirty="0" smtClean="0"/>
+              <a:rPr lang="en-US" sz="1200" dirty="0"/>
               <a:t> (as in network traffic)</a:t>
             </a:r>
           </a:p>
@@ -11562,11 +10420,11 @@
               </a:lnSpc>
             </a:pPr>
             <a:r>
-              <a:rPr lang="en-US" sz="1200" b="1" dirty="0" smtClean="0"/>
+              <a:rPr lang="en-US" sz="1200" b="1" dirty="0"/>
               <a:t>Control</a:t>
             </a:r>
             <a:r>
-              <a:rPr lang="en-US" sz="1200" dirty="0" smtClean="0"/>
+              <a:rPr lang="en-US" sz="1200" dirty="0"/>
               <a:t> (as in supervisory and feedback of equipment and processes)</a:t>
             </a:r>
           </a:p>
@@ -11577,11 +10435,11 @@
               </a:lnSpc>
             </a:pPr>
             <a:r>
-              <a:rPr lang="en-US" sz="1200" b="1" dirty="0" smtClean="0"/>
+              <a:rPr lang="en-US" sz="1200" b="1" dirty="0"/>
               <a:t>Diagnostic</a:t>
             </a:r>
             <a:r>
-              <a:rPr lang="en-US" sz="1200" dirty="0" smtClean="0"/>
+              <a:rPr lang="en-US" sz="1200" dirty="0"/>
               <a:t> (as in hardware and software failure modes and effects)</a:t>
             </a:r>
           </a:p>
@@ -11592,11 +10450,11 @@
               </a:lnSpc>
             </a:pPr>
             <a:r>
-              <a:rPr lang="en-US" sz="1200" b="1" dirty="0" smtClean="0"/>
+              <a:rPr lang="en-US" sz="1200" b="1" dirty="0"/>
               <a:t>Instrumentation</a:t>
             </a:r>
             <a:r>
-              <a:rPr lang="en-US" sz="1200" dirty="0" smtClean="0"/>
+              <a:rPr lang="en-US" sz="1200" dirty="0"/>
               <a:t> (as in sensor data acquisition and analysis)</a:t>
             </a:r>
           </a:p>
@@ -11607,17 +10465,17 @@
               </a:lnSpc>
             </a:pPr>
             <a:r>
-              <a:rPr lang="en-US" sz="1200" b="1" dirty="0" smtClean="0"/>
+              <a:rPr lang="en-US" sz="1200" b="1" dirty="0"/>
               <a:t>Simulation</a:t>
             </a:r>
             <a:r>
-              <a:rPr lang="en-US" sz="1200" dirty="0" smtClean="0"/>
+              <a:rPr lang="en-US" sz="1200" dirty="0"/>
               <a:t> (as in flight control)</a:t>
             </a:r>
           </a:p>
           <a:p>
             <a:pPr eaLnBrk="1" hangingPunct="1"/>
-            <a:endParaRPr lang="en-US" dirty="0" smtClean="0"/>
+            <a:endParaRPr lang="en-US" dirty="0"/>
           </a:p>
         </p:txBody>
       </p:sp>
@@ -11640,9 +10498,9 @@
           <a:p>
             <a:fld id="{99498D42-2F94-4B09-AC13-B1075B6C7DB8}" type="datetime1">
               <a:rPr lang="en-US" smtClean="0"/>
-              <a:t>11/25/2015</a:t>
+              <a:t>12/23/2016</a:t>
             </a:fld>
-            <a:endParaRPr lang="en-US" smtClean="0"/>
+            <a:endParaRPr lang="en-US"/>
           </a:p>
         </p:txBody>
       </p:sp>
@@ -11664,7 +10522,7 @@
           <a:lstStyle/>
           <a:p>
             <a:r>
-              <a:rPr lang="en-US" dirty="0" smtClean="0"/>
+              <a:rPr lang="en-US" dirty="0"/>
               <a:t>TeamSTARS "tsWxGTUI_PyVx" Toolkit prepared &amp; presented by Richard S. Gordon</a:t>
             </a:r>
           </a:p>
@@ -11702,13 +10560,6 @@
     <a:masterClrMapping/>
   </p:clrMapOvr>
   <p:transition/>
-  <p:timing>
-    <p:tnLst>
-      <p:par>
-        <p:cTn id="1" dur="indefinite" restart="never" nodeType="tmRoot"/>
-      </p:par>
-    </p:tnLst>
-  </p:timing>
 </p:sld>
 </file>
 
@@ -11746,12 +10597,8 @@
           <a:p>
             <a:pPr eaLnBrk="1" hangingPunct="1"/>
             <a:r>
-              <a:rPr lang="en-US" sz="4000" dirty="0" smtClean="0"/>
-              <a:t>Goals </a:t>
-            </a:r>
-            <a:r>
               <a:rPr lang="en-US" sz="4000" dirty="0"/>
-              <a:t>(Cross-Platform Capabilities) </a:t>
+              <a:t>Goals (Cross-Platform Capabilities) </a:t>
             </a:r>
             <a:r>
               <a:rPr lang="en-US" sz="2000" dirty="0"/>
@@ -11767,7 +10614,6 @@
               <a:rPr lang="en-US" sz="2000" dirty="0"/>
               <a:t>)</a:t>
             </a:r>
-            <a:endParaRPr lang="en-US" sz="2000" dirty="0" smtClean="0"/>
           </a:p>
         </p:txBody>
       </p:sp>
@@ -11792,7 +10638,7 @@
               </a:lnSpc>
             </a:pPr>
             <a:r>
-              <a:rPr lang="en-US" sz="2800" dirty="0" smtClean="0"/>
+              <a:rPr lang="en-US" sz="2800" dirty="0"/>
               <a:t>Foundation components must be compatible with and portable to a diverse assortment of popular and readily available hardware (HW) and software (SW) platforms:</a:t>
             </a:r>
           </a:p>
@@ -11803,7 +10649,7 @@
               </a:lnSpc>
             </a:pPr>
             <a:r>
-              <a:rPr lang="en-US" sz="2400" b="1" dirty="0" smtClean="0"/>
+              <a:rPr lang="en-US" sz="2400" b="1" dirty="0"/>
               <a:t>Open</a:t>
             </a:r>
           </a:p>
@@ -11814,7 +10660,7 @@
               </a:lnSpc>
             </a:pPr>
             <a:r>
-              <a:rPr lang="en-US" sz="2000" dirty="0" smtClean="0"/>
+              <a:rPr lang="en-US" sz="2000" dirty="0"/>
               <a:t>HW as in Arm &amp; Intel microprocessor components</a:t>
             </a:r>
           </a:p>
@@ -11825,7 +10671,7 @@
               </a:lnSpc>
             </a:pPr>
             <a:r>
-              <a:rPr lang="en-US" sz="2000" dirty="0" smtClean="0"/>
+              <a:rPr lang="en-US" sz="2000" dirty="0"/>
               <a:t>SW as in GNU’s Unix-like tool components &amp; Linus Torvalds’ Linux operating system kernel components</a:t>
             </a:r>
           </a:p>
@@ -11836,7 +10682,7 @@
               </a:lnSpc>
             </a:pPr>
             <a:r>
-              <a:rPr lang="en-US" sz="2400" b="1" dirty="0" smtClean="0"/>
+              <a:rPr lang="en-US" sz="2400" b="1" dirty="0"/>
               <a:t>Proprietary</a:t>
             </a:r>
           </a:p>
@@ -11847,10 +10693,9 @@
               </a:lnSpc>
             </a:pPr>
             <a:r>
-              <a:rPr lang="en-US" sz="2000" dirty="0" smtClean="0"/>
+              <a:rPr lang="en-US" sz="2000" dirty="0"/>
               <a:t>HW as in Dell, HP, IBM &amp; Lenovo systems</a:t>
             </a:r>
-            <a:endParaRPr lang="en-US" sz="2000" dirty="0"/>
           </a:p>
           <a:p>
             <a:pPr lvl="2" eaLnBrk="1" hangingPunct="1">
@@ -11859,7 +10704,7 @@
               </a:lnSpc>
             </a:pPr>
             <a:r>
-              <a:rPr lang="en-US" sz="2000" dirty="0" smtClean="0"/>
+              <a:rPr lang="en-US" sz="2000" dirty="0"/>
               <a:t>SW as in Microsoft’s Windows &amp; Oracle’s Solaris operating system components</a:t>
             </a:r>
           </a:p>
@@ -11884,9 +10729,9 @@
           <a:p>
             <a:fld id="{0724E664-CBFD-4787-B794-DB8C59C22AC0}" type="datetime1">
               <a:rPr lang="en-US" smtClean="0"/>
-              <a:t>11/25/2015</a:t>
+              <a:t>12/23/2016</a:t>
             </a:fld>
-            <a:endParaRPr lang="en-US" smtClean="0"/>
+            <a:endParaRPr lang="en-US"/>
           </a:p>
         </p:txBody>
       </p:sp>
@@ -11908,7 +10753,7 @@
           <a:lstStyle/>
           <a:p>
             <a:r>
-              <a:rPr lang="en-US" dirty="0" smtClean="0"/>
+              <a:rPr lang="en-US" dirty="0"/>
               <a:t>TeamSTARS "tsWxGTUI_PyVx" Toolkit prepared &amp; presented by Richard S. Gordon</a:t>
             </a:r>
           </a:p>
@@ -11945,13 +10790,6 @@
   <p:clrMapOvr>
     <a:masterClrMapping/>
   </p:clrMapOvr>
-  <p:timing>
-    <p:tnLst>
-      <p:par>
-        <p:cTn id="1" dur="indefinite" restart="never" nodeType="tmRoot"/>
-      </p:par>
-    </p:tnLst>
-  </p:timing>
 </p:sld>
 </file>
 
@@ -11989,12 +10827,8 @@
           <a:p>
             <a:pPr eaLnBrk="1" hangingPunct="1"/>
             <a:r>
-              <a:rPr lang="en-US" sz="4000" dirty="0" smtClean="0"/>
-              <a:t>Goals </a:t>
-            </a:r>
-            <a:r>
               <a:rPr lang="en-US" sz="4000" dirty="0"/>
-              <a:t>(Architecture Capabilities) </a:t>
+              <a:t>Goals (Architecture Capabilities) </a:t>
             </a:r>
             <a:r>
               <a:rPr lang="en-US" sz="2000" dirty="0"/>
@@ -12010,7 +10844,6 @@
               <a:rPr lang="en-US" sz="2000" dirty="0"/>
               <a:t>)</a:t>
             </a:r>
-            <a:endParaRPr lang="en-US" sz="2000" dirty="0" smtClean="0"/>
           </a:p>
         </p:txBody>
       </p:sp>
@@ -12035,7 +10868,7 @@
               </a:lnSpc>
             </a:pPr>
             <a:r>
-              <a:rPr lang="en-US" sz="1800" dirty="0" smtClean="0"/>
+              <a:rPr lang="en-US" sz="1800" dirty="0"/>
               <a:t>Foundation architecture must be modular to support product life-cycle.</a:t>
             </a:r>
           </a:p>
@@ -12047,15 +10880,7 @@
             </a:pPr>
             <a:r>
               <a:rPr lang="en-US" sz="1400" b="1" dirty="0"/>
-              <a:t>Segregation of Python language generations (such as </a:t>
-            </a:r>
-            <a:r>
-              <a:rPr lang="en-US" sz="1400" b="1" dirty="0" smtClean="0"/>
-              <a:t>1x, 2x and 3x</a:t>
-            </a:r>
-            <a:r>
-              <a:rPr lang="en-US" sz="1400" b="1" dirty="0"/>
-              <a:t>) </a:t>
+              <a:t>Segregation of Python language generations (such as 1x, 2x and 3x) </a:t>
             </a:r>
             <a:r>
               <a:rPr lang="en-US" sz="1400" dirty="0"/>
@@ -12070,15 +10895,7 @@
             </a:pPr>
             <a:r>
               <a:rPr lang="en-US" sz="1400" dirty="0"/>
-              <a:t>Future </a:t>
-            </a:r>
-            <a:r>
-              <a:rPr lang="en-US" sz="1400" dirty="0" smtClean="0"/>
-              <a:t>Back-Porting to </a:t>
-            </a:r>
-            <a:r>
-              <a:rPr lang="en-US" sz="1400" dirty="0"/>
-              <a:t>Python 1x from Python 2x.</a:t>
+              <a:t>Future Back-Porting to Python 1x from Python 2x.</a:t>
             </a:r>
           </a:p>
           <a:p>
@@ -12131,21 +10948,16 @@
             </a:pPr>
             <a:r>
               <a:rPr lang="en-US" sz="1400" dirty="0"/>
-              <a:t>Future Porting to Python 4x from Python 3x using Python syntactical converter </a:t>
-            </a:r>
-            <a:r>
-              <a:rPr lang="en-US" sz="1400" dirty="0" smtClean="0"/>
-              <a:t>“3</a:t>
-            </a:r>
-            <a:r>
-              <a:rPr lang="en-US" sz="1400" b="1" dirty="0" smtClean="0"/>
+              <a:t>Future Porting to Python 4x from Python 3x using Python syntactical converter “3</a:t>
+            </a:r>
+            <a:r>
+              <a:rPr lang="en-US" sz="1400" b="1" dirty="0"/>
               <a:t>to4</a:t>
             </a:r>
             <a:r>
-              <a:rPr lang="en-US" sz="1400" dirty="0" smtClean="0"/>
+              <a:rPr lang="en-US" sz="1400" dirty="0"/>
               <a:t>”</a:t>
             </a:r>
-            <a:endParaRPr lang="en-US" sz="1400" dirty="0"/>
           </a:p>
           <a:p>
             <a:pPr lvl="1" eaLnBrk="1" hangingPunct="1">
@@ -12154,11 +10966,11 @@
               </a:lnSpc>
             </a:pPr>
             <a:r>
-              <a:rPr lang="en-US" sz="1400" b="1" dirty="0" smtClean="0"/>
+              <a:rPr lang="en-US" sz="1400" b="1" dirty="0"/>
               <a:t>Non-Installable Developer Sandbox </a:t>
             </a:r>
             <a:r>
-              <a:rPr lang="en-US" sz="1400" dirty="0" smtClean="0"/>
+              <a:rPr lang="en-US" sz="1400" dirty="0"/>
               <a:t>to facilitate foundation component experimentation, development, maintenance and troubleshooting.</a:t>
             </a:r>
           </a:p>
@@ -12169,11 +10981,11 @@
               </a:lnSpc>
             </a:pPr>
             <a:r>
-              <a:rPr lang="en-US" sz="1400" b="1" dirty="0" smtClean="0"/>
+              <a:rPr lang="en-US" sz="1400" b="1" dirty="0"/>
               <a:t>Installable Site-Package </a:t>
             </a:r>
             <a:r>
-              <a:rPr lang="en-US" sz="1400" dirty="0" smtClean="0"/>
+              <a:rPr lang="en-US" sz="1400" dirty="0"/>
               <a:t>to facilitate foundation user’s application software development and deployment.</a:t>
             </a:r>
           </a:p>
@@ -12200,7 +11012,7 @@
               </a:lnSpc>
             </a:pPr>
             <a:r>
-              <a:rPr lang="en-US" sz="1800" dirty="0" smtClean="0"/>
+              <a:rPr lang="en-US" sz="1800" dirty="0"/>
               <a:t>Foundation components must be customizable in order to support a diverse assortment of developers, operators, organizations &amp; products:</a:t>
             </a:r>
           </a:p>
@@ -12211,42 +11023,26 @@
               </a:lnSpc>
             </a:pPr>
             <a:r>
-              <a:rPr lang="en-US" sz="1600" b="1" dirty="0" smtClean="0"/>
+              <a:rPr lang="en-US" sz="1600" b="1" dirty="0"/>
               <a:t>Customizable “</a:t>
             </a:r>
             <a:r>
-              <a:rPr lang="en-US" sz="1600" dirty="0" smtClean="0">
+              <a:rPr lang="en-US" sz="1600" dirty="0">
                 <a:hlinkClick r:id="rId5"/>
               </a:rPr>
               <a:t>txCxGlobals</a:t>
             </a:r>
             <a:r>
-              <a:rPr lang="en-US" sz="1600" dirty="0" smtClean="0"/>
+              <a:rPr lang="en-US" sz="1600" dirty="0"/>
               <a:t>”</a:t>
             </a:r>
             <a:r>
-              <a:rPr lang="en-US" sz="1600" b="1" dirty="0" smtClean="0"/>
+              <a:rPr lang="en-US" sz="1600" b="1" dirty="0"/>
               <a:t> </a:t>
             </a:r>
             <a:r>
-              <a:rPr lang="en-US" sz="1600" dirty="0" smtClean="0"/>
-              <a:t>file of </a:t>
-            </a:r>
-            <a:r>
               <a:rPr lang="en-US" sz="1600" dirty="0"/>
-              <a:t>organization-/product-specific </a:t>
-            </a:r>
-            <a:r>
-              <a:rPr lang="en-US" sz="1600" dirty="0" smtClean="0"/>
-              <a:t>usage terms &amp; conditions and operator-specific CLI </a:t>
-            </a:r>
-            <a:r>
-              <a:rPr lang="en-US" sz="1600" dirty="0"/>
-              <a:t>theme-based feature </a:t>
-            </a:r>
-            <a:r>
-              <a:rPr lang="en-US" sz="1600" dirty="0" smtClean="0"/>
-              <a:t>settings </a:t>
+              <a:t>file of organization-/product-specific usage terms &amp; conditions and operator-specific CLI theme-based feature settings </a:t>
             </a:r>
           </a:p>
           <a:p>
@@ -12256,26 +11052,18 @@
               </a:lnSpc>
             </a:pPr>
             <a:r>
-              <a:rPr lang="en-US" sz="1600" b="1" dirty="0" smtClean="0"/>
+              <a:rPr lang="en-US" sz="1600" b="1" dirty="0"/>
               <a:t>Customizable “</a:t>
             </a:r>
             <a:r>
-              <a:rPr lang="en-US" sz="1600" dirty="0" smtClean="0">
+              <a:rPr lang="en-US" sz="1600" dirty="0">
                 <a:hlinkClick r:id="rId6"/>
               </a:rPr>
               <a:t>tsWxGlobals</a:t>
             </a:r>
             <a:r>
-              <a:rPr lang="en-US" sz="1600" dirty="0" smtClean="0"/>
-              <a:t>” file of organization-/product-specific </a:t>
-            </a:r>
-            <a:r>
               <a:rPr lang="en-US" sz="1600" dirty="0"/>
-              <a:t>GUI theme-based feature </a:t>
-            </a:r>
-            <a:r>
-              <a:rPr lang="en-US" sz="1600" dirty="0" smtClean="0"/>
-              <a:t>settings</a:t>
+              <a:t>” file of organization-/product-specific GUI theme-based feature settings</a:t>
             </a:r>
           </a:p>
           <a:p>
@@ -12284,7 +11072,7 @@
                 <a:spcPct val="90000"/>
               </a:lnSpc>
             </a:pPr>
-            <a:endParaRPr lang="en-US" sz="1800" dirty="0" smtClean="0"/>
+            <a:endParaRPr lang="en-US" sz="1800" dirty="0"/>
           </a:p>
           <a:p>
             <a:pPr lvl="1" eaLnBrk="1" hangingPunct="1">
@@ -12292,11 +11080,11 @@
                 <a:spcPct val="90000"/>
               </a:lnSpc>
             </a:pPr>
-            <a:endParaRPr lang="en-US" sz="1800" dirty="0" smtClean="0"/>
+            <a:endParaRPr lang="en-US" sz="1800" dirty="0"/>
           </a:p>
           <a:p>
             <a:pPr eaLnBrk="1" hangingPunct="1"/>
-            <a:endParaRPr lang="en-US" dirty="0" smtClean="0"/>
+            <a:endParaRPr lang="en-US" dirty="0"/>
           </a:p>
         </p:txBody>
       </p:sp>
@@ -12319,9 +11107,9 @@
           <a:p>
             <a:fld id="{5CEB6303-E2A8-4345-89E0-58C7CD468843}" type="datetime1">
               <a:rPr lang="en-US" smtClean="0"/>
-              <a:t>11/25/2015</a:t>
+              <a:t>12/23/2016</a:t>
             </a:fld>
-            <a:endParaRPr lang="en-US" smtClean="0"/>
+            <a:endParaRPr lang="en-US"/>
           </a:p>
         </p:txBody>
       </p:sp>
@@ -12343,7 +11131,7 @@
           <a:lstStyle/>
           <a:p>
             <a:r>
-              <a:rPr lang="en-US" dirty="0" smtClean="0"/>
+              <a:rPr lang="en-US" dirty="0"/>
               <a:t>TeamSTARS "tsWxGTUI_PyVx" Toolkit prepared &amp; presented by Richard S. Gordon</a:t>
             </a:r>
           </a:p>
@@ -12380,13 +11168,6 @@
   <p:clrMapOvr>
     <a:masterClrMapping/>
   </p:clrMapOvr>
-  <p:timing>
-    <p:tnLst>
-      <p:par>
-        <p:cTn id="1" dur="indefinite" restart="never" nodeType="tmRoot"/>
-      </p:par>
-    </p:tnLst>
-  </p:timing>
 </p:sld>
 </file>
 
@@ -12423,20 +11204,8 @@
           <a:lstStyle/>
           <a:p>
             <a:r>
-              <a:rPr lang="en-US" sz="4000" dirty="0" smtClean="0"/>
-              <a:t>Goals (</a:t>
-            </a:r>
-            <a:r>
               <a:rPr lang="en-US" sz="4000" dirty="0"/>
-              <a:t>Documentation </a:t>
-            </a:r>
-            <a:r>
-              <a:rPr lang="en-US" sz="4000" dirty="0" smtClean="0"/>
-              <a:t>Audience</a:t>
-            </a:r>
-            <a:r>
-              <a:rPr lang="en-US" sz="4000" dirty="0"/>
-              <a:t>) </a:t>
+              <a:t>Goals (Documentation Audience) </a:t>
             </a:r>
             <a:r>
               <a:rPr lang="en-US" sz="2000" dirty="0"/>
@@ -12449,7 +11218,7 @@
               <a:t>Table of Contents</a:t>
             </a:r>
             <a:r>
-              <a:rPr lang="en-US" sz="2000" dirty="0" smtClean="0"/>
+              <a:rPr lang="en-US" sz="2000" dirty="0"/>
               <a:t>)</a:t>
             </a:r>
             <a:endParaRPr lang="en-US" sz="3200" dirty="0"/>
@@ -12473,41 +11242,28 @@
           <a:p>
             <a:r>
               <a:rPr lang="en-US" sz="2000" b="1" dirty="0"/>
-              <a:t>Prospective </a:t>
-            </a:r>
-            <a:r>
-              <a:rPr lang="en-US" sz="2000" b="1" dirty="0" smtClean="0"/>
-              <a:t>&amp; </a:t>
+              <a:t>Prospective &amp; New Users </a:t>
+            </a:r>
+            <a:r>
+              <a:rPr lang="en-US" sz="2000" dirty="0"/>
+              <a:t>may</a:t>
             </a:r>
             <a:r>
               <a:rPr lang="en-US" sz="2000" b="1" dirty="0"/>
-              <a:t>New </a:t>
-            </a:r>
-            <a:r>
-              <a:rPr lang="en-US" sz="2000" b="1" dirty="0" smtClean="0"/>
-              <a:t>Users </a:t>
-            </a:r>
-            <a:r>
-              <a:rPr lang="en-US" sz="2000" dirty="0" smtClean="0"/>
-              <a:t>may</a:t>
-            </a:r>
-            <a:r>
-              <a:rPr lang="en-US" sz="2000" b="1" dirty="0" smtClean="0"/>
               <a:t> </a:t>
             </a:r>
             <a:r>
-              <a:rPr lang="en-US" sz="2000" dirty="0" smtClean="0"/>
+              <a:rPr lang="en-US" sz="2000" dirty="0"/>
               <a:t>only</a:t>
             </a:r>
             <a:r>
-              <a:rPr lang="en-US" sz="2000" b="1" dirty="0" smtClean="0"/>
+              <a:rPr lang="en-US" sz="2000" b="1" dirty="0"/>
               <a:t> </a:t>
             </a:r>
             <a:r>
-              <a:rPr lang="en-US" sz="2000" dirty="0" smtClean="0"/>
+              <a:rPr lang="en-US" sz="2000" dirty="0"/>
               <a:t>seek reason to dig deeper or look elsewhere</a:t>
             </a:r>
-            <a:endParaRPr lang="en-US" sz="2000" dirty="0"/>
           </a:p>
           <a:p>
             <a:r>
@@ -12515,18 +11271,9 @@
               <a:t>Student Users </a:t>
             </a:r>
             <a:r>
-              <a:rPr lang="en-US" sz="2000" dirty="0" smtClean="0"/>
-              <a:t>seek rationale for unfamiliar computer </a:t>
-            </a:r>
-            <a:r>
               <a:rPr lang="en-US" sz="2000" dirty="0"/>
-              <a:t>hardware and software </a:t>
-            </a:r>
-            <a:r>
-              <a:rPr lang="en-US" sz="2000" dirty="0" smtClean="0"/>
-              <a:t>technology usage</a:t>
-            </a:r>
-            <a:endParaRPr lang="en-US" sz="2000" dirty="0"/>
+              <a:t>seek rationale for unfamiliar computer hardware and software technology usage</a:t>
+            </a:r>
           </a:p>
           <a:p>
             <a:r>
@@ -12550,42 +11297,13 @@
               <a:t> </a:t>
             </a:r>
             <a:r>
-              <a:rPr lang="en-US" sz="2000" dirty="0" smtClean="0"/>
-              <a:t>seek </a:t>
-            </a:r>
-            <a:r>
               <a:rPr lang="en-US" sz="2000" dirty="0"/>
-              <a:t>rationale </a:t>
-            </a:r>
-            <a:r>
-              <a:rPr lang="en-US" sz="2000" dirty="0" smtClean="0"/>
-              <a:t>for architecture, design and implementation </a:t>
-            </a:r>
-            <a:r>
-              <a:rPr lang="en-US" sz="2000" dirty="0"/>
-              <a:t>of unfamiliar “</a:t>
-            </a:r>
-            <a:r>
-              <a:rPr lang="en-US" sz="2000" dirty="0" smtClean="0"/>
-              <a:t>Python”, "Curses</a:t>
-            </a:r>
-            <a:r>
-              <a:rPr lang="en-US" sz="2000" dirty="0"/>
-              <a:t>" </a:t>
-            </a:r>
-            <a:r>
-              <a:rPr lang="en-US" sz="2000" dirty="0" smtClean="0"/>
-              <a:t>and </a:t>
-            </a:r>
-            <a:r>
-              <a:rPr lang="en-US" sz="2000" dirty="0"/>
-              <a:t>"wxPython" programming techniques</a:t>
-            </a:r>
-            <a:endParaRPr lang="en-US" sz="2000" dirty="0" smtClean="0"/>
-          </a:p>
-          <a:p>
-            <a:r>
-              <a:rPr lang="en-US" sz="2000" b="1" dirty="0" smtClean="0"/>
+              <a:t>seek rationale for architecture, design and implementation of unfamiliar “Python”, "Curses" and "wxPython" programming techniques</a:t>
+            </a:r>
+          </a:p>
+          <a:p>
+            <a:r>
+              <a:rPr lang="en-US" sz="2000" b="1" dirty="0"/>
               <a:t>Advance Users </a:t>
             </a:r>
             <a:r>
@@ -12605,35 +11323,14 @@
               <a:t> </a:t>
             </a:r>
             <a:r>
-              <a:rPr lang="en-US" sz="2000" dirty="0" smtClean="0"/>
-              <a:t>seek </a:t>
-            </a:r>
-            <a:r>
               <a:rPr lang="en-US" sz="2000" dirty="0"/>
-              <a:t>rationale </a:t>
-            </a:r>
-            <a:r>
-              <a:rPr lang="en-US" sz="2000" dirty="0" smtClean="0"/>
-              <a:t>for </a:t>
-            </a:r>
-            <a:r>
-              <a:rPr lang="en-US" sz="2000" dirty="0"/>
-              <a:t>unfamiliar project planning and engineering </a:t>
-            </a:r>
-            <a:r>
-              <a:rPr lang="en-US" sz="2000" dirty="0" smtClean="0"/>
-              <a:t>techniques</a:t>
-            </a:r>
-            <a:endParaRPr lang="en-US" sz="2000" dirty="0"/>
+              <a:t>seek rationale for unfamiliar project planning and engineering techniques</a:t>
+            </a:r>
           </a:p>
           <a:p>
             <a:r>
               <a:rPr lang="en-US" sz="2000" b="1" dirty="0"/>
-              <a:t>Expert </a:t>
-            </a:r>
-            <a:r>
-              <a:rPr lang="en-US" sz="2000" b="1" dirty="0" smtClean="0"/>
-              <a:t>Users </a:t>
+              <a:t>Expert Users </a:t>
             </a:r>
             <a:r>
               <a:rPr lang="en-US" sz="2000" dirty="0"/>
@@ -12652,26 +11349,9 @@
               <a:t> </a:t>
             </a:r>
             <a:r>
-              <a:rPr lang="en-US" sz="2000" dirty="0" smtClean="0"/>
-              <a:t>seek </a:t>
-            </a:r>
-            <a:r>
               <a:rPr lang="en-US" sz="2000" dirty="0"/>
-              <a:t>rationale </a:t>
-            </a:r>
-            <a:r>
-              <a:rPr lang="en-US" sz="2000" dirty="0" smtClean="0"/>
-              <a:t>for </a:t>
-            </a:r>
-            <a:r>
-              <a:rPr lang="en-US" sz="2000" dirty="0"/>
-              <a:t>unfamiliar troubleshooting, maintenance, porting and enhancement </a:t>
-            </a:r>
-            <a:r>
-              <a:rPr lang="en-US" sz="2000" dirty="0" smtClean="0"/>
-              <a:t>techniques</a:t>
-            </a:r>
-            <a:endParaRPr lang="en-US" sz="2000" dirty="0"/>
+              <a:t>seek rationale for unfamiliar troubleshooting, maintenance, porting and enhancement techniques</a:t>
+            </a:r>
           </a:p>
           <a:p>
             <a:endParaRPr lang="en-US" dirty="0"/>
@@ -12698,7 +11378,7 @@
             </a:pPr>
             <a:fld id="{E926BBDD-94FC-4974-B7B2-112ED4B044D0}" type="datetime1">
               <a:rPr lang="en-US" smtClean="0"/>
-              <a:t>11/25/2015</a:t>
+              <a:t>12/23/2016</a:t>
             </a:fld>
             <a:endParaRPr lang="en-US"/>
           </a:p>
@@ -12723,10 +11403,9 @@
               <a:defRPr/>
             </a:pPr>
             <a:r>
-              <a:rPr lang="en-US" dirty="0" smtClean="0"/>
+              <a:rPr lang="en-US" dirty="0"/>
               <a:t>TeamSTARS "tsWxGTUI_PyVx" Toolkit prepared &amp; presented by Richard S. Gordon</a:t>
             </a:r>
-            <a:endParaRPr lang="en-US" dirty="0"/>
           </a:p>
         </p:txBody>
       </p:sp>
@@ -12764,13 +11443,6 @@
   <p:clrMapOvr>
     <a:masterClrMapping/>
   </p:clrMapOvr>
-  <p:timing>
-    <p:tnLst>
-      <p:par>
-        <p:cTn id="1" dur="indefinite" restart="never" nodeType="tmRoot"/>
-      </p:par>
-    </p:tnLst>
-  </p:timing>
 </p:sld>
 </file>
 
@@ -12807,12 +11479,8 @@
           <a:lstStyle/>
           <a:p>
             <a:r>
-              <a:rPr lang="en-US" sz="4000" dirty="0" smtClean="0"/>
-              <a:t>Goals (Documentation Capabilities</a:t>
-            </a:r>
-            <a:r>
               <a:rPr lang="en-US" sz="4000" dirty="0"/>
-              <a:t>) </a:t>
+              <a:t>Goals (Documentation Capabilities) </a:t>
             </a:r>
             <a:r>
               <a:rPr lang="en-US" sz="2000" dirty="0"/>
@@ -12847,86 +11515,51 @@
           <a:lstStyle/>
           <a:p>
             <a:r>
-              <a:rPr lang="en-US" sz="2400" dirty="0" smtClean="0"/>
-              <a:t>Documentation for system administrators &amp; installers, developers &amp; maintainers, operators, troubleshooters </a:t>
-            </a:r>
-            <a:r>
               <a:rPr lang="en-US" sz="2400" dirty="0"/>
-              <a:t>and </a:t>
-            </a:r>
-            <a:r>
-              <a:rPr lang="en-US" sz="2400" dirty="0" smtClean="0"/>
-              <a:t>students.</a:t>
+              <a:t>Documentation for system administrators &amp; installers, developers &amp; maintainers, operators, troubleshooters and students.</a:t>
             </a:r>
           </a:p>
           <a:p>
             <a:pPr lvl="1"/>
             <a:r>
-              <a:rPr lang="en-US" sz="2000" dirty="0" smtClean="0"/>
-              <a:t>Establish a reference library (for Objectives</a:t>
-            </a:r>
-            <a:r>
               <a:rPr lang="en-US" sz="2000" dirty="0"/>
-              <a:t>, Plans, Requirements, Architecture, Design, Implementation, Debug, Test &amp; Release)</a:t>
+              <a:t>Establish a reference library (for Objectives, Plans, Requirements, Architecture, Design, Implementation, Debug, Test &amp; Release)</a:t>
             </a:r>
           </a:p>
           <a:p>
             <a:pPr lvl="2"/>
             <a:r>
-              <a:rPr lang="en-US" sz="1800" dirty="0" smtClean="0"/>
+              <a:rPr lang="en-US" sz="1800" dirty="0"/>
               <a:t>Orients &amp; Trains new contributors &amp; users</a:t>
             </a:r>
           </a:p>
           <a:p>
             <a:pPr lvl="2"/>
             <a:r>
-              <a:rPr lang="en-US" sz="1800" dirty="0" smtClean="0"/>
+              <a:rPr lang="en-US" sz="1800" dirty="0"/>
               <a:t>Focuses or reminds contributors of goals, non-goals, plans and unresolved issues </a:t>
             </a:r>
           </a:p>
           <a:p>
             <a:pPr lvl="1"/>
             <a:r>
-              <a:rPr lang="en-US" sz="2000" dirty="0" smtClean="0"/>
-              <a:t>Establish a convenient </a:t>
-            </a:r>
-            <a:r>
               <a:rPr lang="en-US" sz="2000" dirty="0"/>
-              <a:t>reference library </a:t>
-            </a:r>
-            <a:r>
-              <a:rPr lang="en-US" sz="2000" dirty="0" smtClean="0"/>
-              <a:t>of third-party material, found on internet, which was relevant but might eventually be subject to change or removal</a:t>
-            </a:r>
-            <a:endParaRPr lang="en-US" sz="2000" dirty="0"/>
+              <a:t>Establish a convenient reference library of third-party material, found on internet, which was relevant but might eventually be subject to change or removal</a:t>
+            </a:r>
           </a:p>
           <a:p>
             <a:pPr lvl="2"/>
             <a:r>
               <a:rPr lang="en-US" sz="1800" dirty="0"/>
-              <a:t>Computer &amp; System Engineering </a:t>
-            </a:r>
-            <a:r>
-              <a:rPr lang="en-US" sz="1800" dirty="0" smtClean="0"/>
-              <a:t>(Definitions, Theory, Technology &amp; Practices)</a:t>
-            </a:r>
-            <a:endParaRPr lang="en-US" sz="1800" dirty="0"/>
+              <a:t>Computer &amp; System Engineering (Definitions, Theory, Technology &amp; Practices)</a:t>
+            </a:r>
           </a:p>
           <a:p>
             <a:pPr lvl="2"/>
             <a:r>
-              <a:rPr lang="en-US" sz="1800" dirty="0" smtClean="0"/>
-              <a:t>External </a:t>
-            </a:r>
-            <a:r>
               <a:rPr lang="en-US" sz="1800" dirty="0"/>
-              <a:t>Resources </a:t>
-            </a:r>
-            <a:r>
-              <a:rPr lang="en-US" sz="1800" dirty="0" smtClean="0"/>
-              <a:t>for Goods &amp; Services</a:t>
-            </a:r>
-            <a:endParaRPr lang="en-US" sz="1800" dirty="0"/>
+              <a:t>External Resources for Goods &amp; Services</a:t>
+            </a:r>
           </a:p>
         </p:txBody>
       </p:sp>
@@ -12950,7 +11583,7 @@
             </a:pPr>
             <a:fld id="{F6316E46-FFBA-47B5-8B29-92D001382D0B}" type="datetime1">
               <a:rPr lang="en-US" smtClean="0"/>
-              <a:t>11/25/2015</a:t>
+              <a:t>12/23/2016</a:t>
             </a:fld>
             <a:endParaRPr lang="en-US" dirty="0"/>
           </a:p>
@@ -12975,10 +11608,9 @@
               <a:defRPr/>
             </a:pPr>
             <a:r>
-              <a:rPr lang="en-US" dirty="0" smtClean="0"/>
+              <a:rPr lang="en-US" dirty="0"/>
               <a:t>TeamSTARS "tsWxGTUI_PyVx" Toolkit prepared &amp; presented by Richard S. Gordon</a:t>
             </a:r>
-            <a:endParaRPr lang="en-US" dirty="0"/>
           </a:p>
         </p:txBody>
       </p:sp>
@@ -13016,13 +11648,6 @@
   <p:clrMapOvr>
     <a:masterClrMapping/>
   </p:clrMapOvr>
-  <p:timing>
-    <p:tnLst>
-      <p:par>
-        <p:cTn id="1" dur="indefinite" restart="never" nodeType="tmRoot"/>
-      </p:par>
-    </p:tnLst>
-  </p:timing>
 </p:sld>
 </file>
 
@@ -13058,24 +11683,12 @@
           <a:bodyPr/>
           <a:lstStyle/>
           <a:p>
-            <a:r>
-              <a:rPr lang="en-US" sz="2000" dirty="0"/>
-              <a:t/>
-            </a:r>
             <a:br>
               <a:rPr lang="en-US" sz="2000" dirty="0"/>
             </a:br>
             <a:r>
               <a:rPr lang="en-US" sz="3200" dirty="0"/>
-              <a:t>Goals </a:t>
-            </a:r>
-            <a:r>
-              <a:rPr lang="en-US" sz="3200" dirty="0" smtClean="0"/>
-              <a:t>(Engineering Notebook Capabilities</a:t>
-            </a:r>
-            <a:r>
-              <a:rPr lang="en-US" sz="3200" dirty="0"/>
-              <a:t>) </a:t>
+              <a:t>Goals (Engineering Notebook Capabilities) </a:t>
             </a:r>
             <a:r>
               <a:rPr lang="en-US" sz="2000" dirty="0"/>
@@ -13111,172 +11724,71 @@
           <a:p>
             <a:pPr eaLnBrk="1" hangingPunct="1"/>
             <a:r>
-              <a:rPr lang="en-US" sz="2000" dirty="0" smtClean="0"/>
-              <a:t>Typical engineering project information with commentaries describing rationale and </a:t>
-            </a:r>
-            <a:r>
               <a:rPr lang="en-US" sz="2000" dirty="0"/>
-              <a:t>evolutionary changes </a:t>
-            </a:r>
-            <a:r>
-              <a:rPr lang="en-US" sz="2000" dirty="0" smtClean="0"/>
-              <a:t>(for </a:t>
-            </a:r>
+              <a:t>Typical engineering project information with commentaries describing rationale and evolutionary changes (for System, Hardware, Software &amp; Interfaces):</a:t>
+            </a:r>
+          </a:p>
+          <a:p>
+            <a:pPr lvl="1" eaLnBrk="1" hangingPunct="1"/>
+            <a:r>
+              <a:rPr lang="en-US" sz="1800" dirty="0"/>
+              <a:t>Concept, Dictionary, Use Cases &amp; Development Plan</a:t>
+            </a:r>
+          </a:p>
+          <a:p>
+            <a:pPr lvl="1" eaLnBrk="1" hangingPunct="1"/>
+            <a:r>
+              <a:rPr lang="en-US" sz="1800" dirty="0"/>
+              <a:t>Requirement, Design, Test &amp; Qualification Specifications</a:t>
+            </a:r>
+          </a:p>
+          <a:p>
+            <a:pPr lvl="1" eaLnBrk="1" hangingPunct="1"/>
+            <a:r>
+              <a:rPr lang="en-US" sz="1800" dirty="0"/>
+              <a:t>Release Notes &amp; User’s Manuals</a:t>
+            </a:r>
+          </a:p>
+          <a:p>
+            <a:pPr eaLnBrk="1" hangingPunct="1"/>
             <a:r>
               <a:rPr lang="en-US" sz="2000" dirty="0"/>
-              <a:t>System, Hardware, Software &amp; </a:t>
-            </a:r>
-            <a:r>
-              <a:rPr lang="en-US" sz="2000" dirty="0" smtClean="0"/>
-              <a:t>Interfaces):</a:t>
+              <a:t>Typical engineering project contributor information:</a:t>
             </a:r>
           </a:p>
           <a:p>
             <a:pPr lvl="1" eaLnBrk="1" hangingPunct="1"/>
             <a:r>
-              <a:rPr lang="en-US" sz="1800" dirty="0" smtClean="0"/>
-              <a:t>Concept, Dictionary, Use Cases &amp; </a:t>
-            </a:r>
-            <a:r>
               <a:rPr lang="en-US" sz="1800" dirty="0"/>
-              <a:t>Development </a:t>
-            </a:r>
-            <a:r>
-              <a:rPr lang="en-US" sz="1800" dirty="0" smtClean="0"/>
-              <a:t>Plan</a:t>
+              <a:t>Document Authoring &amp; Publishing Tools</a:t>
             </a:r>
           </a:p>
           <a:p>
             <a:pPr lvl="1" eaLnBrk="1" hangingPunct="1"/>
             <a:r>
-              <a:rPr lang="en-US" sz="1800" dirty="0" smtClean="0"/>
-              <a:t>Requirement, Design, </a:t>
-            </a:r>
-            <a:r>
               <a:rPr lang="en-US" sz="1800" dirty="0"/>
-              <a:t>Test &amp; Qualification</a:t>
-            </a:r>
-            <a:r>
-              <a:rPr lang="en-US" sz="1800" dirty="0" smtClean="0"/>
-              <a:t> Specifications</a:t>
+              <a:t>Software Development Tools</a:t>
             </a:r>
           </a:p>
           <a:p>
             <a:pPr lvl="1" eaLnBrk="1" hangingPunct="1"/>
             <a:r>
-              <a:rPr lang="en-US" sz="1800" dirty="0" smtClean="0"/>
-              <a:t>Release </a:t>
-            </a:r>
-            <a:r>
               <a:rPr lang="en-US" sz="1800" dirty="0"/>
-              <a:t>Notes </a:t>
-            </a:r>
-            <a:r>
-              <a:rPr lang="en-US" sz="1800" dirty="0" smtClean="0"/>
-              <a:t>&amp; User’s Manuals</a:t>
+              <a:t>Introduction and Training</a:t>
             </a:r>
           </a:p>
           <a:p>
             <a:pPr eaLnBrk="1" hangingPunct="1"/>
             <a:r>
-              <a:rPr lang="en-US" sz="2000" dirty="0" smtClean="0"/>
-              <a:t>Typical engineering project contributor information:</a:t>
-            </a:r>
-          </a:p>
-          <a:p>
-            <a:pPr lvl="1" eaLnBrk="1" hangingPunct="1"/>
-            <a:r>
-              <a:rPr lang="en-US" sz="1800" dirty="0"/>
-              <a:t>Document Authoring &amp; </a:t>
-            </a:r>
-            <a:r>
-              <a:rPr lang="en-US" sz="1800" dirty="0" smtClean="0"/>
-              <a:t>Publishing Tools</a:t>
-            </a:r>
-          </a:p>
-          <a:p>
-            <a:pPr lvl="1" eaLnBrk="1" hangingPunct="1"/>
-            <a:r>
-              <a:rPr lang="en-US" sz="1800" dirty="0" smtClean="0"/>
-              <a:t>Software </a:t>
-            </a:r>
-            <a:r>
-              <a:rPr lang="en-US" sz="1800" dirty="0"/>
-              <a:t>Development Tools</a:t>
-            </a:r>
-          </a:p>
-          <a:p>
-            <a:pPr lvl="1" eaLnBrk="1" hangingPunct="1"/>
-            <a:r>
-              <a:rPr lang="en-US" sz="1800" dirty="0"/>
-              <a:t>Introduction and </a:t>
-            </a:r>
-            <a:r>
-              <a:rPr lang="en-US" sz="1800" dirty="0" smtClean="0"/>
-              <a:t>Training</a:t>
-            </a:r>
-            <a:endParaRPr lang="en-US" sz="1800" dirty="0"/>
-          </a:p>
-          <a:p>
-            <a:pPr eaLnBrk="1" hangingPunct="1"/>
-            <a:r>
-              <a:rPr lang="en-US" sz="2000" dirty="0" smtClean="0"/>
-              <a:t>In </a:t>
-            </a:r>
-            <a:r>
               <a:rPr lang="en-US" sz="2000" dirty="0"/>
-              <a:t>various formats with text, </a:t>
-            </a:r>
-            <a:r>
-              <a:rPr lang="en-US" sz="2000" dirty="0" smtClean="0"/>
-              <a:t>tables and </a:t>
-            </a:r>
-            <a:r>
-              <a:rPr lang="en-US" sz="2000" dirty="0"/>
-              <a:t>complex graphical images requiring </a:t>
-            </a:r>
-            <a:r>
-              <a:rPr lang="en-US" sz="2000" dirty="0" smtClean="0"/>
-              <a:t>office </a:t>
-            </a:r>
-            <a:r>
-              <a:rPr lang="en-US" sz="2000" dirty="0"/>
-              <a:t>suite application programs (</a:t>
-            </a:r>
-            <a:r>
-              <a:rPr lang="en-US" sz="2000" dirty="0" smtClean="0"/>
-              <a:t>such as from </a:t>
-            </a:r>
-            <a:r>
-              <a:rPr lang="en-US" sz="2000" dirty="0"/>
-              <a:t>“Adobe”, “Microsoft“, “LibreOffice” etc.) </a:t>
-            </a:r>
-            <a:r>
-              <a:rPr lang="en-US" sz="2000" dirty="0" smtClean="0"/>
-              <a:t>typically </a:t>
-            </a:r>
-            <a:r>
-              <a:rPr lang="en-US" sz="2000" dirty="0"/>
-              <a:t>found on a general purpose </a:t>
-            </a:r>
-            <a:r>
-              <a:rPr lang="en-US" sz="2000" dirty="0" smtClean="0"/>
-              <a:t>desktop </a:t>
-            </a:r>
-            <a:r>
-              <a:rPr lang="en-US" sz="2000" dirty="0"/>
-              <a:t>computer system</a:t>
-            </a:r>
-            <a:r>
-              <a:rPr lang="en-US" sz="2000" dirty="0" smtClean="0"/>
-              <a:t>.</a:t>
+              <a:t>In various formats with text, tables and complex graphical images requiring office suite application programs (such as from “Adobe”, “Microsoft“, “LibreOffice” etc.) typically found on a general purpose desktop computer system.</a:t>
             </a:r>
           </a:p>
           <a:p>
             <a:pPr marL="457200" lvl="1" indent="0" eaLnBrk="1" hangingPunct="1">
               <a:buNone/>
             </a:pPr>
-            <a:endParaRPr lang="en-US" sz="2000" dirty="0" smtClean="0"/>
+            <a:endParaRPr lang="en-US" sz="2000" dirty="0"/>
           </a:p>
         </p:txBody>
       </p:sp>
@@ -13300,7 +11812,7 @@
             </a:pPr>
             <a:fld id="{37E6E1B1-C76C-4CDC-A296-5CF1D6AC2225}" type="datetime1">
               <a:rPr lang="en-US" smtClean="0"/>
-              <a:t>11/25/2015</a:t>
+              <a:t>12/23/2016</a:t>
             </a:fld>
             <a:endParaRPr lang="en-US"/>
           </a:p>
@@ -13325,10 +11837,9 @@
               <a:defRPr/>
             </a:pPr>
             <a:r>
-              <a:rPr lang="en-US" dirty="0" smtClean="0"/>
+              <a:rPr lang="en-US" dirty="0"/>
               <a:t>TeamSTARS "tsWxGTUI_PyVx" Toolkit prepared &amp; presented by Richard S. Gordon</a:t>
             </a:r>
-            <a:endParaRPr lang="en-US" dirty="0"/>
           </a:p>
         </p:txBody>
       </p:sp>
@@ -13366,13 +11877,6 @@
   <p:clrMapOvr>
     <a:masterClrMapping/>
   </p:clrMapOvr>
-  <p:timing>
-    <p:tnLst>
-      <p:par>
-        <p:cTn id="1" dur="indefinite" restart="never" nodeType="tmRoot"/>
-      </p:par>
-    </p:tnLst>
-  </p:timing>
 </p:sld>
 </file>
 
